--- a/presentation/Presentation.pptx
+++ b/presentation/Presentation.pptx
@@ -5,10 +5,10 @@
     <p:sldMasterId id="2147483648" r:id="rId1"/>
   </p:sldMasterIdLst>
   <p:notesMasterIdLst>
-    <p:notesMasterId r:id="rId25"/>
+    <p:notesMasterId r:id="rId27"/>
   </p:notesMasterIdLst>
   <p:handoutMasterIdLst>
-    <p:handoutMasterId r:id="rId26"/>
+    <p:handoutMasterId r:id="rId28"/>
   </p:handoutMasterIdLst>
   <p:sldIdLst>
     <p:sldId id="273" r:id="rId2"/>
@@ -33,7 +33,9 @@
     <p:sldId id="312" r:id="rId21"/>
     <p:sldId id="313" r:id="rId22"/>
     <p:sldId id="282" r:id="rId23"/>
-    <p:sldId id="283" r:id="rId24"/>
+    <p:sldId id="314" r:id="rId24"/>
+    <p:sldId id="283" r:id="rId25"/>
+    <p:sldId id="315" r:id="rId26"/>
   </p:sldIdLst>
   <p:sldSz cx="9144000" cy="6858000" type="screen4x3"/>
   <p:notesSz cx="6858000" cy="9144000"/>
@@ -189,7 +191,9 @@
             <p14:sldId id="312"/>
             <p14:sldId id="313"/>
             <p14:sldId id="282"/>
+            <p14:sldId id="314"/>
             <p14:sldId id="283"/>
+            <p14:sldId id="315"/>
           </p14:sldIdLst>
         </p14:section>
       </p14:sectionLst>
@@ -10214,6 +10218,534 @@
       </p:grpSpPr>
       <p:sp>
         <p:nvSpPr>
+          <p:cNvPr id="5" name="Titel 4"/>
+          <p:cNvSpPr>
+            <a:spLocks noGrp="1"/>
+          </p:cNvSpPr>
+          <p:nvPr>
+            <p:ph type="title"/>
+          </p:nvPr>
+        </p:nvSpPr>
+        <p:spPr/>
+        <p:txBody>
+          <a:bodyPr/>
+          <a:lstStyle/>
+          <a:p>
+            <a:r>
+              <a:rPr lang="de-DE" dirty="0" err="1" smtClean="0"/>
+              <a:t>Construction</a:t>
+            </a:r>
+            <a:endParaRPr lang="de-DE" dirty="0"/>
+          </a:p>
+        </p:txBody>
+      </p:sp>
+      <mc:AlternateContent xmlns:mc="http://schemas.openxmlformats.org/markup-compatibility/2006">
+        <mc:Choice xmlns:a14="http://schemas.microsoft.com/office/drawing/2010/main" Requires="a14">
+          <p:sp>
+            <p:nvSpPr>
+              <p:cNvPr id="6" name="Inhaltsplatzhalter 5"/>
+              <p:cNvSpPr>
+                <a:spLocks noGrp="1"/>
+              </p:cNvSpPr>
+              <p:nvPr>
+                <p:ph idx="1"/>
+              </p:nvPr>
+            </p:nvSpPr>
+            <p:spPr/>
+            <p:txBody>
+              <a:bodyPr>
+                <a:normAutofit/>
+              </a:bodyPr>
+              <a:lstStyle/>
+              <a:p>
+                <a:r>
+                  <a:rPr lang="de-DE" dirty="0" smtClean="0"/>
+                  <a:t>Given a </a:t>
+                </a:r>
+                <a:r>
+                  <a:rPr lang="de-DE" dirty="0" err="1" smtClean="0"/>
+                  <a:t>list</a:t>
+                </a:r>
+                <a:r>
+                  <a:rPr lang="de-DE" dirty="0" smtClean="0"/>
+                  <a:t> </a:t>
+                </a:r>
+                <a:r>
+                  <a:rPr lang="de-DE" dirty="0" err="1" smtClean="0"/>
+                  <a:t>of</a:t>
+                </a:r>
+                <a:r>
+                  <a:rPr lang="de-DE" dirty="0" smtClean="0"/>
+                  <a:t> </a:t>
+                </a:r>
+                <a:r>
+                  <a:rPr lang="de-DE" dirty="0" err="1" smtClean="0"/>
+                  <a:t>polygons</a:t>
+                </a:r>
+                <a:r>
+                  <a:rPr lang="de-DE" dirty="0" smtClean="0"/>
+                  <a:t>, </a:t>
+                </a:r>
+                <a:r>
+                  <a:rPr lang="de-DE" dirty="0" err="1" smtClean="0"/>
+                  <a:t>build</a:t>
+                </a:r>
+                <a:r>
+                  <a:rPr lang="de-DE" dirty="0" smtClean="0"/>
+                  <a:t> a </a:t>
+                </a:r>
+                <a:r>
+                  <a:rPr lang="de-DE" i="1" dirty="0" err="1" smtClean="0"/>
+                  <a:t>kd</a:t>
+                </a:r>
+                <a:r>
+                  <a:rPr lang="de-DE" dirty="0" err="1" smtClean="0"/>
+                  <a:t>-tree</a:t>
+                </a:r>
+                <a:r>
+                  <a:rPr lang="de-DE" dirty="0" smtClean="0"/>
+                  <a:t> such </a:t>
+                </a:r>
+                <a:r>
+                  <a:rPr lang="de-DE" dirty="0" err="1" smtClean="0"/>
+                  <a:t>that</a:t>
+                </a:r>
+                <a:r>
+                  <a:rPr lang="de-DE" dirty="0" smtClean="0"/>
+                  <a:t> </a:t>
+                </a:r>
+                <a:r>
+                  <a:rPr lang="de-DE" dirty="0" err="1" smtClean="0"/>
+                  <a:t>average</a:t>
+                </a:r>
+                <a:r>
+                  <a:rPr lang="de-DE" dirty="0" smtClean="0"/>
+                  <a:t> </a:t>
+                </a:r>
+                <a:r>
+                  <a:rPr lang="de-DE" dirty="0" err="1" smtClean="0"/>
+                  <a:t>query</a:t>
+                </a:r>
+                <a:r>
+                  <a:rPr lang="de-DE" dirty="0" smtClean="0"/>
+                  <a:t> time </a:t>
+                </a:r>
+                <a:r>
+                  <a:rPr lang="de-DE" dirty="0" err="1" smtClean="0"/>
+                  <a:t>is</a:t>
+                </a:r>
+                <a:r>
+                  <a:rPr lang="de-DE" dirty="0" smtClean="0"/>
+                  <a:t> </a:t>
+                </a:r>
+                <a:r>
+                  <a:rPr lang="de-DE" dirty="0" err="1" smtClean="0"/>
+                  <a:t>low</a:t>
+                </a:r>
+                <a:endParaRPr lang="de-DE" dirty="0" smtClean="0"/>
+              </a:p>
+              <a:p>
+                <a:r>
+                  <a:rPr lang="de-DE" dirty="0" smtClean="0"/>
+                  <a:t>Different </a:t>
+                </a:r>
+                <a:r>
+                  <a:rPr lang="de-DE" dirty="0" err="1" smtClean="0"/>
+                  <a:t>heuristics</a:t>
+                </a:r>
+                <a:endParaRPr lang="de-DE" dirty="0"/>
+              </a:p>
+              <a:p>
+                <a:pPr lvl="1"/>
+                <a:r>
+                  <a:rPr lang="de-DE" dirty="0" err="1" smtClean="0"/>
+                  <a:t>Spatial</a:t>
+                </a:r>
+                <a:r>
+                  <a:rPr lang="de-DE" dirty="0" smtClean="0"/>
+                  <a:t> median</a:t>
+                </a:r>
+              </a:p>
+              <a:p>
+                <a:pPr lvl="1"/>
+                <a:r>
+                  <a:rPr lang="de-DE" dirty="0" err="1" smtClean="0"/>
+                  <a:t>Object</a:t>
+                </a:r>
+                <a:r>
+                  <a:rPr lang="de-DE" dirty="0" smtClean="0"/>
+                  <a:t> median</a:t>
+                </a:r>
+              </a:p>
+              <a:p>
+                <a:pPr lvl="1"/>
+                <a:r>
+                  <a:rPr lang="de-DE" dirty="0" err="1" smtClean="0"/>
+                  <a:t>Cost</a:t>
+                </a:r>
+                <a:r>
+                  <a:rPr lang="de-DE" dirty="0" smtClean="0"/>
+                  <a:t> </a:t>
+                </a:r>
+                <a:r>
+                  <a:rPr lang="de-DE" dirty="0" err="1" smtClean="0"/>
+                  <a:t>function</a:t>
+                </a:r>
+                <a:r>
+                  <a:rPr lang="de-DE" dirty="0" smtClean="0"/>
+                  <a:t> (Surface Area </a:t>
+                </a:r>
+                <a:r>
+                  <a:rPr lang="de-DE" dirty="0" err="1" smtClean="0"/>
+                  <a:t>Heuristic</a:t>
+                </a:r>
+                <a:r>
+                  <a:rPr lang="de-DE" dirty="0" smtClean="0"/>
+                  <a:t>)</a:t>
+                </a:r>
+              </a:p>
+              <a:p>
+                <a:r>
+                  <a:rPr lang="de-DE" dirty="0" err="1" smtClean="0"/>
+                  <a:t>Implemented</a:t>
+                </a:r>
+                <a:r>
+                  <a:rPr lang="de-DE" dirty="0" smtClean="0"/>
+                  <a:t> </a:t>
+                </a:r>
+                <a:r>
+                  <a:rPr lang="de-DE" i="1" dirty="0" err="1" smtClean="0"/>
+                  <a:t>kd</a:t>
+                </a:r>
+                <a:r>
+                  <a:rPr lang="de-DE" dirty="0" err="1" smtClean="0"/>
+                  <a:t>-tree</a:t>
+                </a:r>
+                <a:r>
+                  <a:rPr lang="de-DE" dirty="0" smtClean="0"/>
+                  <a:t> </a:t>
+                </a:r>
+                <a:r>
+                  <a:rPr lang="de-DE" dirty="0" err="1" smtClean="0"/>
+                  <a:t>construction</a:t>
+                </a:r>
+                <a:r>
+                  <a:rPr lang="de-DE" dirty="0" smtClean="0"/>
+                  <a:t> </a:t>
+                </a:r>
+                <a:r>
+                  <a:rPr lang="de-DE" dirty="0" err="1" smtClean="0"/>
+                  <a:t>based</a:t>
+                </a:r>
+                <a:r>
+                  <a:rPr lang="de-DE" dirty="0" smtClean="0"/>
+                  <a:t> on Surface Area </a:t>
+                </a:r>
+                <a:r>
+                  <a:rPr lang="de-DE" dirty="0" err="1" smtClean="0"/>
+                  <a:t>Heuristic</a:t>
+                </a:r>
+                <a:endParaRPr lang="de-DE" dirty="0" smtClean="0"/>
+              </a:p>
+              <a:p>
+                <a:r>
+                  <a:rPr lang="de-DE" dirty="0" err="1" smtClean="0"/>
+                  <a:t>Based</a:t>
+                </a:r>
+                <a:r>
+                  <a:rPr lang="de-DE" dirty="0" smtClean="0"/>
+                  <a:t> on </a:t>
+                </a:r>
+                <a:r>
+                  <a:rPr lang="de-DE" dirty="0" err="1" smtClean="0"/>
+                  <a:t>the</a:t>
+                </a:r>
+                <a:r>
+                  <a:rPr lang="de-DE" dirty="0" smtClean="0"/>
+                  <a:t> </a:t>
+                </a:r>
+                <a14:m>
+                  <m:oMath xmlns:m="http://schemas.openxmlformats.org/officeDocument/2006/math">
+                    <m:r>
+                      <a:rPr lang="en-US" i="1" dirty="0">
+                        <a:latin typeface="Cambria Math" panose="02040503050406030204" pitchFamily="18" charset="0"/>
+                      </a:rPr>
+                      <m:t>𝑂</m:t>
+                    </m:r>
+                    <m:d>
+                      <m:dPr>
+                        <m:ctrlPr>
+                          <a:rPr lang="en-US" i="1" dirty="0">
+                            <a:latin typeface="Cambria Math" panose="02040503050406030204" pitchFamily="18" charset="0"/>
+                          </a:rPr>
+                        </m:ctrlPr>
+                      </m:dPr>
+                      <m:e>
+                        <m:r>
+                          <a:rPr lang="de-DE" i="1" dirty="0">
+                            <a:latin typeface="Cambria Math" panose="02040503050406030204" pitchFamily="18" charset="0"/>
+                          </a:rPr>
+                          <m:t>𝑛</m:t>
+                        </m:r>
+                        <m:r>
+                          <a:rPr lang="de-DE" i="1" dirty="0">
+                            <a:latin typeface="Cambria Math" panose="02040503050406030204" pitchFamily="18" charset="0"/>
+                          </a:rPr>
+                          <m:t> </m:t>
+                        </m:r>
+                        <m:sSup>
+                          <m:sSupPr>
+                            <m:ctrlPr>
+                              <a:rPr lang="de-DE" i="1" dirty="0" smtClean="0">
+                                <a:latin typeface="Cambria Math" panose="02040503050406030204" pitchFamily="18" charset="0"/>
+                              </a:rPr>
+                            </m:ctrlPr>
+                          </m:sSupPr>
+                          <m:e>
+                            <m:r>
+                              <m:rPr>
+                                <m:sty m:val="p"/>
+                              </m:rPr>
+                              <a:rPr lang="en-US" i="1" dirty="0">
+                                <a:latin typeface="Cambria Math" panose="02040503050406030204" pitchFamily="18" charset="0"/>
+                              </a:rPr>
+                              <m:t>log</m:t>
+                            </m:r>
+                          </m:e>
+                          <m:sup>
+                            <m:r>
+                              <a:rPr lang="de-DE" b="0" i="1" dirty="0" smtClean="0">
+                                <a:latin typeface="Cambria Math" panose="02040503050406030204" pitchFamily="18" charset="0"/>
+                              </a:rPr>
+                              <m:t>2</m:t>
+                            </m:r>
+                          </m:sup>
+                        </m:sSup>
+                        <m:r>
+                          <a:rPr lang="en-US" i="1" dirty="0">
+                            <a:latin typeface="Cambria Math" panose="02040503050406030204" pitchFamily="18" charset="0"/>
+                          </a:rPr>
+                          <m:t>𝑛</m:t>
+                        </m:r>
+                      </m:e>
+                    </m:d>
+                  </m:oMath>
+                </a14:m>
+                <a:r>
+                  <a:rPr lang="de-DE" dirty="0" smtClean="0"/>
+                  <a:t> </a:t>
+                </a:r>
+                <a:r>
+                  <a:rPr lang="de-DE" dirty="0" err="1" smtClean="0"/>
+                  <a:t>approach</a:t>
+                </a:r>
+                <a:r>
+                  <a:rPr lang="de-DE" dirty="0" smtClean="0"/>
+                  <a:t> in [1]</a:t>
+                </a:r>
+              </a:p>
+              <a:p>
+                <a:pPr lvl="1"/>
+                <a:r>
+                  <a:rPr lang="de-DE" dirty="0" smtClean="0"/>
+                  <a:t>Paper also </a:t>
+                </a:r>
+                <a:r>
+                  <a:rPr lang="de-DE" dirty="0" err="1" smtClean="0"/>
+                  <a:t>describes</a:t>
+                </a:r>
+                <a:r>
+                  <a:rPr lang="de-DE" dirty="0" smtClean="0"/>
+                  <a:t> </a:t>
+                </a:r>
+                <a14:m>
+                  <m:oMath xmlns:m="http://schemas.openxmlformats.org/officeDocument/2006/math">
+                    <m:r>
+                      <a:rPr lang="en-US" i="1" dirty="0">
+                        <a:latin typeface="Cambria Math" panose="02040503050406030204" pitchFamily="18" charset="0"/>
+                      </a:rPr>
+                      <m:t>𝑂</m:t>
+                    </m:r>
+                    <m:d>
+                      <m:dPr>
+                        <m:ctrlPr>
+                          <a:rPr lang="en-US" i="1" dirty="0">
+                            <a:latin typeface="Cambria Math" panose="02040503050406030204" pitchFamily="18" charset="0"/>
+                          </a:rPr>
+                        </m:ctrlPr>
+                      </m:dPr>
+                      <m:e>
+                        <m:r>
+                          <a:rPr lang="de-DE" i="1" dirty="0">
+                            <a:latin typeface="Cambria Math" panose="02040503050406030204" pitchFamily="18" charset="0"/>
+                          </a:rPr>
+                          <m:t>𝑛</m:t>
+                        </m:r>
+                        <m:r>
+                          <a:rPr lang="de-DE" b="0" i="1" dirty="0" smtClean="0">
+                            <a:latin typeface="Cambria Math" panose="02040503050406030204" pitchFamily="18" charset="0"/>
+                          </a:rPr>
+                          <m:t> </m:t>
+                        </m:r>
+                        <m:r>
+                          <m:rPr>
+                            <m:sty m:val="p"/>
+                          </m:rPr>
+                          <a:rPr lang="en-US" i="1" dirty="0">
+                            <a:latin typeface="Cambria Math" panose="02040503050406030204" pitchFamily="18" charset="0"/>
+                          </a:rPr>
+                          <m:t>log</m:t>
+                        </m:r>
+                        <m:r>
+                          <a:rPr lang="de-DE" b="0" i="1" dirty="0" smtClean="0">
+                            <a:latin typeface="Cambria Math" panose="02040503050406030204" pitchFamily="18" charset="0"/>
+                          </a:rPr>
+                          <m:t> </m:t>
+                        </m:r>
+                        <m:r>
+                          <a:rPr lang="en-US" i="1" dirty="0">
+                            <a:latin typeface="Cambria Math" panose="02040503050406030204" pitchFamily="18" charset="0"/>
+                          </a:rPr>
+                          <m:t>𝑛</m:t>
+                        </m:r>
+                      </m:e>
+                    </m:d>
+                  </m:oMath>
+                </a14:m>
+                <a:r>
+                  <a:rPr lang="de-DE" dirty="0" smtClean="0"/>
+                  <a:t> algorithm</a:t>
+                </a:r>
+              </a:p>
+              <a:p>
+                <a:endParaRPr lang="de-DE" dirty="0" smtClean="0"/>
+              </a:p>
+              <a:p>
+                <a:pPr lvl="1"/>
+                <a:endParaRPr lang="de-DE" dirty="0"/>
+              </a:p>
+              <a:p>
+                <a:pPr marL="418388" indent="-457200">
+                  <a:buFont typeface="+mj-lt"/>
+                  <a:buAutoNum type="arabicPeriod"/>
+                </a:pPr>
+                <a:endParaRPr lang="de-DE" dirty="0" smtClean="0"/>
+              </a:p>
+            </p:txBody>
+          </p:sp>
+        </mc:Choice>
+        <mc:Fallback>
+          <p:sp>
+            <p:nvSpPr>
+              <p:cNvPr id="6" name="Inhaltsplatzhalter 5"/>
+              <p:cNvSpPr>
+                <a:spLocks noGrp="1" noRot="1" noChangeAspect="1" noMove="1" noResize="1" noEditPoints="1" noAdjustHandles="1" noChangeArrowheads="1" noChangeShapeType="1" noTextEdit="1"/>
+              </p:cNvSpPr>
+              <p:nvPr>
+                <p:ph idx="1"/>
+              </p:nvPr>
+            </p:nvSpPr>
+            <p:spPr>
+              <a:blipFill>
+                <a:blip r:embed="rId2"/>
+                <a:stretch>
+                  <a:fillRect t="-2329" b="-2587"/>
+                </a:stretch>
+              </a:blipFill>
+            </p:spPr>
+            <p:txBody>
+              <a:bodyPr/>
+              <a:lstStyle/>
+              <a:p>
+                <a:r>
+                  <a:rPr lang="de-DE">
+                    <a:noFill/>
+                  </a:rPr>
+                  <a:t> </a:t>
+                </a:r>
+              </a:p>
+            </p:txBody>
+          </p:sp>
+        </mc:Fallback>
+      </mc:AlternateContent>
+      <p:sp>
+        <p:nvSpPr>
+          <p:cNvPr id="4" name="Fußzeilenplatzhalter 3"/>
+          <p:cNvSpPr>
+            <a:spLocks noGrp="1"/>
+          </p:cNvSpPr>
+          <p:nvPr>
+            <p:ph type="ftr" sz="quarter" idx="10"/>
+          </p:nvPr>
+        </p:nvSpPr>
+        <p:spPr/>
+        <p:txBody>
+          <a:bodyPr/>
+          <a:lstStyle/>
+          <a:p>
+            <a:pPr>
+              <a:defRPr/>
+            </a:pPr>
+            <a:r>
+              <a:rPr lang="de-DE" dirty="0"/>
+              <a:t>Mao L., Wang C., Sebastian G. – </a:t>
+            </a:r>
+            <a:r>
+              <a:rPr lang="de-DE" dirty="0" err="1"/>
+              <a:t>Ghosts</a:t>
+            </a:r>
+            <a:r>
+              <a:rPr lang="de-DE" dirty="0"/>
+              <a:t> </a:t>
+            </a:r>
+            <a:r>
+              <a:rPr lang="de-DE" dirty="0" err="1"/>
+              <a:t>activate</a:t>
+            </a:r>
+            <a:r>
+              <a:rPr lang="de-DE" dirty="0"/>
+              <a:t> on </a:t>
+            </a:r>
+            <a:r>
+              <a:rPr lang="de-DE" dirty="0" err="1"/>
+              <a:t>sight</a:t>
+            </a:r>
+            <a:endParaRPr lang="en-US" dirty="0"/>
+          </a:p>
+        </p:txBody>
+      </p:sp>
+    </p:spTree>
+    <p:extLst>
+      <p:ext uri="{BB962C8B-B14F-4D97-AF65-F5344CB8AC3E}">
+        <p14:creationId xmlns:p14="http://schemas.microsoft.com/office/powerpoint/2010/main" val="2653859549"/>
+      </p:ext>
+    </p:extLst>
+  </p:cSld>
+  <p:clrMapOvr>
+    <a:masterClrMapping/>
+  </p:clrMapOvr>
+</p:sld>
+</file>
+
+<file path=ppt/slides/slide24.xml><?xml version="1.0" encoding="utf-8"?>
+<p:sld xmlns:a="http://schemas.openxmlformats.org/drawingml/2006/main" xmlns:r="http://schemas.openxmlformats.org/officeDocument/2006/relationships" xmlns:p="http://schemas.openxmlformats.org/presentationml/2006/main">
+  <p:cSld>
+    <p:spTree>
+      <p:nvGrpSpPr>
+        <p:cNvPr id="1" name=""/>
+        <p:cNvGrpSpPr/>
+        <p:nvPr/>
+      </p:nvGrpSpPr>
+      <p:grpSpPr>
+        <a:xfrm>
+          <a:off x="0" y="0"/>
+          <a:ext cx="0" cy="0"/>
+          <a:chOff x="0" y="0"/>
+          <a:chExt cx="0" cy="0"/>
+        </a:xfrm>
+      </p:grpSpPr>
+      <p:sp>
+        <p:nvSpPr>
           <p:cNvPr id="3" name="Textplatzhalter 2"/>
           <p:cNvSpPr>
             <a:spLocks noGrp="1"/>
@@ -10304,6 +10836,189 @@
     <p:extLst>
       <p:ext uri="{BB962C8B-B14F-4D97-AF65-F5344CB8AC3E}">
         <p14:creationId xmlns:p14="http://schemas.microsoft.com/office/powerpoint/2010/main" val="528723072"/>
+      </p:ext>
+    </p:extLst>
+  </p:cSld>
+  <p:clrMapOvr>
+    <a:masterClrMapping/>
+  </p:clrMapOvr>
+</p:sld>
+</file>
+
+<file path=ppt/slides/slide25.xml><?xml version="1.0" encoding="utf-8"?>
+<p:sld xmlns:a="http://schemas.openxmlformats.org/drawingml/2006/main" xmlns:r="http://schemas.openxmlformats.org/officeDocument/2006/relationships" xmlns:p="http://schemas.openxmlformats.org/presentationml/2006/main">
+  <p:cSld>
+    <p:spTree>
+      <p:nvGrpSpPr>
+        <p:cNvPr id="1" name=""/>
+        <p:cNvGrpSpPr/>
+        <p:nvPr/>
+      </p:nvGrpSpPr>
+      <p:grpSpPr>
+        <a:xfrm>
+          <a:off x="0" y="0"/>
+          <a:ext cx="0" cy="0"/>
+          <a:chOff x="0" y="0"/>
+          <a:chExt cx="0" cy="0"/>
+        </a:xfrm>
+      </p:grpSpPr>
+      <p:sp>
+        <p:nvSpPr>
+          <p:cNvPr id="5" name="Titel 4"/>
+          <p:cNvSpPr>
+            <a:spLocks noGrp="1"/>
+          </p:cNvSpPr>
+          <p:nvPr>
+            <p:ph type="title"/>
+          </p:nvPr>
+        </p:nvSpPr>
+        <p:spPr/>
+        <p:txBody>
+          <a:bodyPr/>
+          <a:lstStyle/>
+          <a:p>
+            <a:r>
+              <a:rPr lang="de-DE" dirty="0" smtClean="0"/>
+              <a:t>References</a:t>
+            </a:r>
+            <a:endParaRPr lang="de-DE" dirty="0"/>
+          </a:p>
+        </p:txBody>
+      </p:sp>
+      <p:sp>
+        <p:nvSpPr>
+          <p:cNvPr id="6" name="Inhaltsplatzhalter 5"/>
+          <p:cNvSpPr>
+            <a:spLocks noGrp="1"/>
+          </p:cNvSpPr>
+          <p:nvPr>
+            <p:ph idx="1"/>
+          </p:nvPr>
+        </p:nvSpPr>
+        <p:spPr/>
+        <p:txBody>
+          <a:bodyPr>
+            <a:normAutofit/>
+          </a:bodyPr>
+          <a:lstStyle/>
+          <a:p>
+            <a:r>
+              <a:rPr lang="de-DE" dirty="0"/>
+              <a:t>[1] </a:t>
+            </a:r>
+            <a:r>
+              <a:rPr lang="en-US" dirty="0">
+                <a:hlinkClick r:id="rId2"/>
+              </a:rPr>
+              <a:t>On building fast </a:t>
+            </a:r>
+            <a:r>
+              <a:rPr lang="en-US" dirty="0" err="1">
+                <a:hlinkClick r:id="rId2"/>
+              </a:rPr>
+              <a:t>kd</a:t>
+            </a:r>
+            <a:r>
+              <a:rPr lang="en-US" dirty="0">
+                <a:hlinkClick r:id="rId2"/>
+              </a:rPr>
+              <a:t>-Trees for Ray Tracing, and on doing that in O(N log N) (2006</a:t>
+            </a:r>
+            <a:r>
+              <a:rPr lang="en-US" dirty="0" smtClean="0">
+                <a:hlinkClick r:id="rId2"/>
+              </a:rPr>
+              <a:t>),</a:t>
+            </a:r>
+            <a:r>
+              <a:rPr lang="de-DE" dirty="0">
+                <a:hlinkClick r:id="rId2"/>
+              </a:rPr>
+              <a:t> </a:t>
+            </a:r>
+            <a:r>
+              <a:rPr lang="de-DE" dirty="0" smtClean="0">
+                <a:hlinkClick r:id="rId2"/>
+              </a:rPr>
+              <a:t>Ingo Wald, </a:t>
+            </a:r>
+            <a:r>
+              <a:rPr lang="de-DE" dirty="0">
+                <a:hlinkClick r:id="rId2"/>
+              </a:rPr>
+              <a:t>Vlastimil </a:t>
+            </a:r>
+            <a:r>
+              <a:rPr lang="de-DE" dirty="0" err="1">
+                <a:hlinkClick r:id="rId2"/>
+              </a:rPr>
+              <a:t>Havran</a:t>
+            </a:r>
+            <a:endParaRPr lang="de-DE" dirty="0" smtClean="0"/>
+          </a:p>
+          <a:p>
+            <a:pPr lvl="1"/>
+            <a:endParaRPr lang="de-DE" dirty="0"/>
+          </a:p>
+          <a:p>
+            <a:pPr marL="418388" indent="-457200">
+              <a:buFont typeface="+mj-lt"/>
+              <a:buAutoNum type="arabicPeriod"/>
+            </a:pPr>
+            <a:endParaRPr lang="de-DE" dirty="0" smtClean="0"/>
+          </a:p>
+        </p:txBody>
+      </p:sp>
+      <p:sp>
+        <p:nvSpPr>
+          <p:cNvPr id="4" name="Fußzeilenplatzhalter 3"/>
+          <p:cNvSpPr>
+            <a:spLocks noGrp="1"/>
+          </p:cNvSpPr>
+          <p:nvPr>
+            <p:ph type="ftr" sz="quarter" idx="10"/>
+          </p:nvPr>
+        </p:nvSpPr>
+        <p:spPr/>
+        <p:txBody>
+          <a:bodyPr/>
+          <a:lstStyle/>
+          <a:p>
+            <a:pPr>
+              <a:defRPr/>
+            </a:pPr>
+            <a:r>
+              <a:rPr lang="de-DE" dirty="0"/>
+              <a:t>Mao L., Wang C., Sebastian G. – </a:t>
+            </a:r>
+            <a:r>
+              <a:rPr lang="de-DE" dirty="0" err="1"/>
+              <a:t>Ghosts</a:t>
+            </a:r>
+            <a:r>
+              <a:rPr lang="de-DE" dirty="0"/>
+              <a:t> </a:t>
+            </a:r>
+            <a:r>
+              <a:rPr lang="de-DE" dirty="0" err="1"/>
+              <a:t>activate</a:t>
+            </a:r>
+            <a:r>
+              <a:rPr lang="de-DE" dirty="0"/>
+              <a:t> on </a:t>
+            </a:r>
+            <a:r>
+              <a:rPr lang="de-DE" dirty="0" err="1"/>
+              <a:t>sight</a:t>
+            </a:r>
+            <a:endParaRPr lang="en-US" dirty="0"/>
+          </a:p>
+        </p:txBody>
+      </p:sp>
+    </p:spTree>
+    <p:extLst>
+      <p:ext uri="{BB962C8B-B14F-4D97-AF65-F5344CB8AC3E}">
+        <p14:creationId xmlns:p14="http://schemas.microsoft.com/office/powerpoint/2010/main" val="520941319"/>
       </p:ext>
     </p:extLst>
   </p:cSld>

--- a/presentation/Presentation.pptx
+++ b/presentation/Presentation.pptx
@@ -5,10 +5,10 @@
     <p:sldMasterId id="2147483648" r:id="rId1"/>
   </p:sldMasterIdLst>
   <p:notesMasterIdLst>
-    <p:notesMasterId r:id="rId27"/>
+    <p:notesMasterId r:id="rId41"/>
   </p:notesMasterIdLst>
   <p:handoutMasterIdLst>
-    <p:handoutMasterId r:id="rId28"/>
+    <p:handoutMasterId r:id="rId42"/>
   </p:handoutMasterIdLst>
   <p:sldIdLst>
     <p:sldId id="273" r:id="rId2"/>
@@ -34,8 +34,22 @@
     <p:sldId id="313" r:id="rId22"/>
     <p:sldId id="282" r:id="rId23"/>
     <p:sldId id="314" r:id="rId24"/>
-    <p:sldId id="283" r:id="rId25"/>
-    <p:sldId id="315" r:id="rId26"/>
+    <p:sldId id="318" r:id="rId25"/>
+    <p:sldId id="319" r:id="rId26"/>
+    <p:sldId id="320" r:id="rId27"/>
+    <p:sldId id="321" r:id="rId28"/>
+    <p:sldId id="323" r:id="rId29"/>
+    <p:sldId id="324" r:id="rId30"/>
+    <p:sldId id="326" r:id="rId31"/>
+    <p:sldId id="327" r:id="rId32"/>
+    <p:sldId id="328" r:id="rId33"/>
+    <p:sldId id="329" r:id="rId34"/>
+    <p:sldId id="330" r:id="rId35"/>
+    <p:sldId id="331" r:id="rId36"/>
+    <p:sldId id="332" r:id="rId37"/>
+    <p:sldId id="283" r:id="rId38"/>
+    <p:sldId id="333" r:id="rId39"/>
+    <p:sldId id="315" r:id="rId40"/>
   </p:sldIdLst>
   <p:sldSz cx="9144000" cy="6858000" type="screen4x3"/>
   <p:notesSz cx="6858000" cy="9144000"/>
@@ -192,7 +206,21 @@
             <p14:sldId id="313"/>
             <p14:sldId id="282"/>
             <p14:sldId id="314"/>
+            <p14:sldId id="318"/>
+            <p14:sldId id="319"/>
+            <p14:sldId id="320"/>
+            <p14:sldId id="321"/>
+            <p14:sldId id="323"/>
+            <p14:sldId id="324"/>
+            <p14:sldId id="326"/>
+            <p14:sldId id="327"/>
+            <p14:sldId id="328"/>
+            <p14:sldId id="329"/>
+            <p14:sldId id="330"/>
+            <p14:sldId id="331"/>
+            <p14:sldId id="332"/>
             <p14:sldId id="283"/>
+            <p14:sldId id="333"/>
             <p14:sldId id="315"/>
           </p14:sldIdLst>
         </p14:section>
@@ -5171,11 +5199,11 @@
                   <a:t> </a:t>
                 </a:r>
                 <a:r>
-                  <a:rPr lang="de-DE" dirty="0" err="1"/>
-                  <a:t>ray</a:t>
-                </a:r>
-                <a:r>
-                  <a:rPr lang="de-DE" dirty="0"/>
+                  <a:rPr lang="de-DE" dirty="0" err="1" smtClean="0"/>
+                  <a:t>line</a:t>
+                </a:r>
+                <a:r>
+                  <a:rPr lang="de-DE" dirty="0" smtClean="0"/>
                   <a:t> </a:t>
                 </a:r>
                 <a:r>
@@ -5274,7 +5302,7 @@
               <a:blipFill>
                 <a:blip r:embed="rId2"/>
                 <a:stretch>
-                  <a:fillRect t="-1294" r="-1459"/>
+                  <a:fillRect t="-1294" r="-2188"/>
                 </a:stretch>
               </a:blipFill>
             </p:spPr>
@@ -10433,6 +10461,9 @@
                   <a:rPr lang="de-DE" dirty="0" smtClean="0"/>
                   <a:t> </a:t>
                 </a:r>
+                <a:br>
+                  <a:rPr lang="de-DE" dirty="0" smtClean="0"/>
+                </a:br>
                 <a:r>
                   <a:rPr lang="de-DE" dirty="0" err="1" smtClean="0"/>
                   <a:t>based</a:t>
@@ -10714,6 +10745,96 @@
           </a:p>
         </p:txBody>
       </p:sp>
+      <p:pic>
+        <p:nvPicPr>
+          <p:cNvPr id="2" name="Grafik 1"/>
+          <p:cNvPicPr>
+            <a:picLocks noChangeAspect="1"/>
+          </p:cNvPicPr>
+          <p:nvPr/>
+        </p:nvPicPr>
+        <p:blipFill>
+          <a:blip r:embed="rId3" cstate="print">
+            <a:extLst>
+              <a:ext uri="{28A0092B-C50C-407E-A947-70E740481C1C}">
+                <a14:useLocalDpi xmlns:a14="http://schemas.microsoft.com/office/drawing/2010/main" val="0"/>
+              </a:ext>
+            </a:extLst>
+          </a:blip>
+          <a:stretch>
+            <a:fillRect/>
+          </a:stretch>
+        </p:blipFill>
+        <p:spPr>
+          <a:xfrm>
+            <a:off x="7235102" y="1691276"/>
+            <a:ext cx="1513609" cy="974245"/>
+          </a:xfrm>
+          <a:prstGeom prst="rect">
+            <a:avLst/>
+          </a:prstGeom>
+        </p:spPr>
+      </p:pic>
+      <p:pic>
+        <p:nvPicPr>
+          <p:cNvPr id="7" name="Grafik 6"/>
+          <p:cNvPicPr>
+            <a:picLocks noChangeAspect="1"/>
+          </p:cNvPicPr>
+          <p:nvPr/>
+        </p:nvPicPr>
+        <p:blipFill>
+          <a:blip r:embed="rId4" cstate="print">
+            <a:extLst>
+              <a:ext uri="{28A0092B-C50C-407E-A947-70E740481C1C}">
+                <a14:useLocalDpi xmlns:a14="http://schemas.microsoft.com/office/drawing/2010/main" val="0"/>
+              </a:ext>
+            </a:extLst>
+          </a:blip>
+          <a:stretch>
+            <a:fillRect/>
+          </a:stretch>
+        </p:blipFill>
+        <p:spPr>
+          <a:xfrm>
+            <a:off x="7235103" y="2712706"/>
+            <a:ext cx="1513609" cy="974244"/>
+          </a:xfrm>
+          <a:prstGeom prst="rect">
+            <a:avLst/>
+          </a:prstGeom>
+        </p:spPr>
+      </p:pic>
+      <p:pic>
+        <p:nvPicPr>
+          <p:cNvPr id="8" name="Grafik 7"/>
+          <p:cNvPicPr>
+            <a:picLocks noChangeAspect="1"/>
+          </p:cNvPicPr>
+          <p:nvPr/>
+        </p:nvPicPr>
+        <p:blipFill>
+          <a:blip r:embed="rId5" cstate="print">
+            <a:extLst>
+              <a:ext uri="{28A0092B-C50C-407E-A947-70E740481C1C}">
+                <a14:useLocalDpi xmlns:a14="http://schemas.microsoft.com/office/drawing/2010/main" val="0"/>
+              </a:ext>
+            </a:extLst>
+          </a:blip>
+          <a:stretch>
+            <a:fillRect/>
+          </a:stretch>
+        </p:blipFill>
+        <p:spPr>
+          <a:xfrm>
+            <a:off x="7235104" y="3734135"/>
+            <a:ext cx="1513609" cy="974244"/>
+          </a:xfrm>
+          <a:prstGeom prst="rect">
+            <a:avLst/>
+          </a:prstGeom>
+        </p:spPr>
+      </p:pic>
     </p:spTree>
     <p:extLst>
       <p:ext uri="{BB962C8B-B14F-4D97-AF65-F5344CB8AC3E}">
@@ -10746,12 +10867,12 @@
       </p:grpSpPr>
       <p:sp>
         <p:nvSpPr>
-          <p:cNvPr id="3" name="Textplatzhalter 2"/>
+          <p:cNvPr id="5" name="Titel 4"/>
           <p:cNvSpPr>
             <a:spLocks noGrp="1"/>
           </p:cNvSpPr>
           <p:nvPr>
-            <p:ph type="body" idx="1"/>
+            <p:ph type="title"/>
           </p:nvPr>
         </p:nvSpPr>
         <p:spPr/>
@@ -10760,10 +10881,288 @@
           <a:lstStyle/>
           <a:p>
             <a:r>
-              <a:rPr lang="de-DE" i="1" dirty="0" smtClean="0"/>
-              <a:t>Performance</a:t>
+              <a:rPr lang="de-DE" dirty="0" smtClean="0"/>
+              <a:t>Surface Area </a:t>
+            </a:r>
+            <a:r>
+              <a:rPr lang="de-DE" dirty="0" err="1" smtClean="0"/>
+              <a:t>Heuristic</a:t>
             </a:r>
             <a:endParaRPr lang="de-DE" dirty="0"/>
+          </a:p>
+        </p:txBody>
+      </p:sp>
+      <p:sp>
+        <p:nvSpPr>
+          <p:cNvPr id="6" name="Inhaltsplatzhalter 5"/>
+          <p:cNvSpPr>
+            <a:spLocks noGrp="1"/>
+          </p:cNvSpPr>
+          <p:nvPr>
+            <p:ph idx="1"/>
+          </p:nvPr>
+        </p:nvSpPr>
+        <p:spPr/>
+        <p:txBody>
+          <a:bodyPr>
+            <a:normAutofit/>
+          </a:bodyPr>
+          <a:lstStyle/>
+          <a:p>
+            <a:r>
+              <a:rPr lang="de-DE" dirty="0" err="1" smtClean="0"/>
+              <a:t>Assigns</a:t>
+            </a:r>
+            <a:r>
+              <a:rPr lang="de-DE" dirty="0" smtClean="0"/>
+              <a:t> </a:t>
+            </a:r>
+            <a:r>
+              <a:rPr lang="de-DE" dirty="0" err="1" smtClean="0"/>
+              <a:t>costs</a:t>
+            </a:r>
+            <a:r>
+              <a:rPr lang="de-DE" dirty="0" smtClean="0"/>
+              <a:t> </a:t>
+            </a:r>
+            <a:r>
+              <a:rPr lang="de-DE" dirty="0" err="1" smtClean="0"/>
+              <a:t>to</a:t>
+            </a:r>
+            <a:r>
+              <a:rPr lang="de-DE" dirty="0" smtClean="0"/>
+              <a:t> </a:t>
+            </a:r>
+            <a:r>
+              <a:rPr lang="de-DE" dirty="0" err="1" smtClean="0"/>
+              <a:t>splits</a:t>
+            </a:r>
+            <a:endParaRPr lang="de-DE" dirty="0" smtClean="0"/>
+          </a:p>
+          <a:p>
+            <a:r>
+              <a:rPr lang="de-DE" dirty="0" err="1" smtClean="0"/>
+              <a:t>Lowest</a:t>
+            </a:r>
+            <a:r>
+              <a:rPr lang="de-DE" dirty="0"/>
+              <a:t> </a:t>
+            </a:r>
+            <a:r>
+              <a:rPr lang="de-DE" dirty="0" err="1" smtClean="0"/>
+              <a:t>scoring</a:t>
+            </a:r>
+            <a:r>
+              <a:rPr lang="de-DE" dirty="0" smtClean="0"/>
+              <a:t> </a:t>
+            </a:r>
+            <a:r>
+              <a:rPr lang="de-DE" dirty="0" err="1" smtClean="0"/>
+              <a:t>splits</a:t>
+            </a:r>
+            <a:r>
+              <a:rPr lang="de-DE" dirty="0" smtClean="0"/>
+              <a:t> (</a:t>
+            </a:r>
+            <a:r>
+              <a:rPr lang="de-DE" i="1" dirty="0" err="1" smtClean="0"/>
+              <a:t>perfect</a:t>
+            </a:r>
+            <a:r>
+              <a:rPr lang="de-DE" dirty="0" smtClean="0"/>
+              <a:t> </a:t>
+            </a:r>
+            <a:r>
+              <a:rPr lang="de-DE" dirty="0" err="1" smtClean="0"/>
+              <a:t>splits</a:t>
+            </a:r>
+            <a:r>
+              <a:rPr lang="de-DE" dirty="0" smtClean="0"/>
+              <a:t>) </a:t>
+            </a:r>
+            <a:r>
+              <a:rPr lang="de-DE" dirty="0" err="1" smtClean="0"/>
+              <a:t>are</a:t>
+            </a:r>
+            <a:r>
+              <a:rPr lang="de-DE" dirty="0" smtClean="0"/>
+              <a:t> optimal </a:t>
+            </a:r>
+            <a:r>
+              <a:rPr lang="de-DE" dirty="0" err="1" smtClean="0"/>
+              <a:t>under</a:t>
+            </a:r>
+            <a:r>
+              <a:rPr lang="de-DE" dirty="0" smtClean="0"/>
+              <a:t> </a:t>
+            </a:r>
+            <a:r>
+              <a:rPr lang="de-DE" dirty="0" err="1" smtClean="0"/>
+              <a:t>the</a:t>
+            </a:r>
+            <a:r>
+              <a:rPr lang="de-DE" dirty="0" smtClean="0"/>
+              <a:t> </a:t>
+            </a:r>
+            <a:r>
+              <a:rPr lang="de-DE" dirty="0" err="1" smtClean="0"/>
+              <a:t>following</a:t>
+            </a:r>
+            <a:r>
+              <a:rPr lang="de-DE" dirty="0" smtClean="0"/>
+              <a:t> </a:t>
+            </a:r>
+            <a:r>
+              <a:rPr lang="de-DE" dirty="0" err="1" smtClean="0"/>
+              <a:t>assumptions</a:t>
+            </a:r>
+            <a:r>
+              <a:rPr lang="de-DE" dirty="0" smtClean="0"/>
+              <a:t>:</a:t>
+            </a:r>
+            <a:endParaRPr lang="de-DE" dirty="0"/>
+          </a:p>
+          <a:p>
+            <a:pPr lvl="1"/>
+            <a:r>
+              <a:rPr lang="de-DE" dirty="0" err="1"/>
+              <a:t>Assuming</a:t>
+            </a:r>
+            <a:r>
+              <a:rPr lang="de-DE" dirty="0"/>
+              <a:t> </a:t>
+            </a:r>
+            <a:r>
+              <a:rPr lang="de-DE" dirty="0" err="1"/>
+              <a:t>uniformly</a:t>
+            </a:r>
+            <a:r>
+              <a:rPr lang="de-DE" dirty="0"/>
+              <a:t> </a:t>
+            </a:r>
+            <a:r>
+              <a:rPr lang="de-DE" dirty="0" err="1"/>
+              <a:t>distributed</a:t>
+            </a:r>
+            <a:r>
+              <a:rPr lang="de-DE" dirty="0"/>
+              <a:t> </a:t>
+            </a:r>
+            <a:r>
+              <a:rPr lang="de-DE" dirty="0" err="1"/>
+              <a:t>rays</a:t>
+            </a:r>
+            <a:r>
+              <a:rPr lang="de-DE" dirty="0"/>
+              <a:t> </a:t>
+            </a:r>
+            <a:r>
+              <a:rPr lang="de-DE" dirty="0" err="1"/>
+              <a:t>penetrating</a:t>
+            </a:r>
+            <a:r>
+              <a:rPr lang="de-DE" dirty="0"/>
+              <a:t> </a:t>
+            </a:r>
+            <a:r>
+              <a:rPr lang="de-DE" dirty="0" err="1"/>
+              <a:t>the</a:t>
+            </a:r>
+            <a:r>
+              <a:rPr lang="de-DE" dirty="0"/>
+              <a:t> </a:t>
+            </a:r>
+            <a:r>
+              <a:rPr lang="de-DE" dirty="0" err="1"/>
+              <a:t>bounding</a:t>
+            </a:r>
+            <a:r>
+              <a:rPr lang="de-DE" dirty="0"/>
+              <a:t> </a:t>
+            </a:r>
+            <a:r>
+              <a:rPr lang="de-DE" dirty="0" smtClean="0"/>
+              <a:t>box</a:t>
+            </a:r>
+          </a:p>
+          <a:p>
+            <a:pPr lvl="1"/>
+            <a:r>
+              <a:rPr lang="de-DE" dirty="0" err="1" smtClean="0"/>
+              <a:t>kd-tree</a:t>
+            </a:r>
+            <a:r>
+              <a:rPr lang="de-DE" dirty="0" smtClean="0"/>
+              <a:t> </a:t>
+            </a:r>
+            <a:r>
+              <a:rPr lang="de-DE" dirty="0" err="1" smtClean="0"/>
+              <a:t>traversal</a:t>
+            </a:r>
+            <a:r>
+              <a:rPr lang="de-DE" dirty="0" smtClean="0"/>
+              <a:t> </a:t>
+            </a:r>
+            <a:r>
+              <a:rPr lang="de-DE" dirty="0" err="1" smtClean="0"/>
+              <a:t>costs</a:t>
+            </a:r>
+            <a:r>
+              <a:rPr lang="de-DE" dirty="0"/>
+              <a:t> </a:t>
+            </a:r>
+            <a:r>
+              <a:rPr lang="de-DE" dirty="0" err="1" smtClean="0"/>
+              <a:t>and</a:t>
+            </a:r>
+            <a:r>
+              <a:rPr lang="de-DE" dirty="0" smtClean="0"/>
+              <a:t> </a:t>
+            </a:r>
+            <a:r>
+              <a:rPr lang="de-DE" dirty="0" err="1" smtClean="0"/>
+              <a:t>triangle</a:t>
+            </a:r>
+            <a:r>
+              <a:rPr lang="de-DE" dirty="0" smtClean="0"/>
+              <a:t> </a:t>
+            </a:r>
+            <a:r>
+              <a:rPr lang="de-DE" dirty="0" err="1" smtClean="0"/>
+              <a:t>intersection</a:t>
+            </a:r>
+            <a:r>
+              <a:rPr lang="de-DE" dirty="0" smtClean="0"/>
+              <a:t> </a:t>
+            </a:r>
+            <a:r>
+              <a:rPr lang="de-DE" dirty="0" err="1" smtClean="0"/>
+              <a:t>costs</a:t>
+            </a:r>
+            <a:r>
+              <a:rPr lang="de-DE" dirty="0" smtClean="0"/>
+              <a:t> </a:t>
+            </a:r>
+            <a:r>
+              <a:rPr lang="de-DE" dirty="0" err="1" smtClean="0"/>
+              <a:t>are</a:t>
+            </a:r>
+            <a:r>
+              <a:rPr lang="de-DE" dirty="0" smtClean="0"/>
+              <a:t> </a:t>
+            </a:r>
+            <a:r>
+              <a:rPr lang="de-DE" dirty="0" err="1" smtClean="0"/>
+              <a:t>known</a:t>
+            </a:r>
+            <a:endParaRPr lang="de-DE" dirty="0"/>
+          </a:p>
+          <a:p>
+            <a:pPr marL="418388" indent="-457200">
+              <a:buFont typeface="+mj-lt"/>
+              <a:buAutoNum type="arabicPeriod"/>
+            </a:pPr>
+            <a:endParaRPr lang="de-DE" dirty="0" smtClean="0"/>
           </a:p>
         </p:txBody>
       </p:sp>
@@ -10813,29 +11212,40 @@
           </a:p>
         </p:txBody>
       </p:sp>
-      <p:sp>
-        <p:nvSpPr>
-          <p:cNvPr id="5" name="Titel 4"/>
-          <p:cNvSpPr>
-            <a:spLocks noGrp="1"/>
-          </p:cNvSpPr>
-          <p:nvPr>
-            <p:ph type="title"/>
-          </p:nvPr>
-        </p:nvSpPr>
-        <p:spPr/>
-        <p:txBody>
-          <a:bodyPr/>
-          <a:lstStyle/>
-          <a:p>
-            <a:endParaRPr lang="de-DE"/>
-          </a:p>
-        </p:txBody>
-      </p:sp>
+      <p:pic>
+        <p:nvPicPr>
+          <p:cNvPr id="2" name="Grafik 1"/>
+          <p:cNvPicPr>
+            <a:picLocks noChangeAspect="1"/>
+          </p:cNvPicPr>
+          <p:nvPr/>
+        </p:nvPicPr>
+        <p:blipFill>
+          <a:blip r:embed="rId2">
+            <a:extLst>
+              <a:ext uri="{28A0092B-C50C-407E-A947-70E740481C1C}">
+                <a14:useLocalDpi xmlns:a14="http://schemas.microsoft.com/office/drawing/2010/main" val="0"/>
+              </a:ext>
+            </a:extLst>
+          </a:blip>
+          <a:stretch>
+            <a:fillRect/>
+          </a:stretch>
+        </p:blipFill>
+        <p:spPr>
+          <a:xfrm>
+            <a:off x="3092955" y="4202325"/>
+            <a:ext cx="2954915" cy="1975772"/>
+          </a:xfrm>
+          <a:prstGeom prst="rect">
+            <a:avLst/>
+          </a:prstGeom>
+        </p:spPr>
+      </p:pic>
     </p:spTree>
     <p:extLst>
       <p:ext uri="{BB962C8B-B14F-4D97-AF65-F5344CB8AC3E}">
-        <p14:creationId xmlns:p14="http://schemas.microsoft.com/office/powerpoint/2010/main" val="528723072"/>
+        <p14:creationId xmlns:p14="http://schemas.microsoft.com/office/powerpoint/2010/main" val="109680605"/>
       </p:ext>
     </p:extLst>
   </p:cSld>
@@ -10879,7 +11289,11 @@
           <a:p>
             <a:r>
               <a:rPr lang="de-DE" dirty="0" smtClean="0"/>
-              <a:t>References</a:t>
+              <a:t>Surface Area </a:t>
+            </a:r>
+            <a:r>
+              <a:rPr lang="de-DE" dirty="0" err="1" smtClean="0"/>
+              <a:t>Heuristic</a:t>
             </a:r>
             <a:endParaRPr lang="de-DE" dirty="0"/>
           </a:p>
@@ -10903,61 +11317,243 @@
           <a:lstStyle/>
           <a:p>
             <a:r>
+              <a:rPr lang="de-DE" dirty="0" smtClean="0"/>
+              <a:t>The </a:t>
+            </a:r>
+            <a:r>
+              <a:rPr lang="de-DE" dirty="0" err="1" smtClean="0"/>
+              <a:t>cost</a:t>
+            </a:r>
+            <a:r>
+              <a:rPr lang="de-DE" dirty="0" smtClean="0"/>
+              <a:t> </a:t>
+            </a:r>
+            <a:r>
+              <a:rPr lang="de-DE" dirty="0" err="1" smtClean="0"/>
+              <a:t>function</a:t>
+            </a:r>
+            <a:r>
+              <a:rPr lang="de-DE" dirty="0" smtClean="0"/>
+              <a:t> </a:t>
+            </a:r>
+            <a:r>
+              <a:rPr lang="de-DE" dirty="0" err="1" smtClean="0"/>
+              <a:t>depends</a:t>
+            </a:r>
+            <a:r>
+              <a:rPr lang="de-DE" dirty="0" smtClean="0"/>
+              <a:t> on</a:t>
+            </a:r>
+          </a:p>
+          <a:p>
+            <a:pPr lvl="1"/>
+            <a:r>
+              <a:rPr lang="de-DE" dirty="0" smtClean="0"/>
+              <a:t>The </a:t>
+            </a:r>
+            <a:r>
+              <a:rPr lang="de-DE" dirty="0" err="1" smtClean="0"/>
+              <a:t>surface</a:t>
+            </a:r>
+            <a:r>
+              <a:rPr lang="de-DE" dirty="0" smtClean="0"/>
+              <a:t> </a:t>
+            </a:r>
+            <a:r>
+              <a:rPr lang="de-DE" dirty="0" err="1" smtClean="0"/>
+              <a:t>area</a:t>
+            </a:r>
+            <a:r>
+              <a:rPr lang="de-DE" dirty="0" smtClean="0"/>
+              <a:t> </a:t>
+            </a:r>
+            <a:r>
+              <a:rPr lang="de-DE" dirty="0" err="1" smtClean="0"/>
+              <a:t>of</a:t>
+            </a:r>
+            <a:r>
+              <a:rPr lang="de-DE" dirty="0" smtClean="0"/>
+              <a:t> </a:t>
+            </a:r>
+            <a:r>
+              <a:rPr lang="de-DE" dirty="0" err="1" smtClean="0"/>
+              <a:t>the</a:t>
+            </a:r>
+            <a:r>
+              <a:rPr lang="de-DE" dirty="0" smtClean="0"/>
+              <a:t> </a:t>
+            </a:r>
+            <a:r>
+              <a:rPr lang="de-DE" dirty="0" err="1" smtClean="0"/>
+              <a:t>current</a:t>
+            </a:r>
+            <a:r>
+              <a:rPr lang="de-DE" dirty="0" smtClean="0"/>
+              <a:t> </a:t>
+            </a:r>
+            <a:r>
+              <a:rPr lang="de-DE" dirty="0" err="1" smtClean="0"/>
+              <a:t>node‘s</a:t>
+            </a:r>
+            <a:r>
+              <a:rPr lang="de-DE" dirty="0" smtClean="0"/>
+              <a:t> </a:t>
+            </a:r>
+            <a:r>
+              <a:rPr lang="de-DE" dirty="0" err="1" smtClean="0"/>
+              <a:t>bounding</a:t>
+            </a:r>
+            <a:r>
+              <a:rPr lang="de-DE" dirty="0" smtClean="0"/>
+              <a:t> box</a:t>
+            </a:r>
+          </a:p>
+          <a:p>
+            <a:pPr lvl="1"/>
+            <a:r>
+              <a:rPr lang="de-DE" dirty="0" smtClean="0"/>
+              <a:t>The </a:t>
+            </a:r>
+            <a:r>
+              <a:rPr lang="de-DE" dirty="0" err="1" smtClean="0"/>
+              <a:t>surface</a:t>
+            </a:r>
+            <a:r>
+              <a:rPr lang="de-DE" dirty="0" smtClean="0"/>
+              <a:t> </a:t>
+            </a:r>
+            <a:r>
+              <a:rPr lang="de-DE" dirty="0" err="1" smtClean="0"/>
+              <a:t>areas</a:t>
+            </a:r>
+            <a:r>
+              <a:rPr lang="de-DE" dirty="0" smtClean="0"/>
+              <a:t> </a:t>
+            </a:r>
+            <a:r>
+              <a:rPr lang="de-DE" dirty="0" err="1" smtClean="0"/>
+              <a:t>of</a:t>
+            </a:r>
+            <a:r>
+              <a:rPr lang="de-DE" dirty="0" smtClean="0"/>
+              <a:t> </a:t>
+            </a:r>
+            <a:r>
+              <a:rPr lang="de-DE" dirty="0" err="1" smtClean="0"/>
+              <a:t>the</a:t>
+            </a:r>
+            <a:r>
+              <a:rPr lang="de-DE" dirty="0" smtClean="0"/>
+              <a:t> </a:t>
+            </a:r>
+            <a:r>
+              <a:rPr lang="de-DE" dirty="0" err="1" smtClean="0"/>
+              <a:t>split</a:t>
+            </a:r>
+            <a:r>
               <a:rPr lang="de-DE" dirty="0"/>
-              <a:t>[1] </a:t>
-            </a:r>
-            <a:r>
-              <a:rPr lang="en-US" dirty="0">
-                <a:hlinkClick r:id="rId2"/>
-              </a:rPr>
-              <a:t>On building fast </a:t>
-            </a:r>
-            <a:r>
-              <a:rPr lang="en-US" dirty="0" err="1">
-                <a:hlinkClick r:id="rId2"/>
-              </a:rPr>
-              <a:t>kd</a:t>
-            </a:r>
-            <a:r>
-              <a:rPr lang="en-US" dirty="0">
-                <a:hlinkClick r:id="rId2"/>
-              </a:rPr>
-              <a:t>-Trees for Ray Tracing, and on doing that in O(N log N) (2006</a:t>
-            </a:r>
-            <a:r>
-              <a:rPr lang="en-US" dirty="0" smtClean="0">
-                <a:hlinkClick r:id="rId2"/>
-              </a:rPr>
-              <a:t>),</a:t>
-            </a:r>
-            <a:r>
-              <a:rPr lang="de-DE" dirty="0">
-                <a:hlinkClick r:id="rId2"/>
-              </a:rPr>
               <a:t> </a:t>
             </a:r>
             <a:r>
-              <a:rPr lang="de-DE" dirty="0" smtClean="0">
-                <a:hlinkClick r:id="rId2"/>
-              </a:rPr>
-              <a:t>Ingo Wald, </a:t>
-            </a:r>
-            <a:r>
-              <a:rPr lang="de-DE" dirty="0">
-                <a:hlinkClick r:id="rId2"/>
-              </a:rPr>
-              <a:t>Vlastimil </a:t>
-            </a:r>
-            <a:r>
-              <a:rPr lang="de-DE" dirty="0" err="1">
-                <a:hlinkClick r:id="rId2"/>
-              </a:rPr>
-              <a:t>Havran</a:t>
+              <a:rPr lang="de-DE" dirty="0" err="1" smtClean="0"/>
+              <a:t>bounding</a:t>
+            </a:r>
+            <a:r>
+              <a:rPr lang="de-DE" dirty="0" smtClean="0"/>
+              <a:t> </a:t>
+            </a:r>
+            <a:r>
+              <a:rPr lang="de-DE" dirty="0" err="1" smtClean="0"/>
+              <a:t>boxes</a:t>
             </a:r>
             <a:endParaRPr lang="de-DE" dirty="0" smtClean="0"/>
           </a:p>
           <a:p>
             <a:pPr lvl="1"/>
+            <a:r>
+              <a:rPr lang="de-DE" dirty="0" smtClean="0"/>
+              <a:t>The </a:t>
+            </a:r>
+            <a:r>
+              <a:rPr lang="de-DE" dirty="0" err="1" smtClean="0"/>
+              <a:t>number</a:t>
+            </a:r>
+            <a:r>
+              <a:rPr lang="de-DE" dirty="0" smtClean="0"/>
+              <a:t> </a:t>
+            </a:r>
+            <a:r>
+              <a:rPr lang="de-DE" dirty="0" err="1" smtClean="0"/>
+              <a:t>of</a:t>
+            </a:r>
+            <a:r>
+              <a:rPr lang="de-DE" dirty="0" smtClean="0"/>
+              <a:t> </a:t>
+            </a:r>
+            <a:r>
+              <a:rPr lang="de-DE" dirty="0" err="1" smtClean="0"/>
+              <a:t>triangles</a:t>
+            </a:r>
+            <a:r>
+              <a:rPr lang="de-DE" dirty="0" smtClean="0"/>
+              <a:t> </a:t>
+            </a:r>
+            <a:r>
+              <a:rPr lang="de-DE" dirty="0" err="1" smtClean="0"/>
+              <a:t>intersecting</a:t>
+            </a:r>
+            <a:r>
+              <a:rPr lang="de-DE" dirty="0" smtClean="0"/>
+              <a:t> </a:t>
+            </a:r>
+            <a:r>
+              <a:rPr lang="de-DE" dirty="0" err="1" smtClean="0"/>
+              <a:t>the</a:t>
+            </a:r>
+            <a:r>
+              <a:rPr lang="de-DE" dirty="0" smtClean="0"/>
+              <a:t> </a:t>
+            </a:r>
+            <a:r>
+              <a:rPr lang="de-DE" dirty="0" err="1" smtClean="0"/>
+              <a:t>right</a:t>
+            </a:r>
+            <a:r>
+              <a:rPr lang="de-DE" dirty="0" smtClean="0"/>
+              <a:t> </a:t>
+            </a:r>
+            <a:r>
+              <a:rPr lang="de-DE" dirty="0" err="1" smtClean="0"/>
+              <a:t>or</a:t>
+            </a:r>
+            <a:r>
+              <a:rPr lang="de-DE" dirty="0" smtClean="0"/>
+              <a:t> </a:t>
+            </a:r>
+            <a:r>
+              <a:rPr lang="de-DE" dirty="0" err="1" smtClean="0"/>
+              <a:t>left</a:t>
+            </a:r>
+            <a:r>
+              <a:rPr lang="de-DE" dirty="0" smtClean="0"/>
+              <a:t> </a:t>
+            </a:r>
+            <a:r>
+              <a:rPr lang="de-DE" dirty="0" err="1" smtClean="0"/>
+              <a:t>split</a:t>
+            </a:r>
+            <a:r>
+              <a:rPr lang="de-DE" dirty="0" smtClean="0"/>
+              <a:t> </a:t>
+            </a:r>
+            <a:r>
+              <a:rPr lang="de-DE" dirty="0" err="1" smtClean="0"/>
+              <a:t>bounding</a:t>
+            </a:r>
+            <a:r>
+              <a:rPr lang="de-DE" dirty="0" smtClean="0"/>
+              <a:t> box</a:t>
+            </a:r>
             <a:endParaRPr lang="de-DE" dirty="0"/>
           </a:p>
           <a:p>
@@ -11015,10 +11611,1842 @@
           </a:p>
         </p:txBody>
       </p:sp>
+      <p:pic>
+        <p:nvPicPr>
+          <p:cNvPr id="2" name="Grafik 1"/>
+          <p:cNvPicPr>
+            <a:picLocks noChangeAspect="1"/>
+          </p:cNvPicPr>
+          <p:nvPr/>
+        </p:nvPicPr>
+        <p:blipFill>
+          <a:blip r:embed="rId2">
+            <a:extLst>
+              <a:ext uri="{28A0092B-C50C-407E-A947-70E740481C1C}">
+                <a14:useLocalDpi xmlns:a14="http://schemas.microsoft.com/office/drawing/2010/main" val="0"/>
+              </a:ext>
+            </a:extLst>
+          </a:blip>
+          <a:stretch>
+            <a:fillRect/>
+          </a:stretch>
+        </p:blipFill>
+        <p:spPr>
+          <a:xfrm>
+            <a:off x="3092955" y="4202325"/>
+            <a:ext cx="2954915" cy="1975772"/>
+          </a:xfrm>
+          <a:prstGeom prst="rect">
+            <a:avLst/>
+          </a:prstGeom>
+        </p:spPr>
+      </p:pic>
     </p:spTree>
     <p:extLst>
       <p:ext uri="{BB962C8B-B14F-4D97-AF65-F5344CB8AC3E}">
-        <p14:creationId xmlns:p14="http://schemas.microsoft.com/office/powerpoint/2010/main" val="520941319"/>
+        <p14:creationId xmlns:p14="http://schemas.microsoft.com/office/powerpoint/2010/main" val="595137848"/>
+      </p:ext>
+    </p:extLst>
+  </p:cSld>
+  <p:clrMapOvr>
+    <a:masterClrMapping/>
+  </p:clrMapOvr>
+</p:sld>
+</file>
+
+<file path=ppt/slides/slide26.xml><?xml version="1.0" encoding="utf-8"?>
+<p:sld xmlns:a="http://schemas.openxmlformats.org/drawingml/2006/main" xmlns:r="http://schemas.openxmlformats.org/officeDocument/2006/relationships" xmlns:p="http://schemas.openxmlformats.org/presentationml/2006/main">
+  <p:cSld>
+    <p:spTree>
+      <p:nvGrpSpPr>
+        <p:cNvPr id="1" name=""/>
+        <p:cNvGrpSpPr/>
+        <p:nvPr/>
+      </p:nvGrpSpPr>
+      <p:grpSpPr>
+        <a:xfrm>
+          <a:off x="0" y="0"/>
+          <a:ext cx="0" cy="0"/>
+          <a:chOff x="0" y="0"/>
+          <a:chExt cx="0" cy="0"/>
+        </a:xfrm>
+      </p:grpSpPr>
+      <p:sp>
+        <p:nvSpPr>
+          <p:cNvPr id="5" name="Titel 4"/>
+          <p:cNvSpPr>
+            <a:spLocks noGrp="1"/>
+          </p:cNvSpPr>
+          <p:nvPr>
+            <p:ph type="title"/>
+          </p:nvPr>
+        </p:nvSpPr>
+        <p:spPr/>
+        <p:txBody>
+          <a:bodyPr/>
+          <a:lstStyle/>
+          <a:p>
+            <a:r>
+              <a:rPr lang="de-DE" dirty="0" err="1" smtClean="0"/>
+              <a:t>Construction</a:t>
+            </a:r>
+            <a:endParaRPr lang="de-DE" dirty="0"/>
+          </a:p>
+        </p:txBody>
+      </p:sp>
+      <mc:AlternateContent xmlns:mc="http://schemas.openxmlformats.org/markup-compatibility/2006">
+        <mc:Choice xmlns:a14="http://schemas.microsoft.com/office/drawing/2010/main" Requires="a14">
+          <p:sp>
+            <p:nvSpPr>
+              <p:cNvPr id="6" name="Inhaltsplatzhalter 5"/>
+              <p:cNvSpPr>
+                <a:spLocks noGrp="1"/>
+              </p:cNvSpPr>
+              <p:nvPr>
+                <p:ph idx="1"/>
+              </p:nvPr>
+            </p:nvSpPr>
+            <p:spPr/>
+            <p:txBody>
+              <a:bodyPr>
+                <a:normAutofit lnSpcReduction="10000"/>
+              </a:bodyPr>
+              <a:lstStyle/>
+              <a:p>
+                <a:r>
+                  <a:rPr lang="de-DE" dirty="0" smtClean="0"/>
+                  <a:t>SAH </a:t>
+                </a:r>
+                <a:r>
+                  <a:rPr lang="de-DE" dirty="0" err="1" smtClean="0"/>
+                  <a:t>needs</a:t>
+                </a:r>
+                <a:r>
+                  <a:rPr lang="de-DE" dirty="0" smtClean="0"/>
+                  <a:t> </a:t>
+                </a:r>
+                <a:r>
+                  <a:rPr lang="de-DE" dirty="0" err="1" smtClean="0"/>
+                  <a:t>to</a:t>
+                </a:r>
+                <a:r>
+                  <a:rPr lang="de-DE" dirty="0" smtClean="0"/>
+                  <a:t> </a:t>
+                </a:r>
+                <a:r>
+                  <a:rPr lang="de-DE" dirty="0" err="1" smtClean="0"/>
+                  <a:t>evaluate</a:t>
+                </a:r>
+                <a:r>
+                  <a:rPr lang="de-DE" dirty="0" smtClean="0"/>
+                  <a:t> </a:t>
+                </a:r>
+                <a:r>
+                  <a:rPr lang="de-DE" dirty="0" err="1" smtClean="0"/>
+                  <a:t>the</a:t>
+                </a:r>
+                <a:r>
+                  <a:rPr lang="de-DE" dirty="0" smtClean="0"/>
+                  <a:t> </a:t>
+                </a:r>
+                <a:r>
+                  <a:rPr lang="de-DE" dirty="0" err="1" smtClean="0"/>
+                  <a:t>cost</a:t>
+                </a:r>
+                <a:r>
+                  <a:rPr lang="de-DE" dirty="0" smtClean="0"/>
+                  <a:t> </a:t>
+                </a:r>
+                <a:r>
+                  <a:rPr lang="de-DE" dirty="0" err="1" smtClean="0"/>
+                  <a:t>for</a:t>
+                </a:r>
+                <a:r>
+                  <a:rPr lang="de-DE" dirty="0" smtClean="0"/>
+                  <a:t> </a:t>
+                </a:r>
+                <a:r>
+                  <a:rPr lang="de-DE" dirty="0" err="1" smtClean="0"/>
+                  <a:t>each</a:t>
+                </a:r>
+                <a:r>
+                  <a:rPr lang="de-DE" dirty="0" smtClean="0"/>
+                  <a:t> </a:t>
+                </a:r>
+                <a:r>
+                  <a:rPr lang="de-DE" dirty="0" err="1" smtClean="0"/>
+                  <a:t>possible</a:t>
+                </a:r>
+                <a:r>
+                  <a:rPr lang="de-DE" dirty="0" smtClean="0"/>
+                  <a:t> </a:t>
+                </a:r>
+                <a:r>
+                  <a:rPr lang="de-DE" dirty="0" err="1" smtClean="0"/>
+                  <a:t>split</a:t>
+                </a:r>
+                <a:endParaRPr lang="de-DE" dirty="0" smtClean="0"/>
+              </a:p>
+              <a:p>
+                <a:pPr lvl="1"/>
+                <a:r>
+                  <a:rPr lang="de-DE" dirty="0" err="1" smtClean="0"/>
+                  <a:t>Perfect</a:t>
+                </a:r>
+                <a:r>
+                  <a:rPr lang="de-DE" dirty="0" smtClean="0"/>
+                  <a:t> </a:t>
+                </a:r>
+                <a:r>
+                  <a:rPr lang="de-DE" dirty="0" err="1" smtClean="0"/>
+                  <a:t>split</a:t>
+                </a:r>
+                <a:r>
+                  <a:rPr lang="de-DE" dirty="0" smtClean="0"/>
+                  <a:t> will </a:t>
+                </a:r>
+                <a:r>
+                  <a:rPr lang="de-DE" dirty="0" err="1" smtClean="0"/>
+                  <a:t>be</a:t>
+                </a:r>
+                <a:r>
+                  <a:rPr lang="de-DE" dirty="0" smtClean="0"/>
+                  <a:t> at </a:t>
+                </a:r>
+                <a:r>
+                  <a:rPr lang="de-DE" dirty="0" err="1" smtClean="0"/>
+                  <a:t>the</a:t>
+                </a:r>
+                <a:r>
+                  <a:rPr lang="de-DE" dirty="0" smtClean="0"/>
+                  <a:t> </a:t>
+                </a:r>
+                <a:r>
+                  <a:rPr lang="de-DE" dirty="0" err="1" smtClean="0"/>
+                  <a:t>begin</a:t>
+                </a:r>
+                <a:r>
+                  <a:rPr lang="de-DE" dirty="0" smtClean="0"/>
+                  <a:t> </a:t>
+                </a:r>
+                <a:r>
+                  <a:rPr lang="de-DE" dirty="0" err="1" smtClean="0"/>
+                  <a:t>or</a:t>
+                </a:r>
+                <a:r>
+                  <a:rPr lang="de-DE" dirty="0" smtClean="0"/>
+                  <a:t> end </a:t>
+                </a:r>
+                <a:r>
+                  <a:rPr lang="de-DE" dirty="0" err="1" smtClean="0"/>
+                  <a:t>of</a:t>
+                </a:r>
+                <a:r>
+                  <a:rPr lang="de-DE" dirty="0" smtClean="0"/>
+                  <a:t> a </a:t>
+                </a:r>
+                <a:r>
+                  <a:rPr lang="de-DE" dirty="0" err="1" smtClean="0"/>
+                  <a:t>triangle</a:t>
+                </a:r>
+                <a:endParaRPr lang="de-DE" dirty="0" smtClean="0"/>
+              </a:p>
+              <a:p>
+                <a:pPr lvl="1"/>
+                <a14:m>
+                  <m:oMath xmlns:m="http://schemas.openxmlformats.org/officeDocument/2006/math">
+                    <m:r>
+                      <a:rPr lang="en-US" i="1" dirty="0">
+                        <a:latin typeface="Cambria Math" panose="02040503050406030204" pitchFamily="18" charset="0"/>
+                      </a:rPr>
+                      <m:t>𝑂</m:t>
+                    </m:r>
+                    <m:r>
+                      <a:rPr lang="en-US" i="1" dirty="0">
+                        <a:latin typeface="Cambria Math" panose="02040503050406030204" pitchFamily="18" charset="0"/>
+                      </a:rPr>
+                      <m:t>(</m:t>
+                    </m:r>
+                    <m:r>
+                      <a:rPr lang="en-US" i="1" dirty="0">
+                        <a:latin typeface="Cambria Math" panose="02040503050406030204" pitchFamily="18" charset="0"/>
+                      </a:rPr>
+                      <m:t>𝑛</m:t>
+                    </m:r>
+                    <m:r>
+                      <a:rPr lang="en-US" i="1" dirty="0">
+                        <a:latin typeface="Cambria Math" panose="02040503050406030204" pitchFamily="18" charset="0"/>
+                      </a:rPr>
+                      <m:t>)</m:t>
+                    </m:r>
+                  </m:oMath>
+                </a14:m>
+                <a:r>
+                  <a:rPr lang="de-DE" dirty="0" smtClean="0"/>
+                  <a:t> </a:t>
+                </a:r>
+                <a:r>
+                  <a:rPr lang="de-DE" dirty="0" err="1" smtClean="0"/>
+                  <a:t>split</a:t>
+                </a:r>
+                <a:r>
+                  <a:rPr lang="de-DE" dirty="0" smtClean="0"/>
+                  <a:t> </a:t>
+                </a:r>
+                <a:r>
+                  <a:rPr lang="de-DE" dirty="0" err="1" smtClean="0"/>
+                  <a:t>candidates</a:t>
+                </a:r>
+                <a:r>
+                  <a:rPr lang="de-DE" dirty="0" smtClean="0"/>
+                  <a:t> </a:t>
+                </a:r>
+                <a:r>
+                  <a:rPr lang="de-DE" dirty="0" err="1" smtClean="0"/>
+                  <a:t>to</a:t>
+                </a:r>
+                <a:r>
+                  <a:rPr lang="de-DE" dirty="0" smtClean="0"/>
+                  <a:t> </a:t>
+                </a:r>
+                <a:r>
+                  <a:rPr lang="de-DE" dirty="0" err="1" smtClean="0"/>
+                  <a:t>evaluate</a:t>
+                </a:r>
+                <a:r>
+                  <a:rPr lang="de-DE" dirty="0" smtClean="0"/>
+                  <a:t> per </a:t>
+                </a:r>
+                <a:r>
+                  <a:rPr lang="de-DE" dirty="0" err="1" smtClean="0"/>
+                  <a:t>recursion</a:t>
+                </a:r>
+                <a:r>
+                  <a:rPr lang="de-DE" dirty="0" smtClean="0"/>
+                  <a:t> </a:t>
+                </a:r>
+                <a:r>
+                  <a:rPr lang="de-DE" dirty="0" err="1" smtClean="0"/>
+                  <a:t>step</a:t>
+                </a:r>
+                <a:endParaRPr lang="de-DE" dirty="0" smtClean="0"/>
+              </a:p>
+              <a:p>
+                <a:pPr lvl="2"/>
+                <a:r>
+                  <a:rPr lang="de-DE" dirty="0" smtClean="0"/>
+                  <a:t>Naive: </a:t>
+                </a:r>
+                <a:r>
+                  <a:rPr lang="de-DE" dirty="0" err="1" smtClean="0"/>
+                  <a:t>Compute</a:t>
+                </a:r>
+                <a:r>
+                  <a:rPr lang="de-DE" dirty="0" smtClean="0"/>
+                  <a:t> </a:t>
+                </a:r>
+                <a:r>
+                  <a:rPr lang="de-DE" dirty="0" err="1" smtClean="0"/>
+                  <a:t>number</a:t>
+                </a:r>
+                <a:r>
+                  <a:rPr lang="de-DE" dirty="0" smtClean="0"/>
+                  <a:t> </a:t>
+                </a:r>
+                <a:r>
+                  <a:rPr lang="de-DE" dirty="0" err="1" smtClean="0"/>
+                  <a:t>of</a:t>
+                </a:r>
+                <a:r>
+                  <a:rPr lang="de-DE" dirty="0" smtClean="0"/>
+                  <a:t> </a:t>
+                </a:r>
+                <a:r>
+                  <a:rPr lang="de-DE" dirty="0" err="1" smtClean="0"/>
+                  <a:t>triangles</a:t>
+                </a:r>
+                <a:r>
+                  <a:rPr lang="de-DE" dirty="0" smtClean="0"/>
+                  <a:t> in </a:t>
+                </a:r>
+                <a:r>
+                  <a:rPr lang="de-DE" dirty="0" err="1" smtClean="0"/>
+                  <a:t>right</a:t>
+                </a:r>
+                <a:r>
+                  <a:rPr lang="de-DE" dirty="0" smtClean="0"/>
+                  <a:t> </a:t>
+                </a:r>
+                <a:r>
+                  <a:rPr lang="de-DE" dirty="0" err="1" smtClean="0"/>
+                  <a:t>and</a:t>
+                </a:r>
+                <a:r>
+                  <a:rPr lang="de-DE" dirty="0" smtClean="0"/>
+                  <a:t> </a:t>
+                </a:r>
+                <a:r>
+                  <a:rPr lang="de-DE" dirty="0" err="1" smtClean="0"/>
+                  <a:t>left</a:t>
+                </a:r>
+                <a:r>
+                  <a:rPr lang="de-DE" dirty="0" smtClean="0"/>
+                  <a:t> </a:t>
+                </a:r>
+                <a:r>
+                  <a:rPr lang="de-DE" dirty="0" err="1" smtClean="0"/>
+                  <a:t>child</a:t>
+                </a:r>
+                <a:r>
+                  <a:rPr lang="de-DE" dirty="0" smtClean="0"/>
+                  <a:t> in </a:t>
+                </a:r>
+                <a14:m>
+                  <m:oMath xmlns:m="http://schemas.openxmlformats.org/officeDocument/2006/math">
+                    <m:r>
+                      <a:rPr lang="en-US" i="1" dirty="0">
+                        <a:latin typeface="Cambria Math" panose="02040503050406030204" pitchFamily="18" charset="0"/>
+                      </a:rPr>
+                      <m:t>𝑂</m:t>
+                    </m:r>
+                    <m:d>
+                      <m:dPr>
+                        <m:ctrlPr>
+                          <a:rPr lang="en-US" i="1" dirty="0">
+                            <a:latin typeface="Cambria Math" panose="02040503050406030204" pitchFamily="18" charset="0"/>
+                          </a:rPr>
+                        </m:ctrlPr>
+                      </m:dPr>
+                      <m:e>
+                        <m:r>
+                          <a:rPr lang="en-US" i="1" dirty="0">
+                            <a:latin typeface="Cambria Math" panose="02040503050406030204" pitchFamily="18" charset="0"/>
+                          </a:rPr>
+                          <m:t>𝑛</m:t>
+                        </m:r>
+                      </m:e>
+                    </m:d>
+                  </m:oMath>
+                </a14:m>
+                <a:r>
+                  <a:rPr lang="en-US" dirty="0" smtClean="0"/>
+                  <a:t>, resulting in </a:t>
+                </a:r>
+                <a14:m>
+                  <m:oMath xmlns:m="http://schemas.openxmlformats.org/officeDocument/2006/math">
+                    <m:r>
+                      <a:rPr lang="en-US" i="1" dirty="0">
+                        <a:latin typeface="Cambria Math" panose="02040503050406030204" pitchFamily="18" charset="0"/>
+                      </a:rPr>
+                      <m:t>𝑂</m:t>
+                    </m:r>
+                    <m:r>
+                      <a:rPr lang="en-US" i="1" dirty="0">
+                        <a:latin typeface="Cambria Math" panose="02040503050406030204" pitchFamily="18" charset="0"/>
+                      </a:rPr>
+                      <m:t>(</m:t>
+                    </m:r>
+                    <m:sSup>
+                      <m:sSupPr>
+                        <m:ctrlPr>
+                          <a:rPr lang="en-US" i="1" dirty="0" smtClean="0">
+                            <a:latin typeface="Cambria Math" panose="02040503050406030204" pitchFamily="18" charset="0"/>
+                          </a:rPr>
+                        </m:ctrlPr>
+                      </m:sSupPr>
+                      <m:e>
+                        <m:r>
+                          <a:rPr lang="de-DE" b="0" i="1" dirty="0" smtClean="0">
+                            <a:latin typeface="Cambria Math" panose="02040503050406030204" pitchFamily="18" charset="0"/>
+                          </a:rPr>
+                          <m:t>𝑛</m:t>
+                        </m:r>
+                      </m:e>
+                      <m:sup>
+                        <m:r>
+                          <a:rPr lang="de-DE" b="0" i="1" dirty="0" smtClean="0">
+                            <a:latin typeface="Cambria Math" panose="02040503050406030204" pitchFamily="18" charset="0"/>
+                          </a:rPr>
+                          <m:t>2</m:t>
+                        </m:r>
+                      </m:sup>
+                    </m:sSup>
+                    <m:r>
+                      <a:rPr lang="en-US" i="1" dirty="0">
+                        <a:latin typeface="Cambria Math" panose="02040503050406030204" pitchFamily="18" charset="0"/>
+                      </a:rPr>
+                      <m:t>)</m:t>
+                    </m:r>
+                  </m:oMath>
+                </a14:m>
+                <a:r>
+                  <a:rPr lang="en-US" dirty="0" smtClean="0"/>
+                  <a:t> overall</a:t>
+                </a:r>
+              </a:p>
+              <a:p>
+                <a:r>
+                  <a:rPr lang="de-DE" dirty="0" err="1" smtClean="0"/>
+                  <a:t>Sweep-line</a:t>
+                </a:r>
+                <a:r>
+                  <a:rPr lang="de-DE" dirty="0" smtClean="0"/>
+                  <a:t> </a:t>
+                </a:r>
+                <a:r>
+                  <a:rPr lang="de-DE" dirty="0" err="1" smtClean="0"/>
+                  <a:t>based</a:t>
+                </a:r>
+                <a:r>
+                  <a:rPr lang="de-DE" dirty="0" smtClean="0"/>
+                  <a:t> </a:t>
+                </a:r>
+                <a:r>
+                  <a:rPr lang="de-DE" dirty="0" err="1" smtClean="0"/>
+                  <a:t>algorithm</a:t>
+                </a:r>
+                <a:r>
+                  <a:rPr lang="de-DE" dirty="0" smtClean="0"/>
+                  <a:t> </a:t>
+                </a:r>
+                <a:r>
+                  <a:rPr lang="de-DE" dirty="0" err="1" smtClean="0"/>
+                  <a:t>for</a:t>
+                </a:r>
+                <a:r>
+                  <a:rPr lang="de-DE" dirty="0" smtClean="0"/>
+                  <a:t> </a:t>
+                </a:r>
+                <a14:m>
+                  <m:oMath xmlns:m="http://schemas.openxmlformats.org/officeDocument/2006/math">
+                    <m:r>
+                      <a:rPr lang="en-US" i="1" dirty="0">
+                        <a:latin typeface="Cambria Math" panose="02040503050406030204" pitchFamily="18" charset="0"/>
+                      </a:rPr>
+                      <m:t>𝑂</m:t>
+                    </m:r>
+                    <m:d>
+                      <m:dPr>
+                        <m:ctrlPr>
+                          <a:rPr lang="en-US" i="1" dirty="0">
+                            <a:latin typeface="Cambria Math" panose="02040503050406030204" pitchFamily="18" charset="0"/>
+                          </a:rPr>
+                        </m:ctrlPr>
+                      </m:dPr>
+                      <m:e>
+                        <m:r>
+                          <a:rPr lang="de-DE" i="1" dirty="0">
+                            <a:latin typeface="Cambria Math" panose="02040503050406030204" pitchFamily="18" charset="0"/>
+                          </a:rPr>
+                          <m:t>𝑛</m:t>
+                        </m:r>
+                        <m:r>
+                          <a:rPr lang="de-DE" i="1" dirty="0">
+                            <a:latin typeface="Cambria Math" panose="02040503050406030204" pitchFamily="18" charset="0"/>
+                          </a:rPr>
+                          <m:t> </m:t>
+                        </m:r>
+                        <m:sSup>
+                          <m:sSupPr>
+                            <m:ctrlPr>
+                              <a:rPr lang="de-DE" i="1" dirty="0">
+                                <a:latin typeface="Cambria Math" panose="02040503050406030204" pitchFamily="18" charset="0"/>
+                              </a:rPr>
+                            </m:ctrlPr>
+                          </m:sSupPr>
+                          <m:e>
+                            <m:r>
+                              <m:rPr>
+                                <m:sty m:val="p"/>
+                              </m:rPr>
+                              <a:rPr lang="en-US" i="1" dirty="0">
+                                <a:latin typeface="Cambria Math" panose="02040503050406030204" pitchFamily="18" charset="0"/>
+                              </a:rPr>
+                              <m:t>log</m:t>
+                            </m:r>
+                          </m:e>
+                          <m:sup>
+                            <m:r>
+                              <a:rPr lang="de-DE" i="1" dirty="0">
+                                <a:latin typeface="Cambria Math" panose="02040503050406030204" pitchFamily="18" charset="0"/>
+                              </a:rPr>
+                              <m:t>2</m:t>
+                            </m:r>
+                          </m:sup>
+                        </m:sSup>
+                        <m:r>
+                          <a:rPr lang="en-US" i="1" dirty="0">
+                            <a:latin typeface="Cambria Math" panose="02040503050406030204" pitchFamily="18" charset="0"/>
+                          </a:rPr>
+                          <m:t>𝑛</m:t>
+                        </m:r>
+                      </m:e>
+                    </m:d>
+                  </m:oMath>
+                </a14:m>
+                <a:endParaRPr lang="de-DE" dirty="0" smtClean="0"/>
+              </a:p>
+              <a:p>
+                <a:pPr lvl="1"/>
+                <a:r>
+                  <a:rPr lang="de-DE" dirty="0" err="1" smtClean="0"/>
+                  <a:t>Sweep</a:t>
+                </a:r>
+                <a:r>
+                  <a:rPr lang="de-DE" dirty="0" smtClean="0"/>
+                  <a:t> </a:t>
+                </a:r>
+                <a:r>
+                  <a:rPr lang="de-DE" dirty="0" err="1" smtClean="0"/>
+                  <a:t>along</a:t>
+                </a:r>
+                <a:r>
+                  <a:rPr lang="de-DE" dirty="0" smtClean="0"/>
+                  <a:t> </a:t>
+                </a:r>
+                <a:r>
+                  <a:rPr lang="de-DE" dirty="0" err="1" smtClean="0"/>
+                  <a:t>dimension</a:t>
+                </a:r>
+                <a:r>
+                  <a:rPr lang="de-DE" dirty="0" smtClean="0"/>
+                  <a:t> </a:t>
+                </a:r>
+                <a14:m>
+                  <m:oMath xmlns:m="http://schemas.openxmlformats.org/officeDocument/2006/math">
+                    <m:r>
+                      <a:rPr lang="de-DE" b="0" i="1" dirty="0" smtClean="0">
+                        <a:latin typeface="Cambria Math" panose="02040503050406030204" pitchFamily="18" charset="0"/>
+                      </a:rPr>
+                      <m:t>𝑑</m:t>
+                    </m:r>
+                  </m:oMath>
+                </a14:m>
+                <a:endParaRPr lang="de-DE" b="0" dirty="0" smtClean="0"/>
+              </a:p>
+              <a:p>
+                <a:pPr lvl="1"/>
+                <a:r>
+                  <a:rPr lang="de-DE" dirty="0" err="1" smtClean="0"/>
+                  <a:t>Regard</a:t>
+                </a:r>
+                <a:r>
+                  <a:rPr lang="de-DE" dirty="0" smtClean="0"/>
+                  <a:t> </a:t>
+                </a:r>
+                <a:r>
+                  <a:rPr lang="de-DE" dirty="0" err="1" smtClean="0"/>
+                  <a:t>begin</a:t>
+                </a:r>
+                <a:r>
+                  <a:rPr lang="de-DE" dirty="0" smtClean="0"/>
+                  <a:t> </a:t>
+                </a:r>
+                <a:r>
+                  <a:rPr lang="de-DE" dirty="0" err="1" smtClean="0"/>
+                  <a:t>and</a:t>
+                </a:r>
+                <a:r>
+                  <a:rPr lang="de-DE" dirty="0" smtClean="0"/>
+                  <a:t> end </a:t>
+                </a:r>
+                <a:r>
+                  <a:rPr lang="de-DE" dirty="0" err="1" smtClean="0"/>
+                  <a:t>of</a:t>
+                </a:r>
+                <a:r>
+                  <a:rPr lang="de-DE" dirty="0" smtClean="0"/>
+                  <a:t> </a:t>
+                </a:r>
+                <a:r>
+                  <a:rPr lang="de-DE" dirty="0" err="1" smtClean="0"/>
+                  <a:t>polygons</a:t>
+                </a:r>
+                <a:r>
+                  <a:rPr lang="de-DE" dirty="0" smtClean="0"/>
+                  <a:t> </a:t>
+                </a:r>
+                <a:r>
+                  <a:rPr lang="de-DE" dirty="0" err="1" smtClean="0"/>
+                  <a:t>as</a:t>
+                </a:r>
+                <a:r>
+                  <a:rPr lang="de-DE" dirty="0" smtClean="0"/>
+                  <a:t> </a:t>
+                </a:r>
+                <a:r>
+                  <a:rPr lang="de-DE" dirty="0" err="1" smtClean="0"/>
+                  <a:t>events</a:t>
+                </a:r>
+                <a:r>
+                  <a:rPr lang="de-DE" dirty="0" smtClean="0"/>
+                  <a:t> (</a:t>
+                </a:r>
+                <a14:m>
+                  <m:oMath xmlns:m="http://schemas.openxmlformats.org/officeDocument/2006/math">
+                    <m:r>
+                      <a:rPr lang="en-US" i="1" dirty="0">
+                        <a:latin typeface="Cambria Math" panose="02040503050406030204" pitchFamily="18" charset="0"/>
+                      </a:rPr>
+                      <m:t>𝑂</m:t>
+                    </m:r>
+                    <m:d>
+                      <m:dPr>
+                        <m:ctrlPr>
+                          <a:rPr lang="en-US" i="1" dirty="0">
+                            <a:latin typeface="Cambria Math" panose="02040503050406030204" pitchFamily="18" charset="0"/>
+                          </a:rPr>
+                        </m:ctrlPr>
+                      </m:dPr>
+                      <m:e>
+                        <m:r>
+                          <a:rPr lang="en-US" i="1" dirty="0">
+                            <a:latin typeface="Cambria Math" panose="02040503050406030204" pitchFamily="18" charset="0"/>
+                          </a:rPr>
+                          <m:t>𝑛</m:t>
+                        </m:r>
+                        <m:func>
+                          <m:funcPr>
+                            <m:ctrlPr>
+                              <a:rPr lang="de-DE" b="0" i="1" dirty="0" smtClean="0">
+                                <a:latin typeface="Cambria Math" panose="02040503050406030204" pitchFamily="18" charset="0"/>
+                              </a:rPr>
+                            </m:ctrlPr>
+                          </m:funcPr>
+                          <m:fName>
+                            <m:r>
+                              <m:rPr>
+                                <m:sty m:val="p"/>
+                              </m:rPr>
+                              <a:rPr lang="de-DE" b="0" i="0" dirty="0" smtClean="0">
+                                <a:latin typeface="Cambria Math" panose="02040503050406030204" pitchFamily="18" charset="0"/>
+                              </a:rPr>
+                              <m:t>log</m:t>
+                            </m:r>
+                          </m:fName>
+                          <m:e>
+                            <m:r>
+                              <a:rPr lang="de-DE" b="0" i="1" dirty="0" smtClean="0">
+                                <a:latin typeface="Cambria Math" panose="02040503050406030204" pitchFamily="18" charset="0"/>
+                              </a:rPr>
+                              <m:t>𝑛</m:t>
+                            </m:r>
+                          </m:e>
+                        </m:func>
+                      </m:e>
+                    </m:d>
+                  </m:oMath>
+                </a14:m>
+                <a:r>
+                  <a:rPr lang="de-DE" dirty="0" smtClean="0"/>
+                  <a:t> </a:t>
+                </a:r>
+                <a:r>
+                  <a:rPr lang="de-DE" dirty="0" err="1" smtClean="0"/>
+                  <a:t>for</a:t>
+                </a:r>
+                <a:r>
+                  <a:rPr lang="de-DE" dirty="0" smtClean="0"/>
+                  <a:t> </a:t>
+                </a:r>
+                <a:r>
+                  <a:rPr lang="de-DE" dirty="0" err="1" smtClean="0"/>
+                  <a:t>sorting</a:t>
+                </a:r>
+                <a:r>
+                  <a:rPr lang="de-DE" dirty="0" smtClean="0"/>
+                  <a:t>)</a:t>
+                </a:r>
+              </a:p>
+              <a:p>
+                <a:pPr lvl="1"/>
+                <a:r>
+                  <a:rPr lang="de-DE" dirty="0"/>
+                  <a:t>Compute </a:t>
+                </a:r>
+                <a:r>
+                  <a:rPr lang="de-DE" dirty="0" err="1"/>
+                  <a:t>the</a:t>
+                </a:r>
+                <a:r>
+                  <a:rPr lang="de-DE" dirty="0"/>
+                  <a:t> </a:t>
+                </a:r>
+                <a:r>
+                  <a:rPr lang="de-DE" dirty="0" err="1"/>
+                  <a:t>numbers</a:t>
+                </a:r>
+                <a:r>
+                  <a:rPr lang="de-DE" dirty="0"/>
+                  <a:t> </a:t>
+                </a:r>
+                <a:r>
+                  <a:rPr lang="de-DE" dirty="0" err="1"/>
+                  <a:t>of</a:t>
+                </a:r>
+                <a:r>
+                  <a:rPr lang="de-DE" dirty="0"/>
+                  <a:t> </a:t>
+                </a:r>
+                <a:r>
+                  <a:rPr lang="de-DE" dirty="0" err="1"/>
+                  <a:t>triangles</a:t>
+                </a:r>
+                <a:r>
+                  <a:rPr lang="de-DE" dirty="0"/>
+                  <a:t> </a:t>
+                </a:r>
+                <a:r>
+                  <a:rPr lang="de-DE" dirty="0" err="1"/>
+                  <a:t>and</a:t>
+                </a:r>
+                <a:r>
+                  <a:rPr lang="de-DE" dirty="0"/>
+                  <a:t> </a:t>
+                </a:r>
+                <a:r>
+                  <a:rPr lang="de-DE" dirty="0" err="1"/>
+                  <a:t>the</a:t>
+                </a:r>
+                <a:r>
+                  <a:rPr lang="de-DE" dirty="0"/>
+                  <a:t> </a:t>
+                </a:r>
+                <a:r>
+                  <a:rPr lang="de-DE" dirty="0" err="1"/>
+                  <a:t>associated</a:t>
+                </a:r>
+                <a:r>
+                  <a:rPr lang="de-DE" dirty="0"/>
+                  <a:t> </a:t>
+                </a:r>
+                <a:r>
+                  <a:rPr lang="de-DE" dirty="0" err="1"/>
+                  <a:t>minimum</a:t>
+                </a:r>
+                <a:r>
+                  <a:rPr lang="de-DE" dirty="0"/>
+                  <a:t> SAH </a:t>
+                </a:r>
+                <a:r>
+                  <a:rPr lang="de-DE" dirty="0" err="1"/>
+                  <a:t>cost</a:t>
+                </a:r>
+                <a:r>
+                  <a:rPr lang="de-DE" dirty="0"/>
+                  <a:t> </a:t>
+                </a:r>
+                <a:r>
+                  <a:rPr lang="de-DE" dirty="0" err="1"/>
+                  <a:t>incrementelly</a:t>
+                </a:r>
+                <a:r>
+                  <a:rPr lang="de-DE" dirty="0"/>
+                  <a:t> in </a:t>
+                </a:r>
+                <a14:m>
+                  <m:oMath xmlns:m="http://schemas.openxmlformats.org/officeDocument/2006/math">
+                    <m:r>
+                      <a:rPr lang="en-US" i="1" dirty="0">
+                        <a:latin typeface="Cambria Math" panose="02040503050406030204" pitchFamily="18" charset="0"/>
+                      </a:rPr>
+                      <m:t>𝑂</m:t>
+                    </m:r>
+                    <m:d>
+                      <m:dPr>
+                        <m:ctrlPr>
+                          <a:rPr lang="en-US" i="1" dirty="0">
+                            <a:latin typeface="Cambria Math" panose="02040503050406030204" pitchFamily="18" charset="0"/>
+                          </a:rPr>
+                        </m:ctrlPr>
+                      </m:dPr>
+                      <m:e>
+                        <m:r>
+                          <a:rPr lang="en-US" i="1" dirty="0">
+                            <a:latin typeface="Cambria Math" panose="02040503050406030204" pitchFamily="18" charset="0"/>
+                          </a:rPr>
+                          <m:t>𝑛</m:t>
+                        </m:r>
+                      </m:e>
+                    </m:d>
+                  </m:oMath>
+                </a14:m>
+                <a:endParaRPr lang="de-DE" dirty="0" smtClean="0"/>
+              </a:p>
+              <a:p>
+                <a:pPr lvl="1"/>
+                <a:endParaRPr lang="de-DE" dirty="0" smtClean="0"/>
+              </a:p>
+              <a:p>
+                <a:pPr marL="418388" indent="-457200">
+                  <a:buFont typeface="+mj-lt"/>
+                  <a:buAutoNum type="arabicPeriod"/>
+                </a:pPr>
+                <a:endParaRPr lang="de-DE" dirty="0" smtClean="0"/>
+              </a:p>
+            </p:txBody>
+          </p:sp>
+        </mc:Choice>
+        <mc:Fallback>
+          <p:sp>
+            <p:nvSpPr>
+              <p:cNvPr id="6" name="Inhaltsplatzhalter 5"/>
+              <p:cNvSpPr>
+                <a:spLocks noGrp="1" noRot="1" noChangeAspect="1" noMove="1" noResize="1" noEditPoints="1" noAdjustHandles="1" noChangeArrowheads="1" noChangeShapeType="1" noTextEdit="1"/>
+              </p:cNvSpPr>
+              <p:nvPr>
+                <p:ph idx="1"/>
+              </p:nvPr>
+            </p:nvSpPr>
+            <p:spPr>
+              <a:blipFill>
+                <a:blip r:embed="rId2"/>
+                <a:stretch>
+                  <a:fillRect t="-3234" b="-2199"/>
+                </a:stretch>
+              </a:blipFill>
+            </p:spPr>
+            <p:txBody>
+              <a:bodyPr/>
+              <a:lstStyle/>
+              <a:p>
+                <a:r>
+                  <a:rPr lang="de-DE">
+                    <a:noFill/>
+                  </a:rPr>
+                  <a:t> </a:t>
+                </a:r>
+              </a:p>
+            </p:txBody>
+          </p:sp>
+        </mc:Fallback>
+      </mc:AlternateContent>
+      <p:sp>
+        <p:nvSpPr>
+          <p:cNvPr id="4" name="Fußzeilenplatzhalter 3"/>
+          <p:cNvSpPr>
+            <a:spLocks noGrp="1"/>
+          </p:cNvSpPr>
+          <p:nvPr>
+            <p:ph type="ftr" sz="quarter" idx="10"/>
+          </p:nvPr>
+        </p:nvSpPr>
+        <p:spPr/>
+        <p:txBody>
+          <a:bodyPr/>
+          <a:lstStyle/>
+          <a:p>
+            <a:pPr>
+              <a:defRPr/>
+            </a:pPr>
+            <a:r>
+              <a:rPr lang="de-DE" dirty="0"/>
+              <a:t>Mao L., Wang C., Sebastian G. – </a:t>
+            </a:r>
+            <a:r>
+              <a:rPr lang="de-DE" dirty="0" err="1"/>
+              <a:t>Ghosts</a:t>
+            </a:r>
+            <a:r>
+              <a:rPr lang="de-DE" dirty="0"/>
+              <a:t> </a:t>
+            </a:r>
+            <a:r>
+              <a:rPr lang="de-DE" dirty="0" err="1"/>
+              <a:t>activate</a:t>
+            </a:r>
+            <a:r>
+              <a:rPr lang="de-DE" dirty="0"/>
+              <a:t> on </a:t>
+            </a:r>
+            <a:r>
+              <a:rPr lang="de-DE" dirty="0" err="1"/>
+              <a:t>sight</a:t>
+            </a:r>
+            <a:endParaRPr lang="en-US" dirty="0"/>
+          </a:p>
+        </p:txBody>
+      </p:sp>
+    </p:spTree>
+    <p:extLst>
+      <p:ext uri="{BB962C8B-B14F-4D97-AF65-F5344CB8AC3E}">
+        <p14:creationId xmlns:p14="http://schemas.microsoft.com/office/powerpoint/2010/main" val="2097720909"/>
+      </p:ext>
+    </p:extLst>
+  </p:cSld>
+  <p:clrMapOvr>
+    <a:masterClrMapping/>
+  </p:clrMapOvr>
+</p:sld>
+</file>
+
+<file path=ppt/slides/slide27.xml><?xml version="1.0" encoding="utf-8"?>
+<p:sld xmlns:a="http://schemas.openxmlformats.org/drawingml/2006/main" xmlns:r="http://schemas.openxmlformats.org/officeDocument/2006/relationships" xmlns:p="http://schemas.openxmlformats.org/presentationml/2006/main">
+  <p:cSld>
+    <p:spTree>
+      <p:nvGrpSpPr>
+        <p:cNvPr id="1" name=""/>
+        <p:cNvGrpSpPr/>
+        <p:nvPr/>
+      </p:nvGrpSpPr>
+      <p:grpSpPr>
+        <a:xfrm>
+          <a:off x="0" y="0"/>
+          <a:ext cx="0" cy="0"/>
+          <a:chOff x="0" y="0"/>
+          <a:chExt cx="0" cy="0"/>
+        </a:xfrm>
+      </p:grpSpPr>
+      <p:sp>
+        <p:nvSpPr>
+          <p:cNvPr id="5" name="Titel 4"/>
+          <p:cNvSpPr>
+            <a:spLocks noGrp="1"/>
+          </p:cNvSpPr>
+          <p:nvPr>
+            <p:ph type="title"/>
+          </p:nvPr>
+        </p:nvSpPr>
+        <p:spPr/>
+        <p:txBody>
+          <a:bodyPr/>
+          <a:lstStyle/>
+          <a:p>
+            <a:r>
+              <a:rPr lang="de-DE" dirty="0" err="1" smtClean="0"/>
+              <a:t>Sweep-line</a:t>
+            </a:r>
+            <a:r>
+              <a:rPr lang="de-DE" dirty="0" err="1" smtClean="0"/>
+              <a:t>-b</a:t>
+            </a:r>
+            <a:r>
+              <a:rPr lang="de-DE" dirty="0" err="1" smtClean="0"/>
+              <a:t>ased</a:t>
+            </a:r>
+            <a:r>
+              <a:rPr lang="de-DE" dirty="0" smtClean="0"/>
+              <a:t> </a:t>
+            </a:r>
+            <a:r>
+              <a:rPr lang="de-DE" dirty="0" err="1" smtClean="0"/>
+              <a:t>Perfect</a:t>
+            </a:r>
+            <a:r>
+              <a:rPr lang="de-DE" dirty="0" smtClean="0"/>
+              <a:t> Split</a:t>
+            </a:r>
+            <a:endParaRPr lang="de-DE" dirty="0"/>
+          </a:p>
+        </p:txBody>
+      </p:sp>
+      <p:sp>
+        <p:nvSpPr>
+          <p:cNvPr id="6" name="Inhaltsplatzhalter 5"/>
+          <p:cNvSpPr>
+            <a:spLocks noGrp="1"/>
+          </p:cNvSpPr>
+          <p:nvPr>
+            <p:ph idx="1"/>
+          </p:nvPr>
+        </p:nvSpPr>
+        <p:spPr/>
+        <p:txBody>
+          <a:bodyPr>
+            <a:normAutofit/>
+          </a:bodyPr>
+          <a:lstStyle/>
+          <a:p>
+            <a:pPr marL="394575" lvl="1" indent="0">
+              <a:buNone/>
+            </a:pPr>
+            <a:endParaRPr lang="de-DE" dirty="0" smtClean="0"/>
+          </a:p>
+          <a:p>
+            <a:pPr lvl="1"/>
+            <a:endParaRPr lang="de-DE" dirty="0" smtClean="0"/>
+          </a:p>
+          <a:p>
+            <a:pPr marL="418388" indent="-457200">
+              <a:buFont typeface="+mj-lt"/>
+              <a:buAutoNum type="arabicPeriod"/>
+            </a:pPr>
+            <a:endParaRPr lang="de-DE" dirty="0" smtClean="0"/>
+          </a:p>
+        </p:txBody>
+      </p:sp>
+      <p:sp>
+        <p:nvSpPr>
+          <p:cNvPr id="4" name="Fußzeilenplatzhalter 3"/>
+          <p:cNvSpPr>
+            <a:spLocks noGrp="1"/>
+          </p:cNvSpPr>
+          <p:nvPr>
+            <p:ph type="ftr" sz="quarter" idx="10"/>
+          </p:nvPr>
+        </p:nvSpPr>
+        <p:spPr/>
+        <p:txBody>
+          <a:bodyPr/>
+          <a:lstStyle/>
+          <a:p>
+            <a:pPr>
+              <a:defRPr/>
+            </a:pPr>
+            <a:r>
+              <a:rPr lang="de-DE" dirty="0"/>
+              <a:t>Mao L., Wang C., Sebastian G. – </a:t>
+            </a:r>
+            <a:r>
+              <a:rPr lang="de-DE" dirty="0" err="1"/>
+              <a:t>Ghosts</a:t>
+            </a:r>
+            <a:r>
+              <a:rPr lang="de-DE" dirty="0"/>
+              <a:t> </a:t>
+            </a:r>
+            <a:r>
+              <a:rPr lang="de-DE" dirty="0" err="1"/>
+              <a:t>activate</a:t>
+            </a:r>
+            <a:r>
+              <a:rPr lang="de-DE" dirty="0"/>
+              <a:t> on </a:t>
+            </a:r>
+            <a:r>
+              <a:rPr lang="de-DE" dirty="0" err="1"/>
+              <a:t>sight</a:t>
+            </a:r>
+            <a:endParaRPr lang="en-US" dirty="0"/>
+          </a:p>
+        </p:txBody>
+      </p:sp>
+      <p:pic>
+        <p:nvPicPr>
+          <p:cNvPr id="7" name="Grafik 6"/>
+          <p:cNvPicPr>
+            <a:picLocks noChangeAspect="1"/>
+          </p:cNvPicPr>
+          <p:nvPr/>
+        </p:nvPicPr>
+        <p:blipFill>
+          <a:blip r:embed="rId2">
+            <a:extLst>
+              <a:ext uri="{28A0092B-C50C-407E-A947-70E740481C1C}">
+                <a14:useLocalDpi xmlns:a14="http://schemas.microsoft.com/office/drawing/2010/main" val="0"/>
+              </a:ext>
+            </a:extLst>
+          </a:blip>
+          <a:stretch>
+            <a:fillRect/>
+          </a:stretch>
+        </p:blipFill>
+        <p:spPr>
+          <a:xfrm>
+            <a:off x="2036238" y="1210315"/>
+            <a:ext cx="5109913" cy="3509217"/>
+          </a:xfrm>
+          <a:prstGeom prst="rect">
+            <a:avLst/>
+          </a:prstGeom>
+        </p:spPr>
+      </p:pic>
+      <p:sp>
+        <p:nvSpPr>
+          <p:cNvPr id="8" name="Textfeld 7"/>
+          <p:cNvSpPr txBox="1"/>
+          <p:nvPr/>
+        </p:nvSpPr>
+        <p:spPr>
+          <a:xfrm>
+            <a:off x="391318" y="5208600"/>
+            <a:ext cx="8358188" cy="646331"/>
+          </a:xfrm>
+          <a:prstGeom prst="rect">
+            <a:avLst/>
+          </a:prstGeom>
+          <a:noFill/>
+        </p:spPr>
+        <p:txBody>
+          <a:bodyPr wrap="square" rtlCol="0">
+            <a:spAutoFit/>
+          </a:bodyPr>
+          <a:lstStyle/>
+          <a:p>
+            <a:r>
+              <a:rPr lang="de-DE" dirty="0" err="1" smtClean="0"/>
+              <a:t>Triangles</a:t>
+            </a:r>
+            <a:r>
+              <a:rPr lang="de-DE" dirty="0" smtClean="0"/>
+              <a:t> </a:t>
+            </a:r>
+            <a:r>
+              <a:rPr lang="de-DE" dirty="0" err="1" smtClean="0"/>
+              <a:t>left</a:t>
+            </a:r>
+            <a:r>
+              <a:rPr lang="de-DE" dirty="0" smtClean="0"/>
+              <a:t> </a:t>
+            </a:r>
+            <a:r>
+              <a:rPr lang="de-DE" dirty="0" err="1" smtClean="0"/>
+              <a:t>of</a:t>
+            </a:r>
+            <a:r>
+              <a:rPr lang="de-DE" dirty="0" smtClean="0"/>
+              <a:t> </a:t>
+            </a:r>
+            <a:r>
+              <a:rPr lang="de-DE" dirty="0" err="1" smtClean="0"/>
+              <a:t>sweep</a:t>
+            </a:r>
+            <a:r>
+              <a:rPr lang="de-DE" dirty="0" smtClean="0"/>
+              <a:t> </a:t>
+            </a:r>
+            <a:r>
+              <a:rPr lang="de-DE" dirty="0" err="1" smtClean="0"/>
+              <a:t>line</a:t>
+            </a:r>
+            <a:r>
+              <a:rPr lang="de-DE" dirty="0" smtClean="0"/>
+              <a:t>:	0</a:t>
+            </a:r>
+          </a:p>
+          <a:p>
+            <a:r>
+              <a:rPr lang="de-DE" dirty="0" err="1" smtClean="0"/>
+              <a:t>Triangles</a:t>
+            </a:r>
+            <a:r>
+              <a:rPr lang="de-DE" dirty="0" smtClean="0"/>
+              <a:t> </a:t>
+            </a:r>
+            <a:r>
+              <a:rPr lang="de-DE" dirty="0" err="1" smtClean="0"/>
+              <a:t>right</a:t>
+            </a:r>
+            <a:r>
+              <a:rPr lang="de-DE" dirty="0" smtClean="0"/>
+              <a:t> </a:t>
+            </a:r>
+            <a:r>
+              <a:rPr lang="de-DE" dirty="0" err="1" smtClean="0"/>
+              <a:t>of</a:t>
+            </a:r>
+            <a:r>
+              <a:rPr lang="de-DE" dirty="0" smtClean="0"/>
+              <a:t> </a:t>
+            </a:r>
+            <a:r>
+              <a:rPr lang="de-DE" dirty="0" err="1" smtClean="0"/>
+              <a:t>sweep</a:t>
+            </a:r>
+            <a:r>
+              <a:rPr lang="de-DE" dirty="0" smtClean="0"/>
+              <a:t> </a:t>
+            </a:r>
+            <a:r>
+              <a:rPr lang="de-DE" dirty="0" err="1" smtClean="0"/>
+              <a:t>line</a:t>
+            </a:r>
+            <a:r>
+              <a:rPr lang="de-DE" dirty="0" smtClean="0"/>
+              <a:t>:	4</a:t>
+            </a:r>
+            <a:endParaRPr lang="de-DE" dirty="0"/>
+          </a:p>
+        </p:txBody>
+      </p:sp>
+    </p:spTree>
+    <p:extLst>
+      <p:ext uri="{BB962C8B-B14F-4D97-AF65-F5344CB8AC3E}">
+        <p14:creationId xmlns:p14="http://schemas.microsoft.com/office/powerpoint/2010/main" val="2303311821"/>
+      </p:ext>
+    </p:extLst>
+  </p:cSld>
+  <p:clrMapOvr>
+    <a:masterClrMapping/>
+  </p:clrMapOvr>
+</p:sld>
+</file>
+
+<file path=ppt/slides/slide28.xml><?xml version="1.0" encoding="utf-8"?>
+<p:sld xmlns:a="http://schemas.openxmlformats.org/drawingml/2006/main" xmlns:r="http://schemas.openxmlformats.org/officeDocument/2006/relationships" xmlns:p="http://schemas.openxmlformats.org/presentationml/2006/main">
+  <p:cSld>
+    <p:spTree>
+      <p:nvGrpSpPr>
+        <p:cNvPr id="1" name=""/>
+        <p:cNvGrpSpPr/>
+        <p:nvPr/>
+      </p:nvGrpSpPr>
+      <p:grpSpPr>
+        <a:xfrm>
+          <a:off x="0" y="0"/>
+          <a:ext cx="0" cy="0"/>
+          <a:chOff x="0" y="0"/>
+          <a:chExt cx="0" cy="0"/>
+        </a:xfrm>
+      </p:grpSpPr>
+      <p:sp>
+        <p:nvSpPr>
+          <p:cNvPr id="5" name="Titel 4"/>
+          <p:cNvSpPr>
+            <a:spLocks noGrp="1"/>
+          </p:cNvSpPr>
+          <p:nvPr>
+            <p:ph type="title"/>
+          </p:nvPr>
+        </p:nvSpPr>
+        <p:spPr/>
+        <p:txBody>
+          <a:bodyPr/>
+          <a:lstStyle/>
+          <a:p>
+            <a:r>
+              <a:rPr lang="de-DE" dirty="0" err="1" smtClean="0"/>
+              <a:t>Sweep-line</a:t>
+            </a:r>
+            <a:r>
+              <a:rPr lang="de-DE" dirty="0" err="1" smtClean="0"/>
+              <a:t>-b</a:t>
+            </a:r>
+            <a:r>
+              <a:rPr lang="de-DE" dirty="0" err="1" smtClean="0"/>
+              <a:t>ased</a:t>
+            </a:r>
+            <a:r>
+              <a:rPr lang="de-DE" dirty="0" smtClean="0"/>
+              <a:t> </a:t>
+            </a:r>
+            <a:r>
+              <a:rPr lang="de-DE" dirty="0" err="1" smtClean="0"/>
+              <a:t>Perfect</a:t>
+            </a:r>
+            <a:r>
+              <a:rPr lang="de-DE" dirty="0" smtClean="0"/>
+              <a:t> Split</a:t>
+            </a:r>
+            <a:endParaRPr lang="de-DE" dirty="0"/>
+          </a:p>
+        </p:txBody>
+      </p:sp>
+      <p:sp>
+        <p:nvSpPr>
+          <p:cNvPr id="6" name="Inhaltsplatzhalter 5"/>
+          <p:cNvSpPr>
+            <a:spLocks noGrp="1"/>
+          </p:cNvSpPr>
+          <p:nvPr>
+            <p:ph idx="1"/>
+          </p:nvPr>
+        </p:nvSpPr>
+        <p:spPr/>
+        <p:txBody>
+          <a:bodyPr>
+            <a:normAutofit/>
+          </a:bodyPr>
+          <a:lstStyle/>
+          <a:p>
+            <a:pPr marL="394575" lvl="1" indent="0">
+              <a:buNone/>
+            </a:pPr>
+            <a:endParaRPr lang="de-DE" dirty="0" smtClean="0"/>
+          </a:p>
+          <a:p>
+            <a:pPr lvl="1"/>
+            <a:endParaRPr lang="de-DE" dirty="0" smtClean="0"/>
+          </a:p>
+          <a:p>
+            <a:pPr marL="418388" indent="-457200">
+              <a:buFont typeface="+mj-lt"/>
+              <a:buAutoNum type="arabicPeriod"/>
+            </a:pPr>
+            <a:endParaRPr lang="de-DE" dirty="0" smtClean="0"/>
+          </a:p>
+        </p:txBody>
+      </p:sp>
+      <p:sp>
+        <p:nvSpPr>
+          <p:cNvPr id="4" name="Fußzeilenplatzhalter 3"/>
+          <p:cNvSpPr>
+            <a:spLocks noGrp="1"/>
+          </p:cNvSpPr>
+          <p:nvPr>
+            <p:ph type="ftr" sz="quarter" idx="10"/>
+          </p:nvPr>
+        </p:nvSpPr>
+        <p:spPr/>
+        <p:txBody>
+          <a:bodyPr/>
+          <a:lstStyle/>
+          <a:p>
+            <a:pPr>
+              <a:defRPr/>
+            </a:pPr>
+            <a:r>
+              <a:rPr lang="de-DE" dirty="0"/>
+              <a:t>Mao L., Wang C., Sebastian G. – </a:t>
+            </a:r>
+            <a:r>
+              <a:rPr lang="de-DE" dirty="0" err="1"/>
+              <a:t>Ghosts</a:t>
+            </a:r>
+            <a:r>
+              <a:rPr lang="de-DE" dirty="0"/>
+              <a:t> </a:t>
+            </a:r>
+            <a:r>
+              <a:rPr lang="de-DE" dirty="0" err="1"/>
+              <a:t>activate</a:t>
+            </a:r>
+            <a:r>
+              <a:rPr lang="de-DE" dirty="0"/>
+              <a:t> on </a:t>
+            </a:r>
+            <a:r>
+              <a:rPr lang="de-DE" dirty="0" err="1"/>
+              <a:t>sight</a:t>
+            </a:r>
+            <a:endParaRPr lang="en-US" dirty="0"/>
+          </a:p>
+        </p:txBody>
+      </p:sp>
+      <p:pic>
+        <p:nvPicPr>
+          <p:cNvPr id="7" name="Grafik 6"/>
+          <p:cNvPicPr>
+            <a:picLocks noChangeAspect="1"/>
+          </p:cNvPicPr>
+          <p:nvPr/>
+        </p:nvPicPr>
+        <p:blipFill>
+          <a:blip r:embed="rId2">
+            <a:extLst>
+              <a:ext uri="{28A0092B-C50C-407E-A947-70E740481C1C}">
+                <a14:useLocalDpi xmlns:a14="http://schemas.microsoft.com/office/drawing/2010/main" val="0"/>
+              </a:ext>
+            </a:extLst>
+          </a:blip>
+          <a:stretch>
+            <a:fillRect/>
+          </a:stretch>
+        </p:blipFill>
+        <p:spPr>
+          <a:xfrm>
+            <a:off x="1936811" y="958774"/>
+            <a:ext cx="5213056" cy="4084245"/>
+          </a:xfrm>
+          <a:prstGeom prst="rect">
+            <a:avLst/>
+          </a:prstGeom>
+        </p:spPr>
+      </p:pic>
+      <p:sp>
+        <p:nvSpPr>
+          <p:cNvPr id="8" name="Textfeld 7"/>
+          <p:cNvSpPr txBox="1"/>
+          <p:nvPr/>
+        </p:nvSpPr>
+        <p:spPr>
+          <a:xfrm>
+            <a:off x="391318" y="5208600"/>
+            <a:ext cx="8358188" cy="646331"/>
+          </a:xfrm>
+          <a:prstGeom prst="rect">
+            <a:avLst/>
+          </a:prstGeom>
+          <a:noFill/>
+        </p:spPr>
+        <p:txBody>
+          <a:bodyPr wrap="square" rtlCol="0">
+            <a:spAutoFit/>
+          </a:bodyPr>
+          <a:lstStyle/>
+          <a:p>
+            <a:r>
+              <a:rPr lang="de-DE" dirty="0" err="1" smtClean="0"/>
+              <a:t>Triangles</a:t>
+            </a:r>
+            <a:r>
+              <a:rPr lang="de-DE" dirty="0" smtClean="0"/>
+              <a:t> </a:t>
+            </a:r>
+            <a:r>
+              <a:rPr lang="de-DE" dirty="0" err="1" smtClean="0"/>
+              <a:t>left</a:t>
+            </a:r>
+            <a:r>
+              <a:rPr lang="de-DE" dirty="0" smtClean="0"/>
+              <a:t> </a:t>
+            </a:r>
+            <a:r>
+              <a:rPr lang="de-DE" dirty="0" err="1" smtClean="0"/>
+              <a:t>of</a:t>
+            </a:r>
+            <a:r>
+              <a:rPr lang="de-DE" dirty="0" smtClean="0"/>
+              <a:t> </a:t>
+            </a:r>
+            <a:r>
+              <a:rPr lang="de-DE" dirty="0" err="1" smtClean="0"/>
+              <a:t>sweep</a:t>
+            </a:r>
+            <a:r>
+              <a:rPr lang="de-DE" dirty="0" smtClean="0"/>
+              <a:t> </a:t>
+            </a:r>
+            <a:r>
+              <a:rPr lang="de-DE" dirty="0" err="1" smtClean="0"/>
+              <a:t>line</a:t>
+            </a:r>
+            <a:r>
+              <a:rPr lang="de-DE" dirty="0" smtClean="0"/>
+              <a:t>:	1</a:t>
+            </a:r>
+          </a:p>
+          <a:p>
+            <a:r>
+              <a:rPr lang="de-DE" dirty="0" err="1" smtClean="0"/>
+              <a:t>Triangles</a:t>
+            </a:r>
+            <a:r>
+              <a:rPr lang="de-DE" dirty="0" smtClean="0"/>
+              <a:t> </a:t>
+            </a:r>
+            <a:r>
+              <a:rPr lang="de-DE" dirty="0" err="1" smtClean="0"/>
+              <a:t>right</a:t>
+            </a:r>
+            <a:r>
+              <a:rPr lang="de-DE" dirty="0" smtClean="0"/>
+              <a:t> </a:t>
+            </a:r>
+            <a:r>
+              <a:rPr lang="de-DE" dirty="0" err="1" smtClean="0"/>
+              <a:t>of</a:t>
+            </a:r>
+            <a:r>
+              <a:rPr lang="de-DE" dirty="0" smtClean="0"/>
+              <a:t> </a:t>
+            </a:r>
+            <a:r>
+              <a:rPr lang="de-DE" dirty="0" err="1" smtClean="0"/>
+              <a:t>sweep</a:t>
+            </a:r>
+            <a:r>
+              <a:rPr lang="de-DE" dirty="0" smtClean="0"/>
+              <a:t> </a:t>
+            </a:r>
+            <a:r>
+              <a:rPr lang="de-DE" dirty="0" err="1" smtClean="0"/>
+              <a:t>line</a:t>
+            </a:r>
+            <a:r>
+              <a:rPr lang="de-DE" dirty="0" smtClean="0"/>
+              <a:t>:	4</a:t>
+            </a:r>
+            <a:endParaRPr lang="de-DE" dirty="0"/>
+          </a:p>
+        </p:txBody>
+      </p:sp>
+    </p:spTree>
+    <p:extLst>
+      <p:ext uri="{BB962C8B-B14F-4D97-AF65-F5344CB8AC3E}">
+        <p14:creationId xmlns:p14="http://schemas.microsoft.com/office/powerpoint/2010/main" val="2154532192"/>
+      </p:ext>
+    </p:extLst>
+  </p:cSld>
+  <p:clrMapOvr>
+    <a:masterClrMapping/>
+  </p:clrMapOvr>
+</p:sld>
+</file>
+
+<file path=ppt/slides/slide29.xml><?xml version="1.0" encoding="utf-8"?>
+<p:sld xmlns:a="http://schemas.openxmlformats.org/drawingml/2006/main" xmlns:r="http://schemas.openxmlformats.org/officeDocument/2006/relationships" xmlns:p="http://schemas.openxmlformats.org/presentationml/2006/main">
+  <p:cSld>
+    <p:spTree>
+      <p:nvGrpSpPr>
+        <p:cNvPr id="1" name=""/>
+        <p:cNvGrpSpPr/>
+        <p:nvPr/>
+      </p:nvGrpSpPr>
+      <p:grpSpPr>
+        <a:xfrm>
+          <a:off x="0" y="0"/>
+          <a:ext cx="0" cy="0"/>
+          <a:chOff x="0" y="0"/>
+          <a:chExt cx="0" cy="0"/>
+        </a:xfrm>
+      </p:grpSpPr>
+      <p:sp>
+        <p:nvSpPr>
+          <p:cNvPr id="5" name="Titel 4"/>
+          <p:cNvSpPr>
+            <a:spLocks noGrp="1"/>
+          </p:cNvSpPr>
+          <p:nvPr>
+            <p:ph type="title"/>
+          </p:nvPr>
+        </p:nvSpPr>
+        <p:spPr/>
+        <p:txBody>
+          <a:bodyPr/>
+          <a:lstStyle/>
+          <a:p>
+            <a:r>
+              <a:rPr lang="de-DE" dirty="0" err="1" smtClean="0"/>
+              <a:t>Sweep-line</a:t>
+            </a:r>
+            <a:r>
+              <a:rPr lang="de-DE" dirty="0" err="1" smtClean="0"/>
+              <a:t>-b</a:t>
+            </a:r>
+            <a:r>
+              <a:rPr lang="de-DE" dirty="0" err="1" smtClean="0"/>
+              <a:t>ased</a:t>
+            </a:r>
+            <a:r>
+              <a:rPr lang="de-DE" dirty="0" smtClean="0"/>
+              <a:t> </a:t>
+            </a:r>
+            <a:r>
+              <a:rPr lang="de-DE" dirty="0" err="1" smtClean="0"/>
+              <a:t>Perfect</a:t>
+            </a:r>
+            <a:r>
+              <a:rPr lang="de-DE" dirty="0" smtClean="0"/>
+              <a:t> Split</a:t>
+            </a:r>
+            <a:endParaRPr lang="de-DE" dirty="0"/>
+          </a:p>
+        </p:txBody>
+      </p:sp>
+      <p:sp>
+        <p:nvSpPr>
+          <p:cNvPr id="6" name="Inhaltsplatzhalter 5"/>
+          <p:cNvSpPr>
+            <a:spLocks noGrp="1"/>
+          </p:cNvSpPr>
+          <p:nvPr>
+            <p:ph idx="1"/>
+          </p:nvPr>
+        </p:nvSpPr>
+        <p:spPr/>
+        <p:txBody>
+          <a:bodyPr>
+            <a:normAutofit/>
+          </a:bodyPr>
+          <a:lstStyle/>
+          <a:p>
+            <a:pPr marL="394575" lvl="1" indent="0">
+              <a:buNone/>
+            </a:pPr>
+            <a:endParaRPr lang="de-DE" dirty="0" smtClean="0"/>
+          </a:p>
+          <a:p>
+            <a:pPr lvl="1"/>
+            <a:endParaRPr lang="de-DE" dirty="0" smtClean="0"/>
+          </a:p>
+          <a:p>
+            <a:pPr marL="418388" indent="-457200">
+              <a:buFont typeface="+mj-lt"/>
+              <a:buAutoNum type="arabicPeriod"/>
+            </a:pPr>
+            <a:endParaRPr lang="de-DE" dirty="0" smtClean="0"/>
+          </a:p>
+        </p:txBody>
+      </p:sp>
+      <p:sp>
+        <p:nvSpPr>
+          <p:cNvPr id="4" name="Fußzeilenplatzhalter 3"/>
+          <p:cNvSpPr>
+            <a:spLocks noGrp="1"/>
+          </p:cNvSpPr>
+          <p:nvPr>
+            <p:ph type="ftr" sz="quarter" idx="10"/>
+          </p:nvPr>
+        </p:nvSpPr>
+        <p:spPr/>
+        <p:txBody>
+          <a:bodyPr/>
+          <a:lstStyle/>
+          <a:p>
+            <a:pPr>
+              <a:defRPr/>
+            </a:pPr>
+            <a:r>
+              <a:rPr lang="de-DE" dirty="0"/>
+              <a:t>Mao L., Wang C., Sebastian G. – </a:t>
+            </a:r>
+            <a:r>
+              <a:rPr lang="de-DE" dirty="0" err="1"/>
+              <a:t>Ghosts</a:t>
+            </a:r>
+            <a:r>
+              <a:rPr lang="de-DE" dirty="0"/>
+              <a:t> </a:t>
+            </a:r>
+            <a:r>
+              <a:rPr lang="de-DE" dirty="0" err="1"/>
+              <a:t>activate</a:t>
+            </a:r>
+            <a:r>
+              <a:rPr lang="de-DE" dirty="0"/>
+              <a:t> on </a:t>
+            </a:r>
+            <a:r>
+              <a:rPr lang="de-DE" dirty="0" err="1"/>
+              <a:t>sight</a:t>
+            </a:r>
+            <a:endParaRPr lang="en-US" dirty="0"/>
+          </a:p>
+        </p:txBody>
+      </p:sp>
+      <p:pic>
+        <p:nvPicPr>
+          <p:cNvPr id="7" name="Grafik 6"/>
+          <p:cNvPicPr>
+            <a:picLocks noChangeAspect="1"/>
+          </p:cNvPicPr>
+          <p:nvPr/>
+        </p:nvPicPr>
+        <p:blipFill>
+          <a:blip r:embed="rId2">
+            <a:extLst>
+              <a:ext uri="{28A0092B-C50C-407E-A947-70E740481C1C}">
+                <a14:useLocalDpi xmlns:a14="http://schemas.microsoft.com/office/drawing/2010/main" val="0"/>
+              </a:ext>
+            </a:extLst>
+          </a:blip>
+          <a:stretch>
+            <a:fillRect/>
+          </a:stretch>
+        </p:blipFill>
+        <p:spPr>
+          <a:xfrm>
+            <a:off x="2040075" y="958774"/>
+            <a:ext cx="5110437" cy="4084245"/>
+          </a:xfrm>
+          <a:prstGeom prst="rect">
+            <a:avLst/>
+          </a:prstGeom>
+        </p:spPr>
+      </p:pic>
+      <p:sp>
+        <p:nvSpPr>
+          <p:cNvPr id="8" name="Textfeld 7"/>
+          <p:cNvSpPr txBox="1"/>
+          <p:nvPr/>
+        </p:nvSpPr>
+        <p:spPr>
+          <a:xfrm>
+            <a:off x="391318" y="5208600"/>
+            <a:ext cx="8358188" cy="646331"/>
+          </a:xfrm>
+          <a:prstGeom prst="rect">
+            <a:avLst/>
+          </a:prstGeom>
+          <a:noFill/>
+        </p:spPr>
+        <p:txBody>
+          <a:bodyPr wrap="square" rtlCol="0">
+            <a:spAutoFit/>
+          </a:bodyPr>
+          <a:lstStyle/>
+          <a:p>
+            <a:r>
+              <a:rPr lang="de-DE" dirty="0" err="1" smtClean="0"/>
+              <a:t>Triangles</a:t>
+            </a:r>
+            <a:r>
+              <a:rPr lang="de-DE" dirty="0" smtClean="0"/>
+              <a:t> </a:t>
+            </a:r>
+            <a:r>
+              <a:rPr lang="de-DE" dirty="0" err="1" smtClean="0"/>
+              <a:t>left</a:t>
+            </a:r>
+            <a:r>
+              <a:rPr lang="de-DE" dirty="0" smtClean="0"/>
+              <a:t> </a:t>
+            </a:r>
+            <a:r>
+              <a:rPr lang="de-DE" dirty="0" err="1" smtClean="0"/>
+              <a:t>of</a:t>
+            </a:r>
+            <a:r>
+              <a:rPr lang="de-DE" dirty="0" smtClean="0"/>
+              <a:t> </a:t>
+            </a:r>
+            <a:r>
+              <a:rPr lang="de-DE" dirty="0" err="1" smtClean="0"/>
+              <a:t>sweep</a:t>
+            </a:r>
+            <a:r>
+              <a:rPr lang="de-DE" dirty="0" smtClean="0"/>
+              <a:t> </a:t>
+            </a:r>
+            <a:r>
+              <a:rPr lang="de-DE" dirty="0" err="1" smtClean="0"/>
+              <a:t>line</a:t>
+            </a:r>
+            <a:r>
+              <a:rPr lang="de-DE" dirty="0" smtClean="0"/>
+              <a:t>:	2</a:t>
+            </a:r>
+          </a:p>
+          <a:p>
+            <a:r>
+              <a:rPr lang="de-DE" dirty="0" err="1" smtClean="0"/>
+              <a:t>Triangles</a:t>
+            </a:r>
+            <a:r>
+              <a:rPr lang="de-DE" dirty="0" smtClean="0"/>
+              <a:t> </a:t>
+            </a:r>
+            <a:r>
+              <a:rPr lang="de-DE" dirty="0" err="1" smtClean="0"/>
+              <a:t>right</a:t>
+            </a:r>
+            <a:r>
+              <a:rPr lang="de-DE" dirty="0" smtClean="0"/>
+              <a:t> </a:t>
+            </a:r>
+            <a:r>
+              <a:rPr lang="de-DE" dirty="0" err="1" smtClean="0"/>
+              <a:t>of</a:t>
+            </a:r>
+            <a:r>
+              <a:rPr lang="de-DE" dirty="0" smtClean="0"/>
+              <a:t> </a:t>
+            </a:r>
+            <a:r>
+              <a:rPr lang="de-DE" dirty="0" err="1" smtClean="0"/>
+              <a:t>sweep</a:t>
+            </a:r>
+            <a:r>
+              <a:rPr lang="de-DE" dirty="0" smtClean="0"/>
+              <a:t> </a:t>
+            </a:r>
+            <a:r>
+              <a:rPr lang="de-DE" dirty="0" err="1" smtClean="0"/>
+              <a:t>line</a:t>
+            </a:r>
+            <a:r>
+              <a:rPr lang="de-DE" dirty="0" smtClean="0"/>
+              <a:t>:	4</a:t>
+            </a:r>
+            <a:endParaRPr lang="de-DE" dirty="0"/>
+          </a:p>
+        </p:txBody>
+      </p:sp>
+    </p:spTree>
+    <p:extLst>
+      <p:ext uri="{BB962C8B-B14F-4D97-AF65-F5344CB8AC3E}">
+        <p14:creationId xmlns:p14="http://schemas.microsoft.com/office/powerpoint/2010/main" val="79138248"/>
       </p:ext>
     </p:extLst>
   </p:cSld>
@@ -11309,6 +13737,3050 @@
 </p:sld>
 </file>
 
+<file path=ppt/slides/slide30.xml><?xml version="1.0" encoding="utf-8"?>
+<p:sld xmlns:a="http://schemas.openxmlformats.org/drawingml/2006/main" xmlns:r="http://schemas.openxmlformats.org/officeDocument/2006/relationships" xmlns:p="http://schemas.openxmlformats.org/presentationml/2006/main">
+  <p:cSld>
+    <p:spTree>
+      <p:nvGrpSpPr>
+        <p:cNvPr id="1" name=""/>
+        <p:cNvGrpSpPr/>
+        <p:nvPr/>
+      </p:nvGrpSpPr>
+      <p:grpSpPr>
+        <a:xfrm>
+          <a:off x="0" y="0"/>
+          <a:ext cx="0" cy="0"/>
+          <a:chOff x="0" y="0"/>
+          <a:chExt cx="0" cy="0"/>
+        </a:xfrm>
+      </p:grpSpPr>
+      <p:sp>
+        <p:nvSpPr>
+          <p:cNvPr id="5" name="Titel 4"/>
+          <p:cNvSpPr>
+            <a:spLocks noGrp="1"/>
+          </p:cNvSpPr>
+          <p:nvPr>
+            <p:ph type="title"/>
+          </p:nvPr>
+        </p:nvSpPr>
+        <p:spPr/>
+        <p:txBody>
+          <a:bodyPr/>
+          <a:lstStyle/>
+          <a:p>
+            <a:r>
+              <a:rPr lang="de-DE" dirty="0" err="1" smtClean="0"/>
+              <a:t>Sweep-line</a:t>
+            </a:r>
+            <a:r>
+              <a:rPr lang="de-DE" dirty="0" err="1" smtClean="0"/>
+              <a:t>-b</a:t>
+            </a:r>
+            <a:r>
+              <a:rPr lang="de-DE" dirty="0" err="1" smtClean="0"/>
+              <a:t>ased</a:t>
+            </a:r>
+            <a:r>
+              <a:rPr lang="de-DE" dirty="0" smtClean="0"/>
+              <a:t> </a:t>
+            </a:r>
+            <a:r>
+              <a:rPr lang="de-DE" dirty="0" err="1" smtClean="0"/>
+              <a:t>Perfect</a:t>
+            </a:r>
+            <a:r>
+              <a:rPr lang="de-DE" dirty="0" smtClean="0"/>
+              <a:t> Split</a:t>
+            </a:r>
+            <a:endParaRPr lang="de-DE" dirty="0"/>
+          </a:p>
+        </p:txBody>
+      </p:sp>
+      <p:sp>
+        <p:nvSpPr>
+          <p:cNvPr id="6" name="Inhaltsplatzhalter 5"/>
+          <p:cNvSpPr>
+            <a:spLocks noGrp="1"/>
+          </p:cNvSpPr>
+          <p:nvPr>
+            <p:ph idx="1"/>
+          </p:nvPr>
+        </p:nvSpPr>
+        <p:spPr/>
+        <p:txBody>
+          <a:bodyPr>
+            <a:normAutofit/>
+          </a:bodyPr>
+          <a:lstStyle/>
+          <a:p>
+            <a:pPr marL="394575" lvl="1" indent="0">
+              <a:buNone/>
+            </a:pPr>
+            <a:endParaRPr lang="de-DE" dirty="0" smtClean="0"/>
+          </a:p>
+          <a:p>
+            <a:pPr lvl="1"/>
+            <a:endParaRPr lang="de-DE" dirty="0" smtClean="0"/>
+          </a:p>
+          <a:p>
+            <a:pPr marL="418388" indent="-457200">
+              <a:buFont typeface="+mj-lt"/>
+              <a:buAutoNum type="arabicPeriod"/>
+            </a:pPr>
+            <a:endParaRPr lang="de-DE" dirty="0" smtClean="0"/>
+          </a:p>
+        </p:txBody>
+      </p:sp>
+      <p:sp>
+        <p:nvSpPr>
+          <p:cNvPr id="4" name="Fußzeilenplatzhalter 3"/>
+          <p:cNvSpPr>
+            <a:spLocks noGrp="1"/>
+          </p:cNvSpPr>
+          <p:nvPr>
+            <p:ph type="ftr" sz="quarter" idx="10"/>
+          </p:nvPr>
+        </p:nvSpPr>
+        <p:spPr/>
+        <p:txBody>
+          <a:bodyPr/>
+          <a:lstStyle/>
+          <a:p>
+            <a:pPr>
+              <a:defRPr/>
+            </a:pPr>
+            <a:r>
+              <a:rPr lang="de-DE" dirty="0"/>
+              <a:t>Mao L., Wang C., Sebastian G. – </a:t>
+            </a:r>
+            <a:r>
+              <a:rPr lang="de-DE" dirty="0" err="1"/>
+              <a:t>Ghosts</a:t>
+            </a:r>
+            <a:r>
+              <a:rPr lang="de-DE" dirty="0"/>
+              <a:t> </a:t>
+            </a:r>
+            <a:r>
+              <a:rPr lang="de-DE" dirty="0" err="1"/>
+              <a:t>activate</a:t>
+            </a:r>
+            <a:r>
+              <a:rPr lang="de-DE" dirty="0"/>
+              <a:t> on </a:t>
+            </a:r>
+            <a:r>
+              <a:rPr lang="de-DE" dirty="0" err="1"/>
+              <a:t>sight</a:t>
+            </a:r>
+            <a:endParaRPr lang="en-US" dirty="0"/>
+          </a:p>
+        </p:txBody>
+      </p:sp>
+      <p:pic>
+        <p:nvPicPr>
+          <p:cNvPr id="7" name="Grafik 6"/>
+          <p:cNvPicPr>
+            <a:picLocks noChangeAspect="1"/>
+          </p:cNvPicPr>
+          <p:nvPr/>
+        </p:nvPicPr>
+        <p:blipFill>
+          <a:blip r:embed="rId2">
+            <a:extLst>
+              <a:ext uri="{28A0092B-C50C-407E-A947-70E740481C1C}">
+                <a14:useLocalDpi xmlns:a14="http://schemas.microsoft.com/office/drawing/2010/main" val="0"/>
+              </a:ext>
+            </a:extLst>
+          </a:blip>
+          <a:stretch>
+            <a:fillRect/>
+          </a:stretch>
+        </p:blipFill>
+        <p:spPr>
+          <a:xfrm>
+            <a:off x="2040075" y="958774"/>
+            <a:ext cx="5110437" cy="4084244"/>
+          </a:xfrm>
+          <a:prstGeom prst="rect">
+            <a:avLst/>
+          </a:prstGeom>
+        </p:spPr>
+      </p:pic>
+      <p:sp>
+        <p:nvSpPr>
+          <p:cNvPr id="8" name="Textfeld 7"/>
+          <p:cNvSpPr txBox="1"/>
+          <p:nvPr/>
+        </p:nvSpPr>
+        <p:spPr>
+          <a:xfrm>
+            <a:off x="391318" y="5208600"/>
+            <a:ext cx="8358188" cy="646331"/>
+          </a:xfrm>
+          <a:prstGeom prst="rect">
+            <a:avLst/>
+          </a:prstGeom>
+          <a:noFill/>
+        </p:spPr>
+        <p:txBody>
+          <a:bodyPr wrap="square" rtlCol="0">
+            <a:spAutoFit/>
+          </a:bodyPr>
+          <a:lstStyle/>
+          <a:p>
+            <a:r>
+              <a:rPr lang="de-DE" dirty="0" err="1" smtClean="0"/>
+              <a:t>Triangles</a:t>
+            </a:r>
+            <a:r>
+              <a:rPr lang="de-DE" dirty="0" smtClean="0"/>
+              <a:t> </a:t>
+            </a:r>
+            <a:r>
+              <a:rPr lang="de-DE" dirty="0" err="1" smtClean="0"/>
+              <a:t>left</a:t>
+            </a:r>
+            <a:r>
+              <a:rPr lang="de-DE" dirty="0" smtClean="0"/>
+              <a:t> </a:t>
+            </a:r>
+            <a:r>
+              <a:rPr lang="de-DE" dirty="0" err="1" smtClean="0"/>
+              <a:t>of</a:t>
+            </a:r>
+            <a:r>
+              <a:rPr lang="de-DE" dirty="0" smtClean="0"/>
+              <a:t> </a:t>
+            </a:r>
+            <a:r>
+              <a:rPr lang="de-DE" dirty="0" err="1" smtClean="0"/>
+              <a:t>sweep</a:t>
+            </a:r>
+            <a:r>
+              <a:rPr lang="de-DE" dirty="0" smtClean="0"/>
+              <a:t> </a:t>
+            </a:r>
+            <a:r>
+              <a:rPr lang="de-DE" dirty="0" err="1" smtClean="0"/>
+              <a:t>line</a:t>
+            </a:r>
+            <a:r>
+              <a:rPr lang="de-DE" dirty="0" smtClean="0"/>
+              <a:t>:	2</a:t>
+            </a:r>
+          </a:p>
+          <a:p>
+            <a:r>
+              <a:rPr lang="de-DE" dirty="0" err="1" smtClean="0"/>
+              <a:t>Triangles</a:t>
+            </a:r>
+            <a:r>
+              <a:rPr lang="de-DE" dirty="0" smtClean="0"/>
+              <a:t> </a:t>
+            </a:r>
+            <a:r>
+              <a:rPr lang="de-DE" dirty="0" err="1" smtClean="0"/>
+              <a:t>right</a:t>
+            </a:r>
+            <a:r>
+              <a:rPr lang="de-DE" dirty="0" smtClean="0"/>
+              <a:t> </a:t>
+            </a:r>
+            <a:r>
+              <a:rPr lang="de-DE" dirty="0" err="1" smtClean="0"/>
+              <a:t>of</a:t>
+            </a:r>
+            <a:r>
+              <a:rPr lang="de-DE" dirty="0" smtClean="0"/>
+              <a:t> </a:t>
+            </a:r>
+            <a:r>
+              <a:rPr lang="de-DE" dirty="0" err="1" smtClean="0"/>
+              <a:t>sweep</a:t>
+            </a:r>
+            <a:r>
+              <a:rPr lang="de-DE" dirty="0" smtClean="0"/>
+              <a:t> </a:t>
+            </a:r>
+            <a:r>
+              <a:rPr lang="de-DE" dirty="0" err="1" smtClean="0"/>
+              <a:t>line</a:t>
+            </a:r>
+            <a:r>
+              <a:rPr lang="de-DE" dirty="0" smtClean="0"/>
+              <a:t>:	3</a:t>
+            </a:r>
+            <a:endParaRPr lang="de-DE" dirty="0"/>
+          </a:p>
+        </p:txBody>
+      </p:sp>
+    </p:spTree>
+    <p:extLst>
+      <p:ext uri="{BB962C8B-B14F-4D97-AF65-F5344CB8AC3E}">
+        <p14:creationId xmlns:p14="http://schemas.microsoft.com/office/powerpoint/2010/main" val="1034154669"/>
+      </p:ext>
+    </p:extLst>
+  </p:cSld>
+  <p:clrMapOvr>
+    <a:masterClrMapping/>
+  </p:clrMapOvr>
+</p:sld>
+</file>
+
+<file path=ppt/slides/slide31.xml><?xml version="1.0" encoding="utf-8"?>
+<p:sld xmlns:a="http://schemas.openxmlformats.org/drawingml/2006/main" xmlns:r="http://schemas.openxmlformats.org/officeDocument/2006/relationships" xmlns:p="http://schemas.openxmlformats.org/presentationml/2006/main">
+  <p:cSld>
+    <p:spTree>
+      <p:nvGrpSpPr>
+        <p:cNvPr id="1" name=""/>
+        <p:cNvGrpSpPr/>
+        <p:nvPr/>
+      </p:nvGrpSpPr>
+      <p:grpSpPr>
+        <a:xfrm>
+          <a:off x="0" y="0"/>
+          <a:ext cx="0" cy="0"/>
+          <a:chOff x="0" y="0"/>
+          <a:chExt cx="0" cy="0"/>
+        </a:xfrm>
+      </p:grpSpPr>
+      <p:sp>
+        <p:nvSpPr>
+          <p:cNvPr id="5" name="Titel 4"/>
+          <p:cNvSpPr>
+            <a:spLocks noGrp="1"/>
+          </p:cNvSpPr>
+          <p:nvPr>
+            <p:ph type="title"/>
+          </p:nvPr>
+        </p:nvSpPr>
+        <p:spPr/>
+        <p:txBody>
+          <a:bodyPr/>
+          <a:lstStyle/>
+          <a:p>
+            <a:r>
+              <a:rPr lang="de-DE" dirty="0" err="1" smtClean="0"/>
+              <a:t>Sweep-line</a:t>
+            </a:r>
+            <a:r>
+              <a:rPr lang="de-DE" dirty="0" err="1" smtClean="0"/>
+              <a:t>-b</a:t>
+            </a:r>
+            <a:r>
+              <a:rPr lang="de-DE" dirty="0" err="1" smtClean="0"/>
+              <a:t>ased</a:t>
+            </a:r>
+            <a:r>
+              <a:rPr lang="de-DE" dirty="0" smtClean="0"/>
+              <a:t> </a:t>
+            </a:r>
+            <a:r>
+              <a:rPr lang="de-DE" dirty="0" err="1" smtClean="0"/>
+              <a:t>Perfect</a:t>
+            </a:r>
+            <a:r>
+              <a:rPr lang="de-DE" dirty="0" smtClean="0"/>
+              <a:t> Split</a:t>
+            </a:r>
+            <a:endParaRPr lang="de-DE" dirty="0"/>
+          </a:p>
+        </p:txBody>
+      </p:sp>
+      <p:sp>
+        <p:nvSpPr>
+          <p:cNvPr id="6" name="Inhaltsplatzhalter 5"/>
+          <p:cNvSpPr>
+            <a:spLocks noGrp="1"/>
+          </p:cNvSpPr>
+          <p:nvPr>
+            <p:ph idx="1"/>
+          </p:nvPr>
+        </p:nvSpPr>
+        <p:spPr/>
+        <p:txBody>
+          <a:bodyPr>
+            <a:normAutofit/>
+          </a:bodyPr>
+          <a:lstStyle/>
+          <a:p>
+            <a:pPr marL="394575" lvl="1" indent="0">
+              <a:buNone/>
+            </a:pPr>
+            <a:endParaRPr lang="de-DE" dirty="0" smtClean="0"/>
+          </a:p>
+          <a:p>
+            <a:pPr lvl="1"/>
+            <a:endParaRPr lang="de-DE" dirty="0" smtClean="0"/>
+          </a:p>
+          <a:p>
+            <a:pPr marL="418388" indent="-457200">
+              <a:buFont typeface="+mj-lt"/>
+              <a:buAutoNum type="arabicPeriod"/>
+            </a:pPr>
+            <a:endParaRPr lang="de-DE" dirty="0" smtClean="0"/>
+          </a:p>
+        </p:txBody>
+      </p:sp>
+      <p:sp>
+        <p:nvSpPr>
+          <p:cNvPr id="4" name="Fußzeilenplatzhalter 3"/>
+          <p:cNvSpPr>
+            <a:spLocks noGrp="1"/>
+          </p:cNvSpPr>
+          <p:nvPr>
+            <p:ph type="ftr" sz="quarter" idx="10"/>
+          </p:nvPr>
+        </p:nvSpPr>
+        <p:spPr/>
+        <p:txBody>
+          <a:bodyPr/>
+          <a:lstStyle/>
+          <a:p>
+            <a:pPr>
+              <a:defRPr/>
+            </a:pPr>
+            <a:r>
+              <a:rPr lang="de-DE" dirty="0"/>
+              <a:t>Mao L., Wang C., Sebastian G. – </a:t>
+            </a:r>
+            <a:r>
+              <a:rPr lang="de-DE" dirty="0" err="1"/>
+              <a:t>Ghosts</a:t>
+            </a:r>
+            <a:r>
+              <a:rPr lang="de-DE" dirty="0"/>
+              <a:t> </a:t>
+            </a:r>
+            <a:r>
+              <a:rPr lang="de-DE" dirty="0" err="1"/>
+              <a:t>activate</a:t>
+            </a:r>
+            <a:r>
+              <a:rPr lang="de-DE" dirty="0"/>
+              <a:t> on </a:t>
+            </a:r>
+            <a:r>
+              <a:rPr lang="de-DE" dirty="0" err="1"/>
+              <a:t>sight</a:t>
+            </a:r>
+            <a:endParaRPr lang="en-US" dirty="0"/>
+          </a:p>
+        </p:txBody>
+      </p:sp>
+      <p:pic>
+        <p:nvPicPr>
+          <p:cNvPr id="7" name="Grafik 6"/>
+          <p:cNvPicPr>
+            <a:picLocks noChangeAspect="1"/>
+          </p:cNvPicPr>
+          <p:nvPr/>
+        </p:nvPicPr>
+        <p:blipFill>
+          <a:blip r:embed="rId2">
+            <a:extLst>
+              <a:ext uri="{28A0092B-C50C-407E-A947-70E740481C1C}">
+                <a14:useLocalDpi xmlns:a14="http://schemas.microsoft.com/office/drawing/2010/main" val="0"/>
+              </a:ext>
+            </a:extLst>
+          </a:blip>
+          <a:stretch>
+            <a:fillRect/>
+          </a:stretch>
+        </p:blipFill>
+        <p:spPr>
+          <a:xfrm>
+            <a:off x="2040076" y="958774"/>
+            <a:ext cx="5110435" cy="4084244"/>
+          </a:xfrm>
+          <a:prstGeom prst="rect">
+            <a:avLst/>
+          </a:prstGeom>
+        </p:spPr>
+      </p:pic>
+      <p:sp>
+        <p:nvSpPr>
+          <p:cNvPr id="8" name="Textfeld 7"/>
+          <p:cNvSpPr txBox="1"/>
+          <p:nvPr/>
+        </p:nvSpPr>
+        <p:spPr>
+          <a:xfrm>
+            <a:off x="391318" y="5208600"/>
+            <a:ext cx="8358188" cy="646331"/>
+          </a:xfrm>
+          <a:prstGeom prst="rect">
+            <a:avLst/>
+          </a:prstGeom>
+          <a:noFill/>
+        </p:spPr>
+        <p:txBody>
+          <a:bodyPr wrap="square" rtlCol="0">
+            <a:spAutoFit/>
+          </a:bodyPr>
+          <a:lstStyle/>
+          <a:p>
+            <a:r>
+              <a:rPr lang="de-DE" dirty="0" err="1" smtClean="0"/>
+              <a:t>Triangles</a:t>
+            </a:r>
+            <a:r>
+              <a:rPr lang="de-DE" dirty="0" smtClean="0"/>
+              <a:t> </a:t>
+            </a:r>
+            <a:r>
+              <a:rPr lang="de-DE" dirty="0" err="1" smtClean="0"/>
+              <a:t>left</a:t>
+            </a:r>
+            <a:r>
+              <a:rPr lang="de-DE" dirty="0" smtClean="0"/>
+              <a:t> </a:t>
+            </a:r>
+            <a:r>
+              <a:rPr lang="de-DE" dirty="0" err="1" smtClean="0"/>
+              <a:t>of</a:t>
+            </a:r>
+            <a:r>
+              <a:rPr lang="de-DE" dirty="0" smtClean="0"/>
+              <a:t> </a:t>
+            </a:r>
+            <a:r>
+              <a:rPr lang="de-DE" dirty="0" err="1" smtClean="0"/>
+              <a:t>sweep</a:t>
+            </a:r>
+            <a:r>
+              <a:rPr lang="de-DE" dirty="0" smtClean="0"/>
+              <a:t> </a:t>
+            </a:r>
+            <a:r>
+              <a:rPr lang="de-DE" dirty="0" err="1" smtClean="0"/>
+              <a:t>line</a:t>
+            </a:r>
+            <a:r>
+              <a:rPr lang="de-DE" dirty="0" smtClean="0"/>
+              <a:t>:	3</a:t>
+            </a:r>
+          </a:p>
+          <a:p>
+            <a:r>
+              <a:rPr lang="de-DE" dirty="0" err="1" smtClean="0"/>
+              <a:t>Triangles</a:t>
+            </a:r>
+            <a:r>
+              <a:rPr lang="de-DE" dirty="0" smtClean="0"/>
+              <a:t> </a:t>
+            </a:r>
+            <a:r>
+              <a:rPr lang="de-DE" dirty="0" err="1" smtClean="0"/>
+              <a:t>right</a:t>
+            </a:r>
+            <a:r>
+              <a:rPr lang="de-DE" dirty="0" smtClean="0"/>
+              <a:t> </a:t>
+            </a:r>
+            <a:r>
+              <a:rPr lang="de-DE" dirty="0" err="1" smtClean="0"/>
+              <a:t>of</a:t>
+            </a:r>
+            <a:r>
+              <a:rPr lang="de-DE" dirty="0" smtClean="0"/>
+              <a:t> </a:t>
+            </a:r>
+            <a:r>
+              <a:rPr lang="de-DE" dirty="0" err="1" smtClean="0"/>
+              <a:t>sweep</a:t>
+            </a:r>
+            <a:r>
+              <a:rPr lang="de-DE" dirty="0" smtClean="0"/>
+              <a:t> </a:t>
+            </a:r>
+            <a:r>
+              <a:rPr lang="de-DE" dirty="0" err="1" smtClean="0"/>
+              <a:t>line</a:t>
+            </a:r>
+            <a:r>
+              <a:rPr lang="de-DE" dirty="0" smtClean="0"/>
+              <a:t>:	3</a:t>
+            </a:r>
+            <a:endParaRPr lang="de-DE" dirty="0"/>
+          </a:p>
+        </p:txBody>
+      </p:sp>
+    </p:spTree>
+    <p:extLst>
+      <p:ext uri="{BB962C8B-B14F-4D97-AF65-F5344CB8AC3E}">
+        <p14:creationId xmlns:p14="http://schemas.microsoft.com/office/powerpoint/2010/main" val="2507426835"/>
+      </p:ext>
+    </p:extLst>
+  </p:cSld>
+  <p:clrMapOvr>
+    <a:masterClrMapping/>
+  </p:clrMapOvr>
+</p:sld>
+</file>
+
+<file path=ppt/slides/slide32.xml><?xml version="1.0" encoding="utf-8"?>
+<p:sld xmlns:a="http://schemas.openxmlformats.org/drawingml/2006/main" xmlns:r="http://schemas.openxmlformats.org/officeDocument/2006/relationships" xmlns:p="http://schemas.openxmlformats.org/presentationml/2006/main">
+  <p:cSld>
+    <p:spTree>
+      <p:nvGrpSpPr>
+        <p:cNvPr id="1" name=""/>
+        <p:cNvGrpSpPr/>
+        <p:nvPr/>
+      </p:nvGrpSpPr>
+      <p:grpSpPr>
+        <a:xfrm>
+          <a:off x="0" y="0"/>
+          <a:ext cx="0" cy="0"/>
+          <a:chOff x="0" y="0"/>
+          <a:chExt cx="0" cy="0"/>
+        </a:xfrm>
+      </p:grpSpPr>
+      <p:sp>
+        <p:nvSpPr>
+          <p:cNvPr id="5" name="Titel 4"/>
+          <p:cNvSpPr>
+            <a:spLocks noGrp="1"/>
+          </p:cNvSpPr>
+          <p:nvPr>
+            <p:ph type="title"/>
+          </p:nvPr>
+        </p:nvSpPr>
+        <p:spPr/>
+        <p:txBody>
+          <a:bodyPr/>
+          <a:lstStyle/>
+          <a:p>
+            <a:r>
+              <a:rPr lang="de-DE" dirty="0" err="1" smtClean="0"/>
+              <a:t>Sweep-line</a:t>
+            </a:r>
+            <a:r>
+              <a:rPr lang="de-DE" dirty="0" err="1" smtClean="0"/>
+              <a:t>-b</a:t>
+            </a:r>
+            <a:r>
+              <a:rPr lang="de-DE" dirty="0" err="1" smtClean="0"/>
+              <a:t>ased</a:t>
+            </a:r>
+            <a:r>
+              <a:rPr lang="de-DE" dirty="0" smtClean="0"/>
+              <a:t> </a:t>
+            </a:r>
+            <a:r>
+              <a:rPr lang="de-DE" dirty="0" err="1" smtClean="0"/>
+              <a:t>Perfect</a:t>
+            </a:r>
+            <a:r>
+              <a:rPr lang="de-DE" dirty="0" smtClean="0"/>
+              <a:t> Split</a:t>
+            </a:r>
+            <a:endParaRPr lang="de-DE" dirty="0"/>
+          </a:p>
+        </p:txBody>
+      </p:sp>
+      <p:sp>
+        <p:nvSpPr>
+          <p:cNvPr id="6" name="Inhaltsplatzhalter 5"/>
+          <p:cNvSpPr>
+            <a:spLocks noGrp="1"/>
+          </p:cNvSpPr>
+          <p:nvPr>
+            <p:ph idx="1"/>
+          </p:nvPr>
+        </p:nvSpPr>
+        <p:spPr/>
+        <p:txBody>
+          <a:bodyPr>
+            <a:normAutofit/>
+          </a:bodyPr>
+          <a:lstStyle/>
+          <a:p>
+            <a:pPr marL="394575" lvl="1" indent="0">
+              <a:buNone/>
+            </a:pPr>
+            <a:endParaRPr lang="de-DE" dirty="0" smtClean="0"/>
+          </a:p>
+          <a:p>
+            <a:pPr lvl="1"/>
+            <a:endParaRPr lang="de-DE" dirty="0" smtClean="0"/>
+          </a:p>
+          <a:p>
+            <a:pPr marL="418388" indent="-457200">
+              <a:buFont typeface="+mj-lt"/>
+              <a:buAutoNum type="arabicPeriod"/>
+            </a:pPr>
+            <a:endParaRPr lang="de-DE" dirty="0" smtClean="0"/>
+          </a:p>
+        </p:txBody>
+      </p:sp>
+      <p:sp>
+        <p:nvSpPr>
+          <p:cNvPr id="4" name="Fußzeilenplatzhalter 3"/>
+          <p:cNvSpPr>
+            <a:spLocks noGrp="1"/>
+          </p:cNvSpPr>
+          <p:nvPr>
+            <p:ph type="ftr" sz="quarter" idx="10"/>
+          </p:nvPr>
+        </p:nvSpPr>
+        <p:spPr/>
+        <p:txBody>
+          <a:bodyPr/>
+          <a:lstStyle/>
+          <a:p>
+            <a:pPr>
+              <a:defRPr/>
+            </a:pPr>
+            <a:r>
+              <a:rPr lang="de-DE" dirty="0"/>
+              <a:t>Mao L., Wang C., Sebastian G. – </a:t>
+            </a:r>
+            <a:r>
+              <a:rPr lang="de-DE" dirty="0" err="1"/>
+              <a:t>Ghosts</a:t>
+            </a:r>
+            <a:r>
+              <a:rPr lang="de-DE" dirty="0"/>
+              <a:t> </a:t>
+            </a:r>
+            <a:r>
+              <a:rPr lang="de-DE" dirty="0" err="1"/>
+              <a:t>activate</a:t>
+            </a:r>
+            <a:r>
+              <a:rPr lang="de-DE" dirty="0"/>
+              <a:t> on </a:t>
+            </a:r>
+            <a:r>
+              <a:rPr lang="de-DE" dirty="0" err="1"/>
+              <a:t>sight</a:t>
+            </a:r>
+            <a:endParaRPr lang="en-US" dirty="0"/>
+          </a:p>
+        </p:txBody>
+      </p:sp>
+      <p:pic>
+        <p:nvPicPr>
+          <p:cNvPr id="7" name="Grafik 6"/>
+          <p:cNvPicPr>
+            <a:picLocks noChangeAspect="1"/>
+          </p:cNvPicPr>
+          <p:nvPr/>
+        </p:nvPicPr>
+        <p:blipFill>
+          <a:blip r:embed="rId2">
+            <a:extLst>
+              <a:ext uri="{28A0092B-C50C-407E-A947-70E740481C1C}">
+                <a14:useLocalDpi xmlns:a14="http://schemas.microsoft.com/office/drawing/2010/main" val="0"/>
+              </a:ext>
+            </a:extLst>
+          </a:blip>
+          <a:stretch>
+            <a:fillRect/>
+          </a:stretch>
+        </p:blipFill>
+        <p:spPr>
+          <a:xfrm>
+            <a:off x="2040076" y="958774"/>
+            <a:ext cx="5110435" cy="4084243"/>
+          </a:xfrm>
+          <a:prstGeom prst="rect">
+            <a:avLst/>
+          </a:prstGeom>
+        </p:spPr>
+      </p:pic>
+      <p:sp>
+        <p:nvSpPr>
+          <p:cNvPr id="8" name="Textfeld 7"/>
+          <p:cNvSpPr txBox="1"/>
+          <p:nvPr/>
+        </p:nvSpPr>
+        <p:spPr>
+          <a:xfrm>
+            <a:off x="391318" y="5208600"/>
+            <a:ext cx="8358188" cy="646331"/>
+          </a:xfrm>
+          <a:prstGeom prst="rect">
+            <a:avLst/>
+          </a:prstGeom>
+          <a:noFill/>
+        </p:spPr>
+        <p:txBody>
+          <a:bodyPr wrap="square" rtlCol="0">
+            <a:spAutoFit/>
+          </a:bodyPr>
+          <a:lstStyle/>
+          <a:p>
+            <a:r>
+              <a:rPr lang="de-DE" dirty="0" err="1" smtClean="0"/>
+              <a:t>Triangles</a:t>
+            </a:r>
+            <a:r>
+              <a:rPr lang="de-DE" dirty="0" smtClean="0"/>
+              <a:t> </a:t>
+            </a:r>
+            <a:r>
+              <a:rPr lang="de-DE" dirty="0" err="1" smtClean="0"/>
+              <a:t>left</a:t>
+            </a:r>
+            <a:r>
+              <a:rPr lang="de-DE" dirty="0" smtClean="0"/>
+              <a:t> </a:t>
+            </a:r>
+            <a:r>
+              <a:rPr lang="de-DE" dirty="0" err="1" smtClean="0"/>
+              <a:t>of</a:t>
+            </a:r>
+            <a:r>
+              <a:rPr lang="de-DE" dirty="0" smtClean="0"/>
+              <a:t> </a:t>
+            </a:r>
+            <a:r>
+              <a:rPr lang="de-DE" dirty="0" err="1" smtClean="0"/>
+              <a:t>sweep</a:t>
+            </a:r>
+            <a:r>
+              <a:rPr lang="de-DE" dirty="0" smtClean="0"/>
+              <a:t> </a:t>
+            </a:r>
+            <a:r>
+              <a:rPr lang="de-DE" dirty="0" err="1" smtClean="0"/>
+              <a:t>line</a:t>
+            </a:r>
+            <a:r>
+              <a:rPr lang="de-DE" dirty="0" smtClean="0"/>
+              <a:t>:	3</a:t>
+            </a:r>
+          </a:p>
+          <a:p>
+            <a:r>
+              <a:rPr lang="de-DE" dirty="0" err="1" smtClean="0"/>
+              <a:t>Triangles</a:t>
+            </a:r>
+            <a:r>
+              <a:rPr lang="de-DE" dirty="0" smtClean="0"/>
+              <a:t> </a:t>
+            </a:r>
+            <a:r>
+              <a:rPr lang="de-DE" dirty="0" err="1" smtClean="0"/>
+              <a:t>right</a:t>
+            </a:r>
+            <a:r>
+              <a:rPr lang="de-DE" dirty="0" smtClean="0"/>
+              <a:t> </a:t>
+            </a:r>
+            <a:r>
+              <a:rPr lang="de-DE" dirty="0" err="1" smtClean="0"/>
+              <a:t>of</a:t>
+            </a:r>
+            <a:r>
+              <a:rPr lang="de-DE" dirty="0" smtClean="0"/>
+              <a:t> </a:t>
+            </a:r>
+            <a:r>
+              <a:rPr lang="de-DE" dirty="0" err="1" smtClean="0"/>
+              <a:t>sweep</a:t>
+            </a:r>
+            <a:r>
+              <a:rPr lang="de-DE" dirty="0" smtClean="0"/>
+              <a:t> </a:t>
+            </a:r>
+            <a:r>
+              <a:rPr lang="de-DE" dirty="0" err="1" smtClean="0"/>
+              <a:t>line</a:t>
+            </a:r>
+            <a:r>
+              <a:rPr lang="de-DE" dirty="0" smtClean="0"/>
+              <a:t>:	2</a:t>
+            </a:r>
+            <a:endParaRPr lang="de-DE" dirty="0"/>
+          </a:p>
+        </p:txBody>
+      </p:sp>
+    </p:spTree>
+    <p:extLst>
+      <p:ext uri="{BB962C8B-B14F-4D97-AF65-F5344CB8AC3E}">
+        <p14:creationId xmlns:p14="http://schemas.microsoft.com/office/powerpoint/2010/main" val="1660763378"/>
+      </p:ext>
+    </p:extLst>
+  </p:cSld>
+  <p:clrMapOvr>
+    <a:masterClrMapping/>
+  </p:clrMapOvr>
+</p:sld>
+</file>
+
+<file path=ppt/slides/slide33.xml><?xml version="1.0" encoding="utf-8"?>
+<p:sld xmlns:a="http://schemas.openxmlformats.org/drawingml/2006/main" xmlns:r="http://schemas.openxmlformats.org/officeDocument/2006/relationships" xmlns:p="http://schemas.openxmlformats.org/presentationml/2006/main">
+  <p:cSld>
+    <p:spTree>
+      <p:nvGrpSpPr>
+        <p:cNvPr id="1" name=""/>
+        <p:cNvGrpSpPr/>
+        <p:nvPr/>
+      </p:nvGrpSpPr>
+      <p:grpSpPr>
+        <a:xfrm>
+          <a:off x="0" y="0"/>
+          <a:ext cx="0" cy="0"/>
+          <a:chOff x="0" y="0"/>
+          <a:chExt cx="0" cy="0"/>
+        </a:xfrm>
+      </p:grpSpPr>
+      <p:sp>
+        <p:nvSpPr>
+          <p:cNvPr id="5" name="Titel 4"/>
+          <p:cNvSpPr>
+            <a:spLocks noGrp="1"/>
+          </p:cNvSpPr>
+          <p:nvPr>
+            <p:ph type="title"/>
+          </p:nvPr>
+        </p:nvSpPr>
+        <p:spPr/>
+        <p:txBody>
+          <a:bodyPr/>
+          <a:lstStyle/>
+          <a:p>
+            <a:r>
+              <a:rPr lang="de-DE" dirty="0" err="1" smtClean="0"/>
+              <a:t>Sweep-line</a:t>
+            </a:r>
+            <a:r>
+              <a:rPr lang="de-DE" dirty="0" err="1" smtClean="0"/>
+              <a:t>-b</a:t>
+            </a:r>
+            <a:r>
+              <a:rPr lang="de-DE" dirty="0" err="1" smtClean="0"/>
+              <a:t>ased</a:t>
+            </a:r>
+            <a:r>
+              <a:rPr lang="de-DE" dirty="0" smtClean="0"/>
+              <a:t> </a:t>
+            </a:r>
+            <a:r>
+              <a:rPr lang="de-DE" dirty="0" err="1" smtClean="0"/>
+              <a:t>Perfect</a:t>
+            </a:r>
+            <a:r>
+              <a:rPr lang="de-DE" dirty="0" smtClean="0"/>
+              <a:t> Split</a:t>
+            </a:r>
+            <a:endParaRPr lang="de-DE" dirty="0"/>
+          </a:p>
+        </p:txBody>
+      </p:sp>
+      <p:sp>
+        <p:nvSpPr>
+          <p:cNvPr id="6" name="Inhaltsplatzhalter 5"/>
+          <p:cNvSpPr>
+            <a:spLocks noGrp="1"/>
+          </p:cNvSpPr>
+          <p:nvPr>
+            <p:ph idx="1"/>
+          </p:nvPr>
+        </p:nvSpPr>
+        <p:spPr/>
+        <p:txBody>
+          <a:bodyPr>
+            <a:normAutofit/>
+          </a:bodyPr>
+          <a:lstStyle/>
+          <a:p>
+            <a:pPr marL="394575" lvl="1" indent="0">
+              <a:buNone/>
+            </a:pPr>
+            <a:endParaRPr lang="de-DE" dirty="0" smtClean="0"/>
+          </a:p>
+          <a:p>
+            <a:pPr lvl="1"/>
+            <a:endParaRPr lang="de-DE" dirty="0" smtClean="0"/>
+          </a:p>
+          <a:p>
+            <a:pPr marL="418388" indent="-457200">
+              <a:buFont typeface="+mj-lt"/>
+              <a:buAutoNum type="arabicPeriod"/>
+            </a:pPr>
+            <a:endParaRPr lang="de-DE" dirty="0" smtClean="0"/>
+          </a:p>
+        </p:txBody>
+      </p:sp>
+      <p:sp>
+        <p:nvSpPr>
+          <p:cNvPr id="4" name="Fußzeilenplatzhalter 3"/>
+          <p:cNvSpPr>
+            <a:spLocks noGrp="1"/>
+          </p:cNvSpPr>
+          <p:nvPr>
+            <p:ph type="ftr" sz="quarter" idx="10"/>
+          </p:nvPr>
+        </p:nvSpPr>
+        <p:spPr/>
+        <p:txBody>
+          <a:bodyPr/>
+          <a:lstStyle/>
+          <a:p>
+            <a:pPr>
+              <a:defRPr/>
+            </a:pPr>
+            <a:r>
+              <a:rPr lang="de-DE" dirty="0"/>
+              <a:t>Mao L., Wang C., Sebastian G. – </a:t>
+            </a:r>
+            <a:r>
+              <a:rPr lang="de-DE" dirty="0" err="1"/>
+              <a:t>Ghosts</a:t>
+            </a:r>
+            <a:r>
+              <a:rPr lang="de-DE" dirty="0"/>
+              <a:t> </a:t>
+            </a:r>
+            <a:r>
+              <a:rPr lang="de-DE" dirty="0" err="1"/>
+              <a:t>activate</a:t>
+            </a:r>
+            <a:r>
+              <a:rPr lang="de-DE" dirty="0"/>
+              <a:t> on </a:t>
+            </a:r>
+            <a:r>
+              <a:rPr lang="de-DE" dirty="0" err="1"/>
+              <a:t>sight</a:t>
+            </a:r>
+            <a:endParaRPr lang="en-US" dirty="0"/>
+          </a:p>
+        </p:txBody>
+      </p:sp>
+      <p:pic>
+        <p:nvPicPr>
+          <p:cNvPr id="7" name="Grafik 6"/>
+          <p:cNvPicPr>
+            <a:picLocks noChangeAspect="1"/>
+          </p:cNvPicPr>
+          <p:nvPr/>
+        </p:nvPicPr>
+        <p:blipFill>
+          <a:blip r:embed="rId2">
+            <a:extLst>
+              <a:ext uri="{28A0092B-C50C-407E-A947-70E740481C1C}">
+                <a14:useLocalDpi xmlns:a14="http://schemas.microsoft.com/office/drawing/2010/main" val="0"/>
+              </a:ext>
+            </a:extLst>
+          </a:blip>
+          <a:stretch>
+            <a:fillRect/>
+          </a:stretch>
+        </p:blipFill>
+        <p:spPr>
+          <a:xfrm>
+            <a:off x="2040076" y="958774"/>
+            <a:ext cx="5110434" cy="4084243"/>
+          </a:xfrm>
+          <a:prstGeom prst="rect">
+            <a:avLst/>
+          </a:prstGeom>
+        </p:spPr>
+      </p:pic>
+      <p:sp>
+        <p:nvSpPr>
+          <p:cNvPr id="8" name="Textfeld 7"/>
+          <p:cNvSpPr txBox="1"/>
+          <p:nvPr/>
+        </p:nvSpPr>
+        <p:spPr>
+          <a:xfrm>
+            <a:off x="391318" y="5208600"/>
+            <a:ext cx="8358188" cy="646331"/>
+          </a:xfrm>
+          <a:prstGeom prst="rect">
+            <a:avLst/>
+          </a:prstGeom>
+          <a:noFill/>
+        </p:spPr>
+        <p:txBody>
+          <a:bodyPr wrap="square" rtlCol="0">
+            <a:spAutoFit/>
+          </a:bodyPr>
+          <a:lstStyle/>
+          <a:p>
+            <a:r>
+              <a:rPr lang="de-DE" dirty="0" err="1" smtClean="0"/>
+              <a:t>Triangles</a:t>
+            </a:r>
+            <a:r>
+              <a:rPr lang="de-DE" dirty="0" smtClean="0"/>
+              <a:t> </a:t>
+            </a:r>
+            <a:r>
+              <a:rPr lang="de-DE" dirty="0" err="1" smtClean="0"/>
+              <a:t>left</a:t>
+            </a:r>
+            <a:r>
+              <a:rPr lang="de-DE" dirty="0" smtClean="0"/>
+              <a:t> </a:t>
+            </a:r>
+            <a:r>
+              <a:rPr lang="de-DE" dirty="0" err="1" smtClean="0"/>
+              <a:t>of</a:t>
+            </a:r>
+            <a:r>
+              <a:rPr lang="de-DE" dirty="0" smtClean="0"/>
+              <a:t> </a:t>
+            </a:r>
+            <a:r>
+              <a:rPr lang="de-DE" dirty="0" err="1" smtClean="0"/>
+              <a:t>sweep</a:t>
+            </a:r>
+            <a:r>
+              <a:rPr lang="de-DE" dirty="0" smtClean="0"/>
+              <a:t> </a:t>
+            </a:r>
+            <a:r>
+              <a:rPr lang="de-DE" dirty="0" err="1" smtClean="0"/>
+              <a:t>line</a:t>
+            </a:r>
+            <a:r>
+              <a:rPr lang="de-DE" dirty="0" smtClean="0"/>
+              <a:t>:	4</a:t>
+            </a:r>
+          </a:p>
+          <a:p>
+            <a:r>
+              <a:rPr lang="de-DE" dirty="0" err="1" smtClean="0"/>
+              <a:t>Triangles</a:t>
+            </a:r>
+            <a:r>
+              <a:rPr lang="de-DE" dirty="0" smtClean="0"/>
+              <a:t> </a:t>
+            </a:r>
+            <a:r>
+              <a:rPr lang="de-DE" dirty="0" err="1" smtClean="0"/>
+              <a:t>right</a:t>
+            </a:r>
+            <a:r>
+              <a:rPr lang="de-DE" dirty="0" smtClean="0"/>
+              <a:t> </a:t>
+            </a:r>
+            <a:r>
+              <a:rPr lang="de-DE" dirty="0" err="1" smtClean="0"/>
+              <a:t>of</a:t>
+            </a:r>
+            <a:r>
+              <a:rPr lang="de-DE" dirty="0" smtClean="0"/>
+              <a:t> </a:t>
+            </a:r>
+            <a:r>
+              <a:rPr lang="de-DE" dirty="0" err="1" smtClean="0"/>
+              <a:t>sweep</a:t>
+            </a:r>
+            <a:r>
+              <a:rPr lang="de-DE" dirty="0" smtClean="0"/>
+              <a:t> </a:t>
+            </a:r>
+            <a:r>
+              <a:rPr lang="de-DE" dirty="0" err="1" smtClean="0"/>
+              <a:t>line</a:t>
+            </a:r>
+            <a:r>
+              <a:rPr lang="de-DE" dirty="0" smtClean="0"/>
+              <a:t>:	2</a:t>
+            </a:r>
+            <a:endParaRPr lang="de-DE" dirty="0"/>
+          </a:p>
+        </p:txBody>
+      </p:sp>
+    </p:spTree>
+    <p:extLst>
+      <p:ext uri="{BB962C8B-B14F-4D97-AF65-F5344CB8AC3E}">
+        <p14:creationId xmlns:p14="http://schemas.microsoft.com/office/powerpoint/2010/main" val="2773182634"/>
+      </p:ext>
+    </p:extLst>
+  </p:cSld>
+  <p:clrMapOvr>
+    <a:masterClrMapping/>
+  </p:clrMapOvr>
+</p:sld>
+</file>
+
+<file path=ppt/slides/slide34.xml><?xml version="1.0" encoding="utf-8"?>
+<p:sld xmlns:a="http://schemas.openxmlformats.org/drawingml/2006/main" xmlns:r="http://schemas.openxmlformats.org/officeDocument/2006/relationships" xmlns:p="http://schemas.openxmlformats.org/presentationml/2006/main">
+  <p:cSld>
+    <p:spTree>
+      <p:nvGrpSpPr>
+        <p:cNvPr id="1" name=""/>
+        <p:cNvGrpSpPr/>
+        <p:nvPr/>
+      </p:nvGrpSpPr>
+      <p:grpSpPr>
+        <a:xfrm>
+          <a:off x="0" y="0"/>
+          <a:ext cx="0" cy="0"/>
+          <a:chOff x="0" y="0"/>
+          <a:chExt cx="0" cy="0"/>
+        </a:xfrm>
+      </p:grpSpPr>
+      <p:sp>
+        <p:nvSpPr>
+          <p:cNvPr id="5" name="Titel 4"/>
+          <p:cNvSpPr>
+            <a:spLocks noGrp="1"/>
+          </p:cNvSpPr>
+          <p:nvPr>
+            <p:ph type="title"/>
+          </p:nvPr>
+        </p:nvSpPr>
+        <p:spPr/>
+        <p:txBody>
+          <a:bodyPr/>
+          <a:lstStyle/>
+          <a:p>
+            <a:r>
+              <a:rPr lang="de-DE" dirty="0" err="1" smtClean="0"/>
+              <a:t>Sweep-line</a:t>
+            </a:r>
+            <a:r>
+              <a:rPr lang="de-DE" dirty="0" err="1" smtClean="0"/>
+              <a:t>-b</a:t>
+            </a:r>
+            <a:r>
+              <a:rPr lang="de-DE" dirty="0" err="1" smtClean="0"/>
+              <a:t>ased</a:t>
+            </a:r>
+            <a:r>
+              <a:rPr lang="de-DE" dirty="0" smtClean="0"/>
+              <a:t> </a:t>
+            </a:r>
+            <a:r>
+              <a:rPr lang="de-DE" dirty="0" err="1" smtClean="0"/>
+              <a:t>Perfect</a:t>
+            </a:r>
+            <a:r>
+              <a:rPr lang="de-DE" dirty="0" smtClean="0"/>
+              <a:t> Split</a:t>
+            </a:r>
+            <a:endParaRPr lang="de-DE" dirty="0"/>
+          </a:p>
+        </p:txBody>
+      </p:sp>
+      <p:sp>
+        <p:nvSpPr>
+          <p:cNvPr id="6" name="Inhaltsplatzhalter 5"/>
+          <p:cNvSpPr>
+            <a:spLocks noGrp="1"/>
+          </p:cNvSpPr>
+          <p:nvPr>
+            <p:ph idx="1"/>
+          </p:nvPr>
+        </p:nvSpPr>
+        <p:spPr/>
+        <p:txBody>
+          <a:bodyPr>
+            <a:normAutofit/>
+          </a:bodyPr>
+          <a:lstStyle/>
+          <a:p>
+            <a:pPr marL="394575" lvl="1" indent="0">
+              <a:buNone/>
+            </a:pPr>
+            <a:endParaRPr lang="de-DE" dirty="0" smtClean="0"/>
+          </a:p>
+          <a:p>
+            <a:pPr lvl="1"/>
+            <a:endParaRPr lang="de-DE" dirty="0" smtClean="0"/>
+          </a:p>
+          <a:p>
+            <a:pPr marL="418388" indent="-457200">
+              <a:buFont typeface="+mj-lt"/>
+              <a:buAutoNum type="arabicPeriod"/>
+            </a:pPr>
+            <a:endParaRPr lang="de-DE" dirty="0" smtClean="0"/>
+          </a:p>
+        </p:txBody>
+      </p:sp>
+      <p:sp>
+        <p:nvSpPr>
+          <p:cNvPr id="4" name="Fußzeilenplatzhalter 3"/>
+          <p:cNvSpPr>
+            <a:spLocks noGrp="1"/>
+          </p:cNvSpPr>
+          <p:nvPr>
+            <p:ph type="ftr" sz="quarter" idx="10"/>
+          </p:nvPr>
+        </p:nvSpPr>
+        <p:spPr/>
+        <p:txBody>
+          <a:bodyPr/>
+          <a:lstStyle/>
+          <a:p>
+            <a:pPr>
+              <a:defRPr/>
+            </a:pPr>
+            <a:r>
+              <a:rPr lang="de-DE" dirty="0"/>
+              <a:t>Mao L., Wang C., Sebastian G. – </a:t>
+            </a:r>
+            <a:r>
+              <a:rPr lang="de-DE" dirty="0" err="1"/>
+              <a:t>Ghosts</a:t>
+            </a:r>
+            <a:r>
+              <a:rPr lang="de-DE" dirty="0"/>
+              <a:t> </a:t>
+            </a:r>
+            <a:r>
+              <a:rPr lang="de-DE" dirty="0" err="1"/>
+              <a:t>activate</a:t>
+            </a:r>
+            <a:r>
+              <a:rPr lang="de-DE" dirty="0"/>
+              <a:t> on </a:t>
+            </a:r>
+            <a:r>
+              <a:rPr lang="de-DE" dirty="0" err="1"/>
+              <a:t>sight</a:t>
+            </a:r>
+            <a:endParaRPr lang="en-US" dirty="0"/>
+          </a:p>
+        </p:txBody>
+      </p:sp>
+      <p:pic>
+        <p:nvPicPr>
+          <p:cNvPr id="7" name="Grafik 6"/>
+          <p:cNvPicPr>
+            <a:picLocks noChangeAspect="1"/>
+          </p:cNvPicPr>
+          <p:nvPr/>
+        </p:nvPicPr>
+        <p:blipFill>
+          <a:blip r:embed="rId2">
+            <a:extLst>
+              <a:ext uri="{28A0092B-C50C-407E-A947-70E740481C1C}">
+                <a14:useLocalDpi xmlns:a14="http://schemas.microsoft.com/office/drawing/2010/main" val="0"/>
+              </a:ext>
+            </a:extLst>
+          </a:blip>
+          <a:stretch>
+            <a:fillRect/>
+          </a:stretch>
+        </p:blipFill>
+        <p:spPr>
+          <a:xfrm>
+            <a:off x="2040076" y="958774"/>
+            <a:ext cx="5110434" cy="4084242"/>
+          </a:xfrm>
+          <a:prstGeom prst="rect">
+            <a:avLst/>
+          </a:prstGeom>
+        </p:spPr>
+      </p:pic>
+      <p:sp>
+        <p:nvSpPr>
+          <p:cNvPr id="8" name="Textfeld 7"/>
+          <p:cNvSpPr txBox="1"/>
+          <p:nvPr/>
+        </p:nvSpPr>
+        <p:spPr>
+          <a:xfrm>
+            <a:off x="391318" y="5208600"/>
+            <a:ext cx="8358188" cy="646331"/>
+          </a:xfrm>
+          <a:prstGeom prst="rect">
+            <a:avLst/>
+          </a:prstGeom>
+          <a:noFill/>
+        </p:spPr>
+        <p:txBody>
+          <a:bodyPr wrap="square" rtlCol="0">
+            <a:spAutoFit/>
+          </a:bodyPr>
+          <a:lstStyle/>
+          <a:p>
+            <a:r>
+              <a:rPr lang="de-DE" dirty="0" err="1" smtClean="0"/>
+              <a:t>Triangles</a:t>
+            </a:r>
+            <a:r>
+              <a:rPr lang="de-DE" dirty="0" smtClean="0"/>
+              <a:t> </a:t>
+            </a:r>
+            <a:r>
+              <a:rPr lang="de-DE" dirty="0" err="1" smtClean="0"/>
+              <a:t>left</a:t>
+            </a:r>
+            <a:r>
+              <a:rPr lang="de-DE" dirty="0" smtClean="0"/>
+              <a:t> </a:t>
+            </a:r>
+            <a:r>
+              <a:rPr lang="de-DE" dirty="0" err="1" smtClean="0"/>
+              <a:t>of</a:t>
+            </a:r>
+            <a:r>
+              <a:rPr lang="de-DE" dirty="0" smtClean="0"/>
+              <a:t> </a:t>
+            </a:r>
+            <a:r>
+              <a:rPr lang="de-DE" dirty="0" err="1" smtClean="0"/>
+              <a:t>sweep</a:t>
+            </a:r>
+            <a:r>
+              <a:rPr lang="de-DE" dirty="0" smtClean="0"/>
+              <a:t> </a:t>
+            </a:r>
+            <a:r>
+              <a:rPr lang="de-DE" dirty="0" err="1" smtClean="0"/>
+              <a:t>line</a:t>
+            </a:r>
+            <a:r>
+              <a:rPr lang="de-DE" dirty="0" smtClean="0"/>
+              <a:t>:	4</a:t>
+            </a:r>
+          </a:p>
+          <a:p>
+            <a:r>
+              <a:rPr lang="de-DE" dirty="0" err="1" smtClean="0"/>
+              <a:t>Triangles</a:t>
+            </a:r>
+            <a:r>
+              <a:rPr lang="de-DE" dirty="0" smtClean="0"/>
+              <a:t> </a:t>
+            </a:r>
+            <a:r>
+              <a:rPr lang="de-DE" dirty="0" err="1" smtClean="0"/>
+              <a:t>right</a:t>
+            </a:r>
+            <a:r>
+              <a:rPr lang="de-DE" dirty="0" smtClean="0"/>
+              <a:t> </a:t>
+            </a:r>
+            <a:r>
+              <a:rPr lang="de-DE" dirty="0" err="1" smtClean="0"/>
+              <a:t>of</a:t>
+            </a:r>
+            <a:r>
+              <a:rPr lang="de-DE" dirty="0" smtClean="0"/>
+              <a:t> </a:t>
+            </a:r>
+            <a:r>
+              <a:rPr lang="de-DE" dirty="0" err="1" smtClean="0"/>
+              <a:t>sweep</a:t>
+            </a:r>
+            <a:r>
+              <a:rPr lang="de-DE" dirty="0" smtClean="0"/>
+              <a:t> </a:t>
+            </a:r>
+            <a:r>
+              <a:rPr lang="de-DE" dirty="0" err="1" smtClean="0"/>
+              <a:t>line</a:t>
+            </a:r>
+            <a:r>
+              <a:rPr lang="de-DE" dirty="0" smtClean="0"/>
+              <a:t>:	1</a:t>
+            </a:r>
+            <a:endParaRPr lang="de-DE" dirty="0"/>
+          </a:p>
+        </p:txBody>
+      </p:sp>
+    </p:spTree>
+    <p:extLst>
+      <p:ext uri="{BB962C8B-B14F-4D97-AF65-F5344CB8AC3E}">
+        <p14:creationId xmlns:p14="http://schemas.microsoft.com/office/powerpoint/2010/main" val="1669665083"/>
+      </p:ext>
+    </p:extLst>
+  </p:cSld>
+  <p:clrMapOvr>
+    <a:masterClrMapping/>
+  </p:clrMapOvr>
+</p:sld>
+</file>
+
+<file path=ppt/slides/slide35.xml><?xml version="1.0" encoding="utf-8"?>
+<p:sld xmlns:a="http://schemas.openxmlformats.org/drawingml/2006/main" xmlns:r="http://schemas.openxmlformats.org/officeDocument/2006/relationships" xmlns:p="http://schemas.openxmlformats.org/presentationml/2006/main">
+  <p:cSld>
+    <p:spTree>
+      <p:nvGrpSpPr>
+        <p:cNvPr id="1" name=""/>
+        <p:cNvGrpSpPr/>
+        <p:nvPr/>
+      </p:nvGrpSpPr>
+      <p:grpSpPr>
+        <a:xfrm>
+          <a:off x="0" y="0"/>
+          <a:ext cx="0" cy="0"/>
+          <a:chOff x="0" y="0"/>
+          <a:chExt cx="0" cy="0"/>
+        </a:xfrm>
+      </p:grpSpPr>
+      <p:sp>
+        <p:nvSpPr>
+          <p:cNvPr id="5" name="Titel 4"/>
+          <p:cNvSpPr>
+            <a:spLocks noGrp="1"/>
+          </p:cNvSpPr>
+          <p:nvPr>
+            <p:ph type="title"/>
+          </p:nvPr>
+        </p:nvSpPr>
+        <p:spPr/>
+        <p:txBody>
+          <a:bodyPr/>
+          <a:lstStyle/>
+          <a:p>
+            <a:r>
+              <a:rPr lang="de-DE" dirty="0" err="1" smtClean="0"/>
+              <a:t>Sweep-line</a:t>
+            </a:r>
+            <a:r>
+              <a:rPr lang="de-DE" dirty="0" err="1" smtClean="0"/>
+              <a:t>-b</a:t>
+            </a:r>
+            <a:r>
+              <a:rPr lang="de-DE" dirty="0" err="1" smtClean="0"/>
+              <a:t>ased</a:t>
+            </a:r>
+            <a:r>
+              <a:rPr lang="de-DE" dirty="0" smtClean="0"/>
+              <a:t> </a:t>
+            </a:r>
+            <a:r>
+              <a:rPr lang="de-DE" dirty="0" err="1" smtClean="0"/>
+              <a:t>Perfect</a:t>
+            </a:r>
+            <a:r>
+              <a:rPr lang="de-DE" dirty="0" smtClean="0"/>
+              <a:t> Split</a:t>
+            </a:r>
+            <a:endParaRPr lang="de-DE" dirty="0"/>
+          </a:p>
+        </p:txBody>
+      </p:sp>
+      <p:sp>
+        <p:nvSpPr>
+          <p:cNvPr id="6" name="Inhaltsplatzhalter 5"/>
+          <p:cNvSpPr>
+            <a:spLocks noGrp="1"/>
+          </p:cNvSpPr>
+          <p:nvPr>
+            <p:ph idx="1"/>
+          </p:nvPr>
+        </p:nvSpPr>
+        <p:spPr/>
+        <p:txBody>
+          <a:bodyPr>
+            <a:normAutofit/>
+          </a:bodyPr>
+          <a:lstStyle/>
+          <a:p>
+            <a:pPr marL="394575" lvl="1" indent="0">
+              <a:buNone/>
+            </a:pPr>
+            <a:endParaRPr lang="de-DE" dirty="0" smtClean="0"/>
+          </a:p>
+          <a:p>
+            <a:pPr lvl="1"/>
+            <a:endParaRPr lang="de-DE" dirty="0" smtClean="0"/>
+          </a:p>
+          <a:p>
+            <a:pPr marL="418388" indent="-457200">
+              <a:buFont typeface="+mj-lt"/>
+              <a:buAutoNum type="arabicPeriod"/>
+            </a:pPr>
+            <a:endParaRPr lang="de-DE" dirty="0" smtClean="0"/>
+          </a:p>
+        </p:txBody>
+      </p:sp>
+      <p:sp>
+        <p:nvSpPr>
+          <p:cNvPr id="4" name="Fußzeilenplatzhalter 3"/>
+          <p:cNvSpPr>
+            <a:spLocks noGrp="1"/>
+          </p:cNvSpPr>
+          <p:nvPr>
+            <p:ph type="ftr" sz="quarter" idx="10"/>
+          </p:nvPr>
+        </p:nvSpPr>
+        <p:spPr/>
+        <p:txBody>
+          <a:bodyPr/>
+          <a:lstStyle/>
+          <a:p>
+            <a:pPr>
+              <a:defRPr/>
+            </a:pPr>
+            <a:r>
+              <a:rPr lang="de-DE" dirty="0"/>
+              <a:t>Mao L., Wang C., Sebastian G. – </a:t>
+            </a:r>
+            <a:r>
+              <a:rPr lang="de-DE" dirty="0" err="1"/>
+              <a:t>Ghosts</a:t>
+            </a:r>
+            <a:r>
+              <a:rPr lang="de-DE" dirty="0"/>
+              <a:t> </a:t>
+            </a:r>
+            <a:r>
+              <a:rPr lang="de-DE" dirty="0" err="1"/>
+              <a:t>activate</a:t>
+            </a:r>
+            <a:r>
+              <a:rPr lang="de-DE" dirty="0"/>
+              <a:t> on </a:t>
+            </a:r>
+            <a:r>
+              <a:rPr lang="de-DE" dirty="0" err="1"/>
+              <a:t>sight</a:t>
+            </a:r>
+            <a:endParaRPr lang="en-US" dirty="0"/>
+          </a:p>
+        </p:txBody>
+      </p:sp>
+      <p:pic>
+        <p:nvPicPr>
+          <p:cNvPr id="7" name="Grafik 6"/>
+          <p:cNvPicPr>
+            <a:picLocks noChangeAspect="1"/>
+          </p:cNvPicPr>
+          <p:nvPr/>
+        </p:nvPicPr>
+        <p:blipFill>
+          <a:blip r:embed="rId2">
+            <a:extLst>
+              <a:ext uri="{28A0092B-C50C-407E-A947-70E740481C1C}">
+                <a14:useLocalDpi xmlns:a14="http://schemas.microsoft.com/office/drawing/2010/main" val="0"/>
+              </a:ext>
+            </a:extLst>
+          </a:blip>
+          <a:stretch>
+            <a:fillRect/>
+          </a:stretch>
+        </p:blipFill>
+        <p:spPr>
+          <a:xfrm>
+            <a:off x="2040746" y="952907"/>
+            <a:ext cx="5246370" cy="4094226"/>
+          </a:xfrm>
+          <a:prstGeom prst="rect">
+            <a:avLst/>
+          </a:prstGeom>
+        </p:spPr>
+      </p:pic>
+      <p:sp>
+        <p:nvSpPr>
+          <p:cNvPr id="8" name="Textfeld 7"/>
+          <p:cNvSpPr txBox="1"/>
+          <p:nvPr/>
+        </p:nvSpPr>
+        <p:spPr>
+          <a:xfrm>
+            <a:off x="391318" y="5208600"/>
+            <a:ext cx="8358188" cy="646331"/>
+          </a:xfrm>
+          <a:prstGeom prst="rect">
+            <a:avLst/>
+          </a:prstGeom>
+          <a:noFill/>
+        </p:spPr>
+        <p:txBody>
+          <a:bodyPr wrap="square" rtlCol="0">
+            <a:spAutoFit/>
+          </a:bodyPr>
+          <a:lstStyle/>
+          <a:p>
+            <a:r>
+              <a:rPr lang="de-DE" dirty="0" err="1" smtClean="0"/>
+              <a:t>Triangles</a:t>
+            </a:r>
+            <a:r>
+              <a:rPr lang="de-DE" dirty="0" smtClean="0"/>
+              <a:t> </a:t>
+            </a:r>
+            <a:r>
+              <a:rPr lang="de-DE" dirty="0" err="1" smtClean="0"/>
+              <a:t>left</a:t>
+            </a:r>
+            <a:r>
+              <a:rPr lang="de-DE" dirty="0" smtClean="0"/>
+              <a:t> </a:t>
+            </a:r>
+            <a:r>
+              <a:rPr lang="de-DE" dirty="0" err="1" smtClean="0"/>
+              <a:t>of</a:t>
+            </a:r>
+            <a:r>
+              <a:rPr lang="de-DE" dirty="0" smtClean="0"/>
+              <a:t> </a:t>
+            </a:r>
+            <a:r>
+              <a:rPr lang="de-DE" dirty="0" err="1" smtClean="0"/>
+              <a:t>sweep</a:t>
+            </a:r>
+            <a:r>
+              <a:rPr lang="de-DE" dirty="0" smtClean="0"/>
+              <a:t> </a:t>
+            </a:r>
+            <a:r>
+              <a:rPr lang="de-DE" dirty="0" err="1" smtClean="0"/>
+              <a:t>line</a:t>
+            </a:r>
+            <a:r>
+              <a:rPr lang="de-DE" dirty="0" smtClean="0"/>
+              <a:t>:	4</a:t>
+            </a:r>
+          </a:p>
+          <a:p>
+            <a:r>
+              <a:rPr lang="de-DE" dirty="0" err="1" smtClean="0"/>
+              <a:t>Triangles</a:t>
+            </a:r>
+            <a:r>
+              <a:rPr lang="de-DE" dirty="0" smtClean="0"/>
+              <a:t> </a:t>
+            </a:r>
+            <a:r>
+              <a:rPr lang="de-DE" dirty="0" err="1" smtClean="0"/>
+              <a:t>right</a:t>
+            </a:r>
+            <a:r>
+              <a:rPr lang="de-DE" dirty="0" smtClean="0"/>
+              <a:t> </a:t>
+            </a:r>
+            <a:r>
+              <a:rPr lang="de-DE" dirty="0" err="1" smtClean="0"/>
+              <a:t>of</a:t>
+            </a:r>
+            <a:r>
+              <a:rPr lang="de-DE" dirty="0" smtClean="0"/>
+              <a:t> </a:t>
+            </a:r>
+            <a:r>
+              <a:rPr lang="de-DE" dirty="0" err="1" smtClean="0"/>
+              <a:t>sweep</a:t>
+            </a:r>
+            <a:r>
+              <a:rPr lang="de-DE" dirty="0" smtClean="0"/>
+              <a:t> </a:t>
+            </a:r>
+            <a:r>
+              <a:rPr lang="de-DE" dirty="0" err="1" smtClean="0"/>
+              <a:t>line</a:t>
+            </a:r>
+            <a:r>
+              <a:rPr lang="de-DE" dirty="0" smtClean="0"/>
+              <a:t>:	0</a:t>
+            </a:r>
+            <a:endParaRPr lang="de-DE" dirty="0"/>
+          </a:p>
+        </p:txBody>
+      </p:sp>
+    </p:spTree>
+    <p:extLst>
+      <p:ext uri="{BB962C8B-B14F-4D97-AF65-F5344CB8AC3E}">
+        <p14:creationId xmlns:p14="http://schemas.microsoft.com/office/powerpoint/2010/main" val="2899251468"/>
+      </p:ext>
+    </p:extLst>
+  </p:cSld>
+  <p:clrMapOvr>
+    <a:masterClrMapping/>
+  </p:clrMapOvr>
+</p:sld>
+</file>
+
+<file path=ppt/slides/slide36.xml><?xml version="1.0" encoding="utf-8"?>
+<p:sld xmlns:a="http://schemas.openxmlformats.org/drawingml/2006/main" xmlns:r="http://schemas.openxmlformats.org/officeDocument/2006/relationships" xmlns:p="http://schemas.openxmlformats.org/presentationml/2006/main">
+  <p:cSld>
+    <p:spTree>
+      <p:nvGrpSpPr>
+        <p:cNvPr id="1" name=""/>
+        <p:cNvGrpSpPr/>
+        <p:nvPr/>
+      </p:nvGrpSpPr>
+      <p:grpSpPr>
+        <a:xfrm>
+          <a:off x="0" y="0"/>
+          <a:ext cx="0" cy="0"/>
+          <a:chOff x="0" y="0"/>
+          <a:chExt cx="0" cy="0"/>
+        </a:xfrm>
+      </p:grpSpPr>
+      <p:sp>
+        <p:nvSpPr>
+          <p:cNvPr id="5" name="Titel 4"/>
+          <p:cNvSpPr>
+            <a:spLocks noGrp="1"/>
+          </p:cNvSpPr>
+          <p:nvPr>
+            <p:ph type="title"/>
+          </p:nvPr>
+        </p:nvSpPr>
+        <p:spPr/>
+        <p:txBody>
+          <a:bodyPr/>
+          <a:lstStyle/>
+          <a:p>
+            <a:r>
+              <a:rPr lang="de-DE" dirty="0" err="1" smtClean="0"/>
+              <a:t>Construction</a:t>
+            </a:r>
+            <a:endParaRPr lang="de-DE" dirty="0"/>
+          </a:p>
+        </p:txBody>
+      </p:sp>
+      <mc:AlternateContent xmlns:mc="http://schemas.openxmlformats.org/markup-compatibility/2006">
+        <mc:Choice xmlns:a14="http://schemas.microsoft.com/office/drawing/2010/main" Requires="a14">
+          <p:sp>
+            <p:nvSpPr>
+              <p:cNvPr id="6" name="Inhaltsplatzhalter 5"/>
+              <p:cNvSpPr>
+                <a:spLocks noGrp="1"/>
+              </p:cNvSpPr>
+              <p:nvPr>
+                <p:ph idx="1"/>
+              </p:nvPr>
+            </p:nvSpPr>
+            <p:spPr/>
+            <p:txBody>
+              <a:bodyPr>
+                <a:normAutofit/>
+              </a:bodyPr>
+              <a:lstStyle/>
+              <a:p>
+                <a:r>
+                  <a:rPr lang="de-DE" dirty="0" smtClean="0"/>
+                  <a:t>Branch </a:t>
+                </a:r>
+                <a:r>
+                  <a:rPr lang="de-DE" dirty="0" err="1" smtClean="0"/>
+                  <a:t>or</a:t>
+                </a:r>
+                <a:r>
+                  <a:rPr lang="de-DE" dirty="0" smtClean="0"/>
+                  <a:t> </a:t>
+                </a:r>
+                <a:r>
+                  <a:rPr lang="de-DE" dirty="0" err="1" smtClean="0"/>
+                  <a:t>leaf</a:t>
+                </a:r>
+                <a:r>
+                  <a:rPr lang="de-DE" dirty="0" smtClean="0"/>
+                  <a:t> </a:t>
+                </a:r>
+                <a:r>
+                  <a:rPr lang="de-DE" dirty="0" err="1" smtClean="0"/>
+                  <a:t>it</a:t>
+                </a:r>
+                <a:r>
+                  <a:rPr lang="de-DE" dirty="0" smtClean="0"/>
+                  <a:t>?</a:t>
+                </a:r>
+              </a:p>
+              <a:p>
+                <a:r>
+                  <a:rPr lang="de-DE" dirty="0" err="1" smtClean="0"/>
+                  <a:t>Branch</a:t>
+                </a:r>
+                <a:r>
+                  <a:rPr lang="de-DE" dirty="0" smtClean="0"/>
+                  <a:t> </a:t>
+                </a:r>
+                <a:r>
+                  <a:rPr lang="de-DE" dirty="0" err="1" smtClean="0"/>
+                  <a:t>if</a:t>
+                </a:r>
+                <a:r>
+                  <a:rPr lang="de-DE" dirty="0" smtClean="0"/>
+                  <a:t> </a:t>
+                </a:r>
+                <a:r>
+                  <a:rPr lang="de-DE" dirty="0" err="1" smtClean="0"/>
+                  <a:t>and</a:t>
+                </a:r>
+                <a:r>
+                  <a:rPr lang="de-DE" dirty="0" smtClean="0"/>
+                  <a:t> </a:t>
+                </a:r>
+                <a:r>
+                  <a:rPr lang="de-DE" dirty="0" err="1" smtClean="0"/>
+                  <a:t>only</a:t>
+                </a:r>
+                <a:r>
+                  <a:rPr lang="de-DE" dirty="0" smtClean="0"/>
+                  <a:t> </a:t>
+                </a:r>
+                <a:r>
+                  <a:rPr lang="de-DE" dirty="0" err="1" smtClean="0"/>
+                  <a:t>if</a:t>
+                </a:r>
+                <a:r>
+                  <a:rPr lang="de-DE" dirty="0" smtClean="0"/>
+                  <a:t> </a:t>
+                </a:r>
+                <a:r>
+                  <a:rPr lang="de-DE" dirty="0" err="1" smtClean="0"/>
+                  <a:t>the</a:t>
+                </a:r>
+                <a:r>
+                  <a:rPr lang="de-DE" dirty="0" smtClean="0"/>
+                  <a:t> </a:t>
+                </a:r>
+                <a:r>
+                  <a:rPr lang="de-DE" dirty="0" err="1" smtClean="0"/>
+                  <a:t>perfect</a:t>
+                </a:r>
+                <a:r>
+                  <a:rPr lang="de-DE" dirty="0" smtClean="0"/>
+                  <a:t> </a:t>
+                </a:r>
+                <a:r>
+                  <a:rPr lang="de-DE" dirty="0" err="1" smtClean="0"/>
+                  <a:t>split</a:t>
+                </a:r>
+                <a:r>
+                  <a:rPr lang="de-DE" dirty="0" smtClean="0"/>
+                  <a:t> </a:t>
+                </a:r>
+                <a:r>
+                  <a:rPr lang="de-DE" dirty="0" err="1" smtClean="0"/>
+                  <a:t>costs</a:t>
+                </a:r>
+                <a:r>
+                  <a:rPr lang="de-DE" dirty="0" smtClean="0"/>
+                  <a:t> </a:t>
+                </a:r>
+                <a:r>
+                  <a:rPr lang="de-DE" dirty="0" err="1" smtClean="0"/>
+                  <a:t>less</a:t>
+                </a:r>
+                <a:r>
+                  <a:rPr lang="de-DE" dirty="0" smtClean="0"/>
+                  <a:t> </a:t>
+                </a:r>
+                <a:r>
+                  <a:rPr lang="de-DE" dirty="0" err="1" smtClean="0"/>
+                  <a:t>than</a:t>
+                </a:r>
+                <a:r>
+                  <a:rPr lang="de-DE" dirty="0" smtClean="0"/>
+                  <a:t> </a:t>
+                </a:r>
+                <a:r>
+                  <a:rPr lang="de-DE" dirty="0" err="1" smtClean="0"/>
+                  <a:t>intersecting</a:t>
+                </a:r>
+                <a:r>
+                  <a:rPr lang="de-DE" dirty="0" smtClean="0"/>
+                  <a:t> </a:t>
+                </a:r>
+                <a:r>
+                  <a:rPr lang="de-DE" dirty="0" err="1" smtClean="0"/>
+                  <a:t>every</a:t>
+                </a:r>
+                <a:r>
+                  <a:rPr lang="de-DE" dirty="0" smtClean="0"/>
+                  <a:t> </a:t>
+                </a:r>
+                <a:r>
+                  <a:rPr lang="en-US" dirty="0" smtClean="0"/>
+                  <a:t>triangle</a:t>
+                </a:r>
+              </a:p>
+              <a:p>
+                <a:r>
+                  <a:rPr lang="en-US" dirty="0" smtClean="0"/>
+                  <a:t>Since tree depth is in </a:t>
+                </a:r>
+                <a14:m>
+                  <m:oMath xmlns:m="http://schemas.openxmlformats.org/officeDocument/2006/math">
+                    <m:r>
+                      <a:rPr lang="en-US" i="1" dirty="0">
+                        <a:latin typeface="Cambria Math" panose="02040503050406030204" pitchFamily="18" charset="0"/>
+                      </a:rPr>
+                      <m:t>𝑂</m:t>
+                    </m:r>
+                    <m:d>
+                      <m:dPr>
+                        <m:ctrlPr>
+                          <a:rPr lang="en-US" i="1" dirty="0">
+                            <a:latin typeface="Cambria Math" panose="02040503050406030204" pitchFamily="18" charset="0"/>
+                          </a:rPr>
+                        </m:ctrlPr>
+                      </m:dPr>
+                      <m:e>
+                        <m:r>
+                          <m:rPr>
+                            <m:sty m:val="p"/>
+                          </m:rPr>
+                          <a:rPr lang="en-US" i="1" dirty="0">
+                            <a:latin typeface="Cambria Math" panose="02040503050406030204" pitchFamily="18" charset="0"/>
+                          </a:rPr>
+                          <m:t>log</m:t>
+                        </m:r>
+                        <m:r>
+                          <a:rPr lang="de-DE" i="1" dirty="0">
+                            <a:latin typeface="Cambria Math" panose="02040503050406030204" pitchFamily="18" charset="0"/>
+                          </a:rPr>
+                          <m:t> </m:t>
+                        </m:r>
+                        <m:r>
+                          <a:rPr lang="en-US" i="1" dirty="0">
+                            <a:latin typeface="Cambria Math" panose="02040503050406030204" pitchFamily="18" charset="0"/>
+                          </a:rPr>
+                          <m:t>𝑛</m:t>
+                        </m:r>
+                      </m:e>
+                    </m:d>
+                  </m:oMath>
+                </a14:m>
+                <a:r>
+                  <a:rPr lang="en-US" dirty="0" smtClean="0"/>
+                  <a:t>, we construct the </a:t>
+                </a:r>
+                <a:r>
+                  <a:rPr lang="en-US" i="1" dirty="0" err="1" smtClean="0"/>
+                  <a:t>kd</a:t>
+                </a:r>
+                <a:r>
+                  <a:rPr lang="en-US" dirty="0" smtClean="0"/>
+                  <a:t>-tree in </a:t>
+                </a:r>
+                <a14:m>
+                  <m:oMath xmlns:m="http://schemas.openxmlformats.org/officeDocument/2006/math">
+                    <m:r>
+                      <a:rPr lang="en-US" i="1" dirty="0">
+                        <a:latin typeface="Cambria Math" panose="02040503050406030204" pitchFamily="18" charset="0"/>
+                      </a:rPr>
+                      <m:t>𝑂</m:t>
+                    </m:r>
+                    <m:d>
+                      <m:dPr>
+                        <m:ctrlPr>
+                          <a:rPr lang="en-US" i="1" dirty="0">
+                            <a:latin typeface="Cambria Math" panose="02040503050406030204" pitchFamily="18" charset="0"/>
+                          </a:rPr>
+                        </m:ctrlPr>
+                      </m:dPr>
+                      <m:e>
+                        <m:r>
+                          <a:rPr lang="de-DE" i="1" dirty="0">
+                            <a:latin typeface="Cambria Math" panose="02040503050406030204" pitchFamily="18" charset="0"/>
+                          </a:rPr>
+                          <m:t>𝑛</m:t>
+                        </m:r>
+                        <m:r>
+                          <a:rPr lang="de-DE" i="1" dirty="0">
+                            <a:latin typeface="Cambria Math" panose="02040503050406030204" pitchFamily="18" charset="0"/>
+                          </a:rPr>
+                          <m:t> </m:t>
+                        </m:r>
+                        <m:sSup>
+                          <m:sSupPr>
+                            <m:ctrlPr>
+                              <a:rPr lang="de-DE" i="1" dirty="0">
+                                <a:latin typeface="Cambria Math" panose="02040503050406030204" pitchFamily="18" charset="0"/>
+                              </a:rPr>
+                            </m:ctrlPr>
+                          </m:sSupPr>
+                          <m:e>
+                            <m:r>
+                              <m:rPr>
+                                <m:sty m:val="p"/>
+                              </m:rPr>
+                              <a:rPr lang="en-US" i="1" dirty="0">
+                                <a:latin typeface="Cambria Math" panose="02040503050406030204" pitchFamily="18" charset="0"/>
+                              </a:rPr>
+                              <m:t>log</m:t>
+                            </m:r>
+                          </m:e>
+                          <m:sup>
+                            <m:r>
+                              <a:rPr lang="de-DE" i="1" dirty="0">
+                                <a:latin typeface="Cambria Math" panose="02040503050406030204" pitchFamily="18" charset="0"/>
+                              </a:rPr>
+                              <m:t>2</m:t>
+                            </m:r>
+                          </m:sup>
+                        </m:sSup>
+                        <m:r>
+                          <a:rPr lang="en-US" i="1" dirty="0">
+                            <a:latin typeface="Cambria Math" panose="02040503050406030204" pitchFamily="18" charset="0"/>
+                          </a:rPr>
+                          <m:t>𝑛</m:t>
+                        </m:r>
+                      </m:e>
+                    </m:d>
+                  </m:oMath>
+                </a14:m>
+                <a:r>
+                  <a:rPr lang="en-US" dirty="0" smtClean="0"/>
+                  <a:t> </a:t>
+                </a:r>
+              </a:p>
+              <a:p>
+                <a:r>
+                  <a:rPr lang="en-US" dirty="0" smtClean="0"/>
+                  <a:t>By sorting only once and maintaining the sort order, construction could happen in </a:t>
+                </a:r>
+                <a14:m>
+                  <m:oMath xmlns:m="http://schemas.openxmlformats.org/officeDocument/2006/math">
+                    <m:r>
+                      <a:rPr lang="en-US" i="1" dirty="0">
+                        <a:latin typeface="Cambria Math" panose="02040503050406030204" pitchFamily="18" charset="0"/>
+                      </a:rPr>
+                      <m:t>𝑂</m:t>
+                    </m:r>
+                    <m:d>
+                      <m:dPr>
+                        <m:ctrlPr>
+                          <a:rPr lang="en-US" i="1" dirty="0">
+                            <a:latin typeface="Cambria Math" panose="02040503050406030204" pitchFamily="18" charset="0"/>
+                          </a:rPr>
+                        </m:ctrlPr>
+                      </m:dPr>
+                      <m:e>
+                        <m:r>
+                          <a:rPr lang="de-DE" i="1" dirty="0">
+                            <a:latin typeface="Cambria Math" panose="02040503050406030204" pitchFamily="18" charset="0"/>
+                          </a:rPr>
+                          <m:t>𝑛</m:t>
+                        </m:r>
+                        <m:func>
+                          <m:funcPr>
+                            <m:ctrlPr>
+                              <a:rPr lang="de-DE" b="0" i="1" dirty="0" smtClean="0">
+                                <a:latin typeface="Cambria Math" panose="02040503050406030204" pitchFamily="18" charset="0"/>
+                              </a:rPr>
+                            </m:ctrlPr>
+                          </m:funcPr>
+                          <m:fName>
+                            <m:r>
+                              <m:rPr>
+                                <m:sty m:val="p"/>
+                              </m:rPr>
+                              <a:rPr lang="de-DE" b="0" i="0" dirty="0" smtClean="0">
+                                <a:latin typeface="Cambria Math" panose="02040503050406030204" pitchFamily="18" charset="0"/>
+                              </a:rPr>
+                              <m:t>log</m:t>
+                            </m:r>
+                          </m:fName>
+                          <m:e>
+                            <m:r>
+                              <a:rPr lang="de-DE" b="0" i="1" dirty="0" smtClean="0">
+                                <a:latin typeface="Cambria Math" panose="02040503050406030204" pitchFamily="18" charset="0"/>
+                              </a:rPr>
+                              <m:t>𝑛</m:t>
+                            </m:r>
+                          </m:e>
+                        </m:func>
+                      </m:e>
+                    </m:d>
+                  </m:oMath>
+                </a14:m>
+                <a:r>
+                  <a:rPr lang="en-US" dirty="0" smtClean="0"/>
+                  <a:t> [1]</a:t>
+                </a:r>
+              </a:p>
+              <a:p>
+                <a:pPr marL="418388" indent="-457200">
+                  <a:buFont typeface="+mj-lt"/>
+                  <a:buAutoNum type="arabicPeriod"/>
+                </a:pPr>
+                <a:endParaRPr lang="de-DE" dirty="0" smtClean="0"/>
+              </a:p>
+            </p:txBody>
+          </p:sp>
+        </mc:Choice>
+        <mc:Fallback>
+          <p:sp>
+            <p:nvSpPr>
+              <p:cNvPr id="6" name="Inhaltsplatzhalter 5"/>
+              <p:cNvSpPr>
+                <a:spLocks noGrp="1" noRot="1" noChangeAspect="1" noMove="1" noResize="1" noEditPoints="1" noAdjustHandles="1" noChangeArrowheads="1" noChangeShapeType="1" noTextEdit="1"/>
+              </p:cNvSpPr>
+              <p:nvPr>
+                <p:ph idx="1"/>
+              </p:nvPr>
+            </p:nvSpPr>
+            <p:spPr>
+              <a:blipFill>
+                <a:blip r:embed="rId2"/>
+                <a:stretch>
+                  <a:fillRect t="-2329"/>
+                </a:stretch>
+              </a:blipFill>
+            </p:spPr>
+            <p:txBody>
+              <a:bodyPr/>
+              <a:lstStyle/>
+              <a:p>
+                <a:r>
+                  <a:rPr lang="de-DE">
+                    <a:noFill/>
+                  </a:rPr>
+                  <a:t> </a:t>
+                </a:r>
+              </a:p>
+            </p:txBody>
+          </p:sp>
+        </mc:Fallback>
+      </mc:AlternateContent>
+      <p:sp>
+        <p:nvSpPr>
+          <p:cNvPr id="4" name="Fußzeilenplatzhalter 3"/>
+          <p:cNvSpPr>
+            <a:spLocks noGrp="1"/>
+          </p:cNvSpPr>
+          <p:nvPr>
+            <p:ph type="ftr" sz="quarter" idx="10"/>
+          </p:nvPr>
+        </p:nvSpPr>
+        <p:spPr/>
+        <p:txBody>
+          <a:bodyPr/>
+          <a:lstStyle/>
+          <a:p>
+            <a:pPr>
+              <a:defRPr/>
+            </a:pPr>
+            <a:r>
+              <a:rPr lang="de-DE" dirty="0"/>
+              <a:t>Mao L., Wang C., Sebastian G. – </a:t>
+            </a:r>
+            <a:r>
+              <a:rPr lang="en-US" dirty="0" smtClean="0"/>
+              <a:t>Ghosts</a:t>
+            </a:r>
+            <a:r>
+              <a:rPr lang="de-DE" dirty="0" smtClean="0"/>
+              <a:t> </a:t>
+            </a:r>
+            <a:r>
+              <a:rPr lang="de-DE" dirty="0" err="1"/>
+              <a:t>activate</a:t>
+            </a:r>
+            <a:r>
+              <a:rPr lang="de-DE" dirty="0"/>
+              <a:t> on </a:t>
+            </a:r>
+            <a:r>
+              <a:rPr lang="de-DE" dirty="0" err="1"/>
+              <a:t>sight</a:t>
+            </a:r>
+            <a:endParaRPr lang="en-US" dirty="0"/>
+          </a:p>
+        </p:txBody>
+      </p:sp>
+    </p:spTree>
+    <p:extLst>
+      <p:ext uri="{BB962C8B-B14F-4D97-AF65-F5344CB8AC3E}">
+        <p14:creationId xmlns:p14="http://schemas.microsoft.com/office/powerpoint/2010/main" val="576734355"/>
+      </p:ext>
+    </p:extLst>
+  </p:cSld>
+  <p:clrMapOvr>
+    <a:masterClrMapping/>
+  </p:clrMapOvr>
+</p:sld>
+</file>
+
+<file path=ppt/slides/slide37.xml><?xml version="1.0" encoding="utf-8"?>
+<p:sld xmlns:a="http://schemas.openxmlformats.org/drawingml/2006/main" xmlns:r="http://schemas.openxmlformats.org/officeDocument/2006/relationships" xmlns:p="http://schemas.openxmlformats.org/presentationml/2006/main">
+  <p:cSld>
+    <p:spTree>
+      <p:nvGrpSpPr>
+        <p:cNvPr id="1" name=""/>
+        <p:cNvGrpSpPr/>
+        <p:nvPr/>
+      </p:nvGrpSpPr>
+      <p:grpSpPr>
+        <a:xfrm>
+          <a:off x="0" y="0"/>
+          <a:ext cx="0" cy="0"/>
+          <a:chOff x="0" y="0"/>
+          <a:chExt cx="0" cy="0"/>
+        </a:xfrm>
+      </p:grpSpPr>
+      <p:sp>
+        <p:nvSpPr>
+          <p:cNvPr id="3" name="Textplatzhalter 2"/>
+          <p:cNvSpPr>
+            <a:spLocks noGrp="1"/>
+          </p:cNvSpPr>
+          <p:nvPr>
+            <p:ph type="body" idx="1"/>
+          </p:nvPr>
+        </p:nvSpPr>
+        <p:spPr/>
+        <p:txBody>
+          <a:bodyPr/>
+          <a:lstStyle/>
+          <a:p>
+            <a:r>
+              <a:rPr lang="de-DE" i="1" dirty="0" smtClean="0"/>
+              <a:t>Performance</a:t>
+            </a:r>
+            <a:endParaRPr lang="de-DE" dirty="0"/>
+          </a:p>
+        </p:txBody>
+      </p:sp>
+      <p:sp>
+        <p:nvSpPr>
+          <p:cNvPr id="4" name="Fußzeilenplatzhalter 3"/>
+          <p:cNvSpPr>
+            <a:spLocks noGrp="1"/>
+          </p:cNvSpPr>
+          <p:nvPr>
+            <p:ph type="ftr" sz="quarter" idx="10"/>
+          </p:nvPr>
+        </p:nvSpPr>
+        <p:spPr/>
+        <p:txBody>
+          <a:bodyPr/>
+          <a:lstStyle/>
+          <a:p>
+            <a:pPr>
+              <a:defRPr/>
+            </a:pPr>
+            <a:r>
+              <a:rPr lang="de-DE" dirty="0"/>
+              <a:t>Mao L., Wang C., Sebastian G. – </a:t>
+            </a:r>
+            <a:r>
+              <a:rPr lang="de-DE" dirty="0" err="1"/>
+              <a:t>Ghosts</a:t>
+            </a:r>
+            <a:r>
+              <a:rPr lang="de-DE" dirty="0"/>
+              <a:t> </a:t>
+            </a:r>
+            <a:r>
+              <a:rPr lang="de-DE" dirty="0" err="1"/>
+              <a:t>activate</a:t>
+            </a:r>
+            <a:r>
+              <a:rPr lang="de-DE" dirty="0"/>
+              <a:t> on </a:t>
+            </a:r>
+            <a:r>
+              <a:rPr lang="de-DE" dirty="0" err="1"/>
+              <a:t>sight</a:t>
+            </a:r>
+            <a:endParaRPr lang="en-US" dirty="0"/>
+          </a:p>
+        </p:txBody>
+      </p:sp>
+      <p:sp>
+        <p:nvSpPr>
+          <p:cNvPr id="5" name="Titel 4"/>
+          <p:cNvSpPr>
+            <a:spLocks noGrp="1"/>
+          </p:cNvSpPr>
+          <p:nvPr>
+            <p:ph type="title"/>
+          </p:nvPr>
+        </p:nvSpPr>
+        <p:spPr/>
+        <p:txBody>
+          <a:bodyPr/>
+          <a:lstStyle/>
+          <a:p>
+            <a:endParaRPr lang="de-DE"/>
+          </a:p>
+        </p:txBody>
+      </p:sp>
+    </p:spTree>
+    <p:extLst>
+      <p:ext uri="{BB962C8B-B14F-4D97-AF65-F5344CB8AC3E}">
+        <p14:creationId xmlns:p14="http://schemas.microsoft.com/office/powerpoint/2010/main" val="528723072"/>
+      </p:ext>
+    </p:extLst>
+  </p:cSld>
+  <p:clrMapOvr>
+    <a:masterClrMapping/>
+  </p:clrMapOvr>
+</p:sld>
+</file>
+
+<file path=ppt/slides/slide38.xml><?xml version="1.0" encoding="utf-8"?>
+<p:sld xmlns:a="http://schemas.openxmlformats.org/drawingml/2006/main" xmlns:r="http://schemas.openxmlformats.org/officeDocument/2006/relationships" xmlns:p="http://schemas.openxmlformats.org/presentationml/2006/main">
+  <p:cSld>
+    <p:spTree>
+      <p:nvGrpSpPr>
+        <p:cNvPr id="1" name=""/>
+        <p:cNvGrpSpPr/>
+        <p:nvPr/>
+      </p:nvGrpSpPr>
+      <p:grpSpPr>
+        <a:xfrm>
+          <a:off x="0" y="0"/>
+          <a:ext cx="0" cy="0"/>
+          <a:chOff x="0" y="0"/>
+          <a:chExt cx="0" cy="0"/>
+        </a:xfrm>
+      </p:grpSpPr>
+      <p:sp>
+        <p:nvSpPr>
+          <p:cNvPr id="5" name="Titel 4"/>
+          <p:cNvSpPr>
+            <a:spLocks noGrp="1"/>
+          </p:cNvSpPr>
+          <p:nvPr>
+            <p:ph type="title"/>
+          </p:nvPr>
+        </p:nvSpPr>
+        <p:spPr/>
+        <p:txBody>
+          <a:bodyPr/>
+          <a:lstStyle/>
+          <a:p>
+            <a:r>
+              <a:rPr lang="de-DE" dirty="0" smtClean="0"/>
+              <a:t>Performance</a:t>
+            </a:r>
+            <a:endParaRPr lang="de-DE" dirty="0"/>
+          </a:p>
+        </p:txBody>
+      </p:sp>
+      <p:sp>
+        <p:nvSpPr>
+          <p:cNvPr id="6" name="Inhaltsplatzhalter 5"/>
+          <p:cNvSpPr>
+            <a:spLocks noGrp="1"/>
+          </p:cNvSpPr>
+          <p:nvPr>
+            <p:ph idx="1"/>
+          </p:nvPr>
+        </p:nvSpPr>
+        <p:spPr/>
+        <p:txBody>
+          <a:bodyPr>
+            <a:normAutofit/>
+          </a:bodyPr>
+          <a:lstStyle/>
+          <a:p>
+            <a:pPr marL="0" indent="0">
+              <a:buNone/>
+            </a:pPr>
+            <a:endParaRPr lang="en-US" dirty="0" smtClean="0"/>
+          </a:p>
+          <a:p>
+            <a:pPr marL="418388" indent="-457200">
+              <a:buFont typeface="+mj-lt"/>
+              <a:buAutoNum type="arabicPeriod"/>
+            </a:pPr>
+            <a:endParaRPr lang="de-DE" dirty="0" smtClean="0"/>
+          </a:p>
+        </p:txBody>
+      </p:sp>
+      <p:sp>
+        <p:nvSpPr>
+          <p:cNvPr id="4" name="Fußzeilenplatzhalter 3"/>
+          <p:cNvSpPr>
+            <a:spLocks noGrp="1"/>
+          </p:cNvSpPr>
+          <p:nvPr>
+            <p:ph type="ftr" sz="quarter" idx="10"/>
+          </p:nvPr>
+        </p:nvSpPr>
+        <p:spPr/>
+        <p:txBody>
+          <a:bodyPr/>
+          <a:lstStyle/>
+          <a:p>
+            <a:pPr>
+              <a:defRPr/>
+            </a:pPr>
+            <a:r>
+              <a:rPr lang="de-DE" dirty="0"/>
+              <a:t>Mao L., Wang C., Sebastian G. – </a:t>
+            </a:r>
+            <a:r>
+              <a:rPr lang="en-US" dirty="0" smtClean="0"/>
+              <a:t>Ghosts</a:t>
+            </a:r>
+            <a:r>
+              <a:rPr lang="de-DE" dirty="0" smtClean="0"/>
+              <a:t> </a:t>
+            </a:r>
+            <a:r>
+              <a:rPr lang="de-DE" dirty="0" err="1"/>
+              <a:t>activate</a:t>
+            </a:r>
+            <a:r>
+              <a:rPr lang="de-DE" dirty="0"/>
+              <a:t> on </a:t>
+            </a:r>
+            <a:r>
+              <a:rPr lang="de-DE" dirty="0" err="1"/>
+              <a:t>sight</a:t>
+            </a:r>
+            <a:endParaRPr lang="en-US" dirty="0"/>
+          </a:p>
+        </p:txBody>
+      </p:sp>
+      <p:graphicFrame>
+        <p:nvGraphicFramePr>
+          <p:cNvPr id="7" name="Tabelle 6"/>
+          <p:cNvGraphicFramePr>
+            <a:graphicFrameLocks noGrp="1"/>
+          </p:cNvGraphicFramePr>
+          <p:nvPr>
+            <p:extLst>
+              <p:ext uri="{D42A27DB-BD31-4B8C-83A1-F6EECF244321}">
+                <p14:modId xmlns:p14="http://schemas.microsoft.com/office/powerpoint/2010/main" val="1834758810"/>
+              </p:ext>
+            </p:extLst>
+          </p:nvPr>
+        </p:nvGraphicFramePr>
+        <p:xfrm>
+          <a:off x="390526" y="1396998"/>
+          <a:ext cx="8146356" cy="2374903"/>
+        </p:xfrm>
+        <a:graphic>
+          <a:graphicData uri="http://schemas.openxmlformats.org/drawingml/2006/table">
+            <a:tbl>
+              <a:tblPr firstRow="1" bandRow="1">
+                <a:tableStyleId>{5C22544A-7EE6-4342-B048-85BDC9FD1C3A}</a:tableStyleId>
+              </a:tblPr>
+              <a:tblGrid>
+                <a:gridCol w="2379980">
+                  <a:extLst>
+                    <a:ext uri="{9D8B030D-6E8A-4147-A177-3AD203B41FA5}">
+                      <a16:colId xmlns:a16="http://schemas.microsoft.com/office/drawing/2014/main" val="2059509461"/>
+                    </a:ext>
+                  </a:extLst>
+                </a:gridCol>
+                <a:gridCol w="2883188">
+                  <a:extLst>
+                    <a:ext uri="{9D8B030D-6E8A-4147-A177-3AD203B41FA5}">
+                      <a16:colId xmlns:a16="http://schemas.microsoft.com/office/drawing/2014/main" val="2425000257"/>
+                    </a:ext>
+                  </a:extLst>
+                </a:gridCol>
+                <a:gridCol w="2883188">
+                  <a:extLst>
+                    <a:ext uri="{9D8B030D-6E8A-4147-A177-3AD203B41FA5}">
+                      <a16:colId xmlns:a16="http://schemas.microsoft.com/office/drawing/2014/main" val="4148328377"/>
+                    </a:ext>
+                  </a:extLst>
+                </a:gridCol>
+              </a:tblGrid>
+              <a:tr h="715879">
+                <a:tc>
+                  <a:txBody>
+                    <a:bodyPr/>
+                    <a:lstStyle/>
+                    <a:p>
+                      <a:r>
+                        <a:rPr lang="de-DE" dirty="0" err="1" smtClean="0"/>
+                        <a:t>number</a:t>
+                      </a:r>
+                      <a:r>
+                        <a:rPr lang="de-DE" dirty="0" smtClean="0"/>
+                        <a:t> </a:t>
+                      </a:r>
+                      <a:r>
+                        <a:rPr lang="de-DE" dirty="0" err="1" smtClean="0"/>
+                        <a:t>of</a:t>
+                      </a:r>
+                      <a:r>
+                        <a:rPr lang="de-DE" dirty="0" smtClean="0"/>
+                        <a:t> </a:t>
+                      </a:r>
+                      <a:r>
+                        <a:rPr lang="de-DE" dirty="0" err="1" smtClean="0"/>
+                        <a:t>triangles</a:t>
+                      </a:r>
+                      <a:endParaRPr lang="de-DE" dirty="0"/>
+                    </a:p>
+                  </a:txBody>
+                  <a:tcPr/>
+                </a:tc>
+                <a:tc>
+                  <a:txBody>
+                    <a:bodyPr/>
+                    <a:lstStyle/>
+                    <a:p>
+                      <a:r>
+                        <a:rPr lang="de-DE" dirty="0" err="1" smtClean="0"/>
+                        <a:t>naïve</a:t>
+                      </a:r>
+                      <a:r>
+                        <a:rPr lang="de-DE" dirty="0" smtClean="0"/>
+                        <a:t> </a:t>
+                      </a:r>
+                    </a:p>
+                    <a:p>
+                      <a:r>
+                        <a:rPr lang="de-DE" dirty="0" smtClean="0"/>
+                        <a:t>(</a:t>
+                      </a:r>
+                      <a:r>
+                        <a:rPr lang="de-DE" dirty="0" err="1" smtClean="0"/>
+                        <a:t>ms</a:t>
+                      </a:r>
+                      <a:r>
+                        <a:rPr lang="de-DE" dirty="0" smtClean="0"/>
+                        <a:t> per </a:t>
+                      </a:r>
+                      <a:r>
+                        <a:rPr lang="de-DE" dirty="0" err="1" smtClean="0"/>
+                        <a:t>random</a:t>
+                      </a:r>
+                      <a:r>
+                        <a:rPr lang="de-DE" dirty="0" smtClean="0"/>
+                        <a:t> </a:t>
+                      </a:r>
+                      <a:r>
+                        <a:rPr lang="de-DE" dirty="0" err="1" smtClean="0"/>
+                        <a:t>query</a:t>
+                      </a:r>
+                      <a:r>
+                        <a:rPr lang="de-DE" dirty="0" smtClean="0"/>
+                        <a:t>)</a:t>
+                      </a:r>
+                      <a:endParaRPr lang="de-DE" dirty="0"/>
+                    </a:p>
+                  </a:txBody>
+                  <a:tcPr/>
+                </a:tc>
+                <a:tc>
+                  <a:txBody>
+                    <a:bodyPr/>
+                    <a:lstStyle/>
+                    <a:p>
+                      <a:r>
+                        <a:rPr lang="de-DE" dirty="0" err="1" smtClean="0"/>
+                        <a:t>kd-tree</a:t>
+                      </a:r>
+                      <a:r>
+                        <a:rPr lang="de-DE" dirty="0" smtClean="0"/>
+                        <a:t> </a:t>
+                      </a:r>
+                    </a:p>
+                    <a:p>
+                      <a:r>
+                        <a:rPr lang="de-DE" dirty="0" smtClean="0"/>
+                        <a:t>(</a:t>
+                      </a:r>
+                      <a:r>
+                        <a:rPr lang="de-DE" dirty="0" err="1" smtClean="0"/>
+                        <a:t>us</a:t>
+                      </a:r>
+                      <a:r>
+                        <a:rPr lang="de-DE" dirty="0" smtClean="0"/>
+                        <a:t> per </a:t>
+                      </a:r>
+                      <a:r>
+                        <a:rPr lang="de-DE" dirty="0" err="1" smtClean="0"/>
+                        <a:t>random</a:t>
+                      </a:r>
+                      <a:r>
+                        <a:rPr lang="de-DE" dirty="0" smtClean="0"/>
+                        <a:t> </a:t>
+                      </a:r>
+                      <a:r>
+                        <a:rPr lang="de-DE" dirty="0" err="1" smtClean="0"/>
+                        <a:t>query</a:t>
+                      </a:r>
+                      <a:r>
+                        <a:rPr lang="de-DE" dirty="0" smtClean="0"/>
+                        <a:t>)</a:t>
+                      </a:r>
+                      <a:endParaRPr lang="de-DE" dirty="0"/>
+                    </a:p>
+                  </a:txBody>
+                  <a:tcPr/>
+                </a:tc>
+                <a:extLst>
+                  <a:ext uri="{0D108BD9-81ED-4DB2-BD59-A6C34878D82A}">
+                    <a16:rowId xmlns:a16="http://schemas.microsoft.com/office/drawing/2014/main" val="839406236"/>
+                  </a:ext>
+                </a:extLst>
+              </a:tr>
+              <a:tr h="414756">
+                <a:tc>
+                  <a:txBody>
+                    <a:bodyPr/>
+                    <a:lstStyle/>
+                    <a:p>
+                      <a:r>
+                        <a:rPr lang="de-DE" dirty="0" smtClean="0"/>
+                        <a:t>2117</a:t>
+                      </a:r>
+                      <a:endParaRPr lang="de-DE" dirty="0"/>
+                    </a:p>
+                  </a:txBody>
+                  <a:tcPr/>
+                </a:tc>
+                <a:tc>
+                  <a:txBody>
+                    <a:bodyPr/>
+                    <a:lstStyle/>
+                    <a:p>
+                      <a:endParaRPr lang="de-DE" dirty="0"/>
+                    </a:p>
+                  </a:txBody>
+                  <a:tcPr/>
+                </a:tc>
+                <a:tc>
+                  <a:txBody>
+                    <a:bodyPr/>
+                    <a:lstStyle/>
+                    <a:p>
+                      <a:endParaRPr lang="de-DE" dirty="0"/>
+                    </a:p>
+                  </a:txBody>
+                  <a:tcPr/>
+                </a:tc>
+                <a:extLst>
+                  <a:ext uri="{0D108BD9-81ED-4DB2-BD59-A6C34878D82A}">
+                    <a16:rowId xmlns:a16="http://schemas.microsoft.com/office/drawing/2014/main" val="3654824734"/>
+                  </a:ext>
+                </a:extLst>
+              </a:tr>
+              <a:tr h="414756">
+                <a:tc>
+                  <a:txBody>
+                    <a:bodyPr/>
+                    <a:lstStyle/>
+                    <a:p>
+                      <a:r>
+                        <a:rPr lang="de-DE" dirty="0" smtClean="0"/>
+                        <a:t>14485</a:t>
+                      </a:r>
+                      <a:endParaRPr lang="de-DE" dirty="0"/>
+                    </a:p>
+                  </a:txBody>
+                  <a:tcPr/>
+                </a:tc>
+                <a:tc>
+                  <a:txBody>
+                    <a:bodyPr/>
+                    <a:lstStyle/>
+                    <a:p>
+                      <a:endParaRPr lang="de-DE" dirty="0"/>
+                    </a:p>
+                  </a:txBody>
+                  <a:tcPr/>
+                </a:tc>
+                <a:tc>
+                  <a:txBody>
+                    <a:bodyPr/>
+                    <a:lstStyle/>
+                    <a:p>
+                      <a:endParaRPr lang="de-DE" dirty="0"/>
+                    </a:p>
+                  </a:txBody>
+                  <a:tcPr/>
+                </a:tc>
+                <a:extLst>
+                  <a:ext uri="{0D108BD9-81ED-4DB2-BD59-A6C34878D82A}">
+                    <a16:rowId xmlns:a16="http://schemas.microsoft.com/office/drawing/2014/main" val="1260092292"/>
+                  </a:ext>
+                </a:extLst>
+              </a:tr>
+              <a:tr h="414756">
+                <a:tc>
+                  <a:txBody>
+                    <a:bodyPr/>
+                    <a:lstStyle/>
+                    <a:p>
+                      <a:pPr marL="0" marR="0" indent="0" algn="l" defTabSz="914400" rtl="0" eaLnBrk="1" fontAlgn="auto" latinLnBrk="0" hangingPunct="1">
+                        <a:lnSpc>
+                          <a:spcPct val="100000"/>
+                        </a:lnSpc>
+                        <a:spcBef>
+                          <a:spcPts val="0"/>
+                        </a:spcBef>
+                        <a:spcAft>
+                          <a:spcPts val="0"/>
+                        </a:spcAft>
+                        <a:buClrTx/>
+                        <a:buSzTx/>
+                        <a:buFontTx/>
+                        <a:buNone/>
+                        <a:tabLst/>
+                        <a:defRPr/>
+                      </a:pPr>
+                      <a:r>
+                        <a:rPr lang="de-DE" dirty="0" smtClean="0"/>
+                        <a:t>305662</a:t>
+                      </a:r>
+                    </a:p>
+                  </a:txBody>
+                  <a:tcPr/>
+                </a:tc>
+                <a:tc>
+                  <a:txBody>
+                    <a:bodyPr/>
+                    <a:lstStyle/>
+                    <a:p>
+                      <a:endParaRPr lang="de-DE" dirty="0"/>
+                    </a:p>
+                  </a:txBody>
+                  <a:tcPr/>
+                </a:tc>
+                <a:tc>
+                  <a:txBody>
+                    <a:bodyPr/>
+                    <a:lstStyle/>
+                    <a:p>
+                      <a:endParaRPr lang="de-DE" dirty="0"/>
+                    </a:p>
+                  </a:txBody>
+                  <a:tcPr/>
+                </a:tc>
+                <a:extLst>
+                  <a:ext uri="{0D108BD9-81ED-4DB2-BD59-A6C34878D82A}">
+                    <a16:rowId xmlns:a16="http://schemas.microsoft.com/office/drawing/2014/main" val="3536244125"/>
+                  </a:ext>
+                </a:extLst>
+              </a:tr>
+              <a:tr h="414756">
+                <a:tc>
+                  <a:txBody>
+                    <a:bodyPr/>
+                    <a:lstStyle/>
+                    <a:p>
+                      <a:r>
+                        <a:rPr lang="de-DE" dirty="0" smtClean="0"/>
+                        <a:t>1283858</a:t>
+                      </a:r>
+                      <a:endParaRPr lang="de-DE" dirty="0"/>
+                    </a:p>
+                  </a:txBody>
+                  <a:tcPr/>
+                </a:tc>
+                <a:tc>
+                  <a:txBody>
+                    <a:bodyPr/>
+                    <a:lstStyle/>
+                    <a:p>
+                      <a:endParaRPr lang="de-DE" dirty="0"/>
+                    </a:p>
+                  </a:txBody>
+                  <a:tcPr/>
+                </a:tc>
+                <a:tc>
+                  <a:txBody>
+                    <a:bodyPr/>
+                    <a:lstStyle/>
+                    <a:p>
+                      <a:endParaRPr lang="de-DE" dirty="0"/>
+                    </a:p>
+                  </a:txBody>
+                  <a:tcPr/>
+                </a:tc>
+                <a:extLst>
+                  <a:ext uri="{0D108BD9-81ED-4DB2-BD59-A6C34878D82A}">
+                    <a16:rowId xmlns:a16="http://schemas.microsoft.com/office/drawing/2014/main" val="88804139"/>
+                  </a:ext>
+                </a:extLst>
+              </a:tr>
+            </a:tbl>
+          </a:graphicData>
+        </a:graphic>
+      </p:graphicFrame>
+    </p:spTree>
+    <p:extLst>
+      <p:ext uri="{BB962C8B-B14F-4D97-AF65-F5344CB8AC3E}">
+        <p14:creationId xmlns:p14="http://schemas.microsoft.com/office/powerpoint/2010/main" val="1811787158"/>
+      </p:ext>
+    </p:extLst>
+  </p:cSld>
+  <p:clrMapOvr>
+    <a:masterClrMapping/>
+  </p:clrMapOvr>
+</p:sld>
+</file>
+
+<file path=ppt/slides/slide39.xml><?xml version="1.0" encoding="utf-8"?>
+<p:sld xmlns:a="http://schemas.openxmlformats.org/drawingml/2006/main" xmlns:r="http://schemas.openxmlformats.org/officeDocument/2006/relationships" xmlns:p="http://schemas.openxmlformats.org/presentationml/2006/main">
+  <p:cSld>
+    <p:spTree>
+      <p:nvGrpSpPr>
+        <p:cNvPr id="1" name=""/>
+        <p:cNvGrpSpPr/>
+        <p:nvPr/>
+      </p:nvGrpSpPr>
+      <p:grpSpPr>
+        <a:xfrm>
+          <a:off x="0" y="0"/>
+          <a:ext cx="0" cy="0"/>
+          <a:chOff x="0" y="0"/>
+          <a:chExt cx="0" cy="0"/>
+        </a:xfrm>
+      </p:grpSpPr>
+      <p:sp>
+        <p:nvSpPr>
+          <p:cNvPr id="5" name="Titel 4"/>
+          <p:cNvSpPr>
+            <a:spLocks noGrp="1"/>
+          </p:cNvSpPr>
+          <p:nvPr>
+            <p:ph type="title"/>
+          </p:nvPr>
+        </p:nvSpPr>
+        <p:spPr/>
+        <p:txBody>
+          <a:bodyPr/>
+          <a:lstStyle/>
+          <a:p>
+            <a:r>
+              <a:rPr lang="de-DE" dirty="0" smtClean="0"/>
+              <a:t>References</a:t>
+            </a:r>
+            <a:endParaRPr lang="de-DE" dirty="0"/>
+          </a:p>
+        </p:txBody>
+      </p:sp>
+      <p:sp>
+        <p:nvSpPr>
+          <p:cNvPr id="6" name="Inhaltsplatzhalter 5"/>
+          <p:cNvSpPr>
+            <a:spLocks noGrp="1"/>
+          </p:cNvSpPr>
+          <p:nvPr>
+            <p:ph idx="1"/>
+          </p:nvPr>
+        </p:nvSpPr>
+        <p:spPr/>
+        <p:txBody>
+          <a:bodyPr>
+            <a:normAutofit/>
+          </a:bodyPr>
+          <a:lstStyle/>
+          <a:p>
+            <a:r>
+              <a:rPr lang="de-DE" dirty="0"/>
+              <a:t>[1] </a:t>
+            </a:r>
+            <a:r>
+              <a:rPr lang="en-US" dirty="0">
+                <a:hlinkClick r:id="rId2"/>
+              </a:rPr>
+              <a:t>On building fast </a:t>
+            </a:r>
+            <a:r>
+              <a:rPr lang="en-US" dirty="0" err="1">
+                <a:hlinkClick r:id="rId2"/>
+              </a:rPr>
+              <a:t>kd</a:t>
+            </a:r>
+            <a:r>
+              <a:rPr lang="en-US" dirty="0">
+                <a:hlinkClick r:id="rId2"/>
+              </a:rPr>
+              <a:t>-Trees for Ray Tracing, and on doing that in O(N log N) (2006</a:t>
+            </a:r>
+            <a:r>
+              <a:rPr lang="en-US" dirty="0" smtClean="0">
+                <a:hlinkClick r:id="rId2"/>
+              </a:rPr>
+              <a:t>),</a:t>
+            </a:r>
+            <a:r>
+              <a:rPr lang="de-DE" dirty="0">
+                <a:hlinkClick r:id="rId2"/>
+              </a:rPr>
+              <a:t> </a:t>
+            </a:r>
+            <a:r>
+              <a:rPr lang="de-DE" dirty="0" smtClean="0">
+                <a:hlinkClick r:id="rId2"/>
+              </a:rPr>
+              <a:t>Ingo Wald, </a:t>
+            </a:r>
+            <a:r>
+              <a:rPr lang="de-DE" dirty="0">
+                <a:hlinkClick r:id="rId2"/>
+              </a:rPr>
+              <a:t>Vlastimil </a:t>
+            </a:r>
+            <a:r>
+              <a:rPr lang="de-DE" dirty="0" err="1">
+                <a:hlinkClick r:id="rId2"/>
+              </a:rPr>
+              <a:t>Havran</a:t>
+            </a:r>
+            <a:endParaRPr lang="de-DE" dirty="0" smtClean="0"/>
+          </a:p>
+          <a:p>
+            <a:pPr lvl="1"/>
+            <a:endParaRPr lang="de-DE" dirty="0"/>
+          </a:p>
+          <a:p>
+            <a:pPr marL="418388" indent="-457200">
+              <a:buFont typeface="+mj-lt"/>
+              <a:buAutoNum type="arabicPeriod"/>
+            </a:pPr>
+            <a:endParaRPr lang="de-DE" dirty="0" smtClean="0"/>
+          </a:p>
+        </p:txBody>
+      </p:sp>
+      <p:sp>
+        <p:nvSpPr>
+          <p:cNvPr id="4" name="Fußzeilenplatzhalter 3"/>
+          <p:cNvSpPr>
+            <a:spLocks noGrp="1"/>
+          </p:cNvSpPr>
+          <p:nvPr>
+            <p:ph type="ftr" sz="quarter" idx="10"/>
+          </p:nvPr>
+        </p:nvSpPr>
+        <p:spPr/>
+        <p:txBody>
+          <a:bodyPr/>
+          <a:lstStyle/>
+          <a:p>
+            <a:pPr>
+              <a:defRPr/>
+            </a:pPr>
+            <a:r>
+              <a:rPr lang="de-DE" dirty="0"/>
+              <a:t>Mao L., Wang C., Sebastian G. – </a:t>
+            </a:r>
+            <a:r>
+              <a:rPr lang="de-DE" dirty="0" err="1"/>
+              <a:t>Ghosts</a:t>
+            </a:r>
+            <a:r>
+              <a:rPr lang="de-DE" dirty="0"/>
+              <a:t> </a:t>
+            </a:r>
+            <a:r>
+              <a:rPr lang="de-DE" dirty="0" err="1"/>
+              <a:t>activate</a:t>
+            </a:r>
+            <a:r>
+              <a:rPr lang="de-DE" dirty="0"/>
+              <a:t> on </a:t>
+            </a:r>
+            <a:r>
+              <a:rPr lang="de-DE" dirty="0" err="1"/>
+              <a:t>sight</a:t>
+            </a:r>
+            <a:endParaRPr lang="en-US" dirty="0"/>
+          </a:p>
+        </p:txBody>
+      </p:sp>
+    </p:spTree>
+    <p:extLst>
+      <p:ext uri="{BB962C8B-B14F-4D97-AF65-F5344CB8AC3E}">
+        <p14:creationId xmlns:p14="http://schemas.microsoft.com/office/powerpoint/2010/main" val="520941319"/>
+      </p:ext>
+    </p:extLst>
+  </p:cSld>
+  <p:clrMapOvr>
+    <a:masterClrMapping/>
+  </p:clrMapOvr>
+</p:sld>
+</file>
+
 <file path=ppt/slides/slide4.xml><?xml version="1.0" encoding="utf-8"?>
 <p:sld xmlns:a="http://schemas.openxmlformats.org/drawingml/2006/main" xmlns:r="http://schemas.openxmlformats.org/officeDocument/2006/relationships" xmlns:p="http://schemas.openxmlformats.org/presentationml/2006/main">
   <p:cSld>
@@ -11735,8 +17207,8 @@
           </a:p>
         </p:txBody>
       </p:sp>
-      <mc:AlternateContent xmlns:mc="http://schemas.openxmlformats.org/markup-compatibility/2006" xmlns:a14="http://schemas.microsoft.com/office/drawing/2010/main">
-        <mc:Choice Requires="a14">
+      <mc:AlternateContent xmlns:mc="http://schemas.openxmlformats.org/markup-compatibility/2006">
+        <mc:Choice xmlns:a14="http://schemas.microsoft.com/office/drawing/2010/main" Requires="a14">
           <p:sp>
             <p:nvSpPr>
               <p:cNvPr id="6" name="Inhaltsplatzhalter 5"/>
@@ -12121,7 +17593,7 @@
                 </a:r>
                 <a:r>
                   <a:rPr lang="de-DE" dirty="0" err="1" smtClean="0"/>
-                  <a:t>ray</a:t>
+                  <a:t>line</a:t>
                 </a:r>
                 <a:r>
                   <a:rPr lang="de-DE" dirty="0" smtClean="0"/>
@@ -12712,7 +18184,7 @@
             </p:txBody>
           </p:sp>
         </mc:Choice>
-        <mc:Fallback xmlns="">
+        <mc:Fallback>
           <p:sp>
             <p:nvSpPr>
               <p:cNvPr id="6" name="Inhaltsplatzhalter 5"/>
@@ -13179,11 +18651,11 @@
                   <a:t> </a:t>
                 </a:r>
                 <a:r>
-                  <a:rPr lang="de-DE" dirty="0" err="1"/>
-                  <a:t>ray</a:t>
-                </a:r>
-                <a:r>
-                  <a:rPr lang="de-DE" dirty="0"/>
+                  <a:rPr lang="de-DE" dirty="0" err="1" smtClean="0"/>
+                  <a:t>line</a:t>
+                </a:r>
+                <a:r>
+                  <a:rPr lang="de-DE" dirty="0" smtClean="0"/>
                   <a:t> </a:t>
                 </a:r>
                 <a:r>
@@ -13282,7 +18754,7 @@
               <a:blipFill>
                 <a:blip r:embed="rId2"/>
                 <a:stretch>
-                  <a:fillRect t="-1294" r="-1459"/>
+                  <a:fillRect t="-1294" r="-2188"/>
                 </a:stretch>
               </a:blipFill>
             </p:spPr>

--- a/presentation/Presentation.pptx
+++ b/presentation/Presentation.pptx
@@ -5,10 +5,10 @@
     <p:sldMasterId id="2147483648" r:id="rId1"/>
   </p:sldMasterIdLst>
   <p:notesMasterIdLst>
-    <p:notesMasterId r:id="rId41"/>
+    <p:notesMasterId r:id="rId43"/>
   </p:notesMasterIdLst>
   <p:handoutMasterIdLst>
-    <p:handoutMasterId r:id="rId42"/>
+    <p:handoutMasterId r:id="rId44"/>
   </p:handoutMasterIdLst>
   <p:sldIdLst>
     <p:sldId id="273" r:id="rId2"/>
@@ -49,7 +49,9 @@
     <p:sldId id="332" r:id="rId37"/>
     <p:sldId id="283" r:id="rId38"/>
     <p:sldId id="333" r:id="rId39"/>
-    <p:sldId id="315" r:id="rId40"/>
+    <p:sldId id="334" r:id="rId40"/>
+    <p:sldId id="335" r:id="rId41"/>
+    <p:sldId id="315" r:id="rId42"/>
   </p:sldIdLst>
   <p:sldSz cx="9144000" cy="6858000" type="screen4x3"/>
   <p:notesSz cx="6858000" cy="9144000"/>
@@ -221,6 +223,8 @@
             <p14:sldId id="332"/>
             <p14:sldId id="283"/>
             <p14:sldId id="333"/>
+            <p14:sldId id="334"/>
+            <p14:sldId id="335"/>
             <p14:sldId id="315"/>
           </p14:sldIdLst>
         </p14:section>
@@ -245,6 +249,2003 @@
     </p:ext>
   </p:extLst>
 </p:presentation>
+</file>
+
+<file path=ppt/charts/chart1.xml><?xml version="1.0" encoding="utf-8"?>
+<c:chartSpace xmlns:c="http://schemas.openxmlformats.org/drawingml/2006/chart" xmlns:a="http://schemas.openxmlformats.org/drawingml/2006/main" xmlns:r="http://schemas.openxmlformats.org/officeDocument/2006/relationships" xmlns:c16r2="http://schemas.microsoft.com/office/drawing/2015/06/chart">
+  <c:date1904 val="0"/>
+  <c:lang val="de-DE"/>
+  <c:roundedCorners val="0"/>
+  <mc:AlternateContent xmlns:mc="http://schemas.openxmlformats.org/markup-compatibility/2006">
+    <mc:Choice xmlns:c14="http://schemas.microsoft.com/office/drawing/2007/8/2/chart" Requires="c14">
+      <c14:style val="102"/>
+    </mc:Choice>
+    <mc:Fallback>
+      <c:style val="2"/>
+    </mc:Fallback>
+  </mc:AlternateContent>
+  <c:chart>
+    <c:title>
+      <c:tx>
+        <c:rich>
+          <a:bodyPr rot="0" spcFirstLastPara="1" vertOverflow="ellipsis" vert="horz" wrap="square" anchor="ctr" anchorCtr="1"/>
+          <a:lstStyle/>
+          <a:p>
+            <a:pPr>
+              <a:defRPr sz="1862" b="0" i="0" u="none" strike="noStrike" kern="1200" spc="0" baseline="0">
+                <a:solidFill>
+                  <a:schemeClr val="tx1">
+                    <a:lumMod val="65000"/>
+                    <a:lumOff val="35000"/>
+                  </a:schemeClr>
+                </a:solidFill>
+                <a:latin typeface="+mn-lt"/>
+                <a:ea typeface="+mn-ea"/>
+                <a:cs typeface="+mn-cs"/>
+              </a:defRPr>
+            </a:pPr>
+            <a:r>
+              <a:rPr lang="de-DE" dirty="0" err="1" smtClean="0"/>
+              <a:t>Naïve</a:t>
+            </a:r>
+            <a:endParaRPr lang="de-DE" dirty="0"/>
+          </a:p>
+        </c:rich>
+      </c:tx>
+      <c:overlay val="0"/>
+      <c:spPr>
+        <a:noFill/>
+        <a:ln>
+          <a:noFill/>
+        </a:ln>
+        <a:effectLst/>
+      </c:spPr>
+      <c:txPr>
+        <a:bodyPr rot="0" spcFirstLastPara="1" vertOverflow="ellipsis" vert="horz" wrap="square" anchor="ctr" anchorCtr="1"/>
+        <a:lstStyle/>
+        <a:p>
+          <a:pPr>
+            <a:defRPr sz="1862" b="0" i="0" u="none" strike="noStrike" kern="1200" spc="0" baseline="0">
+              <a:solidFill>
+                <a:schemeClr val="tx1">
+                  <a:lumMod val="65000"/>
+                  <a:lumOff val="35000"/>
+                </a:schemeClr>
+              </a:solidFill>
+              <a:latin typeface="+mn-lt"/>
+              <a:ea typeface="+mn-ea"/>
+              <a:cs typeface="+mn-cs"/>
+            </a:defRPr>
+          </a:pPr>
+          <a:endParaRPr lang="de-DE"/>
+        </a:p>
+      </c:txPr>
+    </c:title>
+    <c:autoTitleDeleted val="0"/>
+    <c:plotArea>
+      <c:layout/>
+      <c:scatterChart>
+        <c:scatterStyle val="lineMarker"/>
+        <c:varyColors val="0"/>
+        <c:ser>
+          <c:idx val="0"/>
+          <c:order val="0"/>
+          <c:tx>
+            <c:strRef>
+              <c:f>Tabelle1!$B$1</c:f>
+              <c:strCache>
+                <c:ptCount val="1"/>
+                <c:pt idx="0">
+                  <c:v>time in ms</c:v>
+                </c:pt>
+              </c:strCache>
+            </c:strRef>
+          </c:tx>
+          <c:spPr>
+            <a:ln w="28575" cap="rnd">
+              <a:solidFill>
+                <a:schemeClr val="accent1"/>
+              </a:solidFill>
+              <a:round/>
+            </a:ln>
+            <a:effectLst/>
+          </c:spPr>
+          <c:marker>
+            <c:symbol val="circle"/>
+            <c:size val="5"/>
+            <c:spPr>
+              <a:solidFill>
+                <a:schemeClr val="accent1"/>
+              </a:solidFill>
+              <a:ln w="9525">
+                <a:solidFill>
+                  <a:schemeClr val="accent1"/>
+                </a:solidFill>
+              </a:ln>
+              <a:effectLst/>
+            </c:spPr>
+          </c:marker>
+          <c:xVal>
+            <c:numRef>
+              <c:f>Tabelle1!$A$2:$A$5</c:f>
+              <c:numCache>
+                <c:formatCode>General</c:formatCode>
+                <c:ptCount val="4"/>
+                <c:pt idx="0">
+                  <c:v>2117</c:v>
+                </c:pt>
+                <c:pt idx="1">
+                  <c:v>14485</c:v>
+                </c:pt>
+                <c:pt idx="2">
+                  <c:v>305662</c:v>
+                </c:pt>
+                <c:pt idx="3">
+                  <c:v>1283858</c:v>
+                </c:pt>
+              </c:numCache>
+            </c:numRef>
+          </c:xVal>
+          <c:yVal>
+            <c:numRef>
+              <c:f>Tabelle1!$B$2:$B$5</c:f>
+              <c:numCache>
+                <c:formatCode>General</c:formatCode>
+                <c:ptCount val="4"/>
+                <c:pt idx="0">
+                  <c:v>29.9</c:v>
+                </c:pt>
+                <c:pt idx="1">
+                  <c:v>242.4</c:v>
+                </c:pt>
+                <c:pt idx="2">
+                  <c:v>18244.5</c:v>
+                </c:pt>
+                <c:pt idx="3">
+                  <c:v>48345.599999999999</c:v>
+                </c:pt>
+              </c:numCache>
+            </c:numRef>
+          </c:yVal>
+          <c:smooth val="0"/>
+          <c:extLst>
+            <c:ext xmlns:c16="http://schemas.microsoft.com/office/drawing/2014/chart" uri="{C3380CC4-5D6E-409C-BE32-E72D297353CC}">
+              <c16:uniqueId val="{00000000-7DE3-49AC-B63C-7E9C5B29289F}"/>
+            </c:ext>
+          </c:extLst>
+        </c:ser>
+        <c:dLbls>
+          <c:showLegendKey val="0"/>
+          <c:showVal val="0"/>
+          <c:showCatName val="0"/>
+          <c:showSerName val="0"/>
+          <c:showPercent val="0"/>
+          <c:showBubbleSize val="0"/>
+        </c:dLbls>
+        <c:axId val="505088136"/>
+        <c:axId val="505083872"/>
+      </c:scatterChart>
+      <c:valAx>
+        <c:axId val="505088136"/>
+        <c:scaling>
+          <c:orientation val="minMax"/>
+        </c:scaling>
+        <c:delete val="0"/>
+        <c:axPos val="b"/>
+        <c:title>
+          <c:tx>
+            <c:rich>
+              <a:bodyPr rot="0" spcFirstLastPara="1" vertOverflow="ellipsis" vert="horz" wrap="square" anchor="ctr" anchorCtr="1"/>
+              <a:lstStyle/>
+              <a:p>
+                <a:pPr>
+                  <a:defRPr sz="1330" b="0" i="0" u="none" strike="noStrike" kern="1200" baseline="0">
+                    <a:solidFill>
+                      <a:schemeClr val="tx1">
+                        <a:lumMod val="65000"/>
+                        <a:lumOff val="35000"/>
+                      </a:schemeClr>
+                    </a:solidFill>
+                    <a:latin typeface="+mn-lt"/>
+                    <a:ea typeface="+mn-ea"/>
+                    <a:cs typeface="+mn-cs"/>
+                  </a:defRPr>
+                </a:pPr>
+                <a:r>
+                  <a:rPr lang="de-DE" dirty="0" err="1" smtClean="0"/>
+                  <a:t>Number</a:t>
+                </a:r>
+                <a:r>
+                  <a:rPr lang="de-DE" baseline="0" dirty="0" smtClean="0"/>
+                  <a:t> </a:t>
+                </a:r>
+                <a:r>
+                  <a:rPr lang="de-DE" baseline="0" dirty="0" err="1" smtClean="0"/>
+                  <a:t>of</a:t>
+                </a:r>
+                <a:r>
+                  <a:rPr lang="de-DE" baseline="0" dirty="0" smtClean="0"/>
+                  <a:t> </a:t>
+                </a:r>
+                <a:r>
+                  <a:rPr lang="de-DE" baseline="0" dirty="0" err="1" smtClean="0"/>
+                  <a:t>triangles</a:t>
+                </a:r>
+                <a:endParaRPr lang="de-DE" dirty="0"/>
+              </a:p>
+            </c:rich>
+          </c:tx>
+          <c:overlay val="0"/>
+          <c:spPr>
+            <a:noFill/>
+            <a:ln>
+              <a:noFill/>
+            </a:ln>
+            <a:effectLst/>
+          </c:spPr>
+          <c:txPr>
+            <a:bodyPr rot="0" spcFirstLastPara="1" vertOverflow="ellipsis" vert="horz" wrap="square" anchor="ctr" anchorCtr="1"/>
+            <a:lstStyle/>
+            <a:p>
+              <a:pPr>
+                <a:defRPr sz="1330" b="0" i="0" u="none" strike="noStrike" kern="1200" baseline="0">
+                  <a:solidFill>
+                    <a:schemeClr val="tx1">
+                      <a:lumMod val="65000"/>
+                      <a:lumOff val="35000"/>
+                    </a:schemeClr>
+                  </a:solidFill>
+                  <a:latin typeface="+mn-lt"/>
+                  <a:ea typeface="+mn-ea"/>
+                  <a:cs typeface="+mn-cs"/>
+                </a:defRPr>
+              </a:pPr>
+              <a:endParaRPr lang="de-DE"/>
+            </a:p>
+          </c:txPr>
+        </c:title>
+        <c:numFmt formatCode="General" sourceLinked="1"/>
+        <c:majorTickMark val="none"/>
+        <c:minorTickMark val="none"/>
+        <c:tickLblPos val="nextTo"/>
+        <c:spPr>
+          <a:noFill/>
+          <a:ln w="9525" cap="flat" cmpd="sng" algn="ctr">
+            <a:solidFill>
+              <a:schemeClr val="tx1">
+                <a:lumMod val="15000"/>
+                <a:lumOff val="85000"/>
+              </a:schemeClr>
+            </a:solidFill>
+            <a:round/>
+          </a:ln>
+          <a:effectLst/>
+        </c:spPr>
+        <c:txPr>
+          <a:bodyPr rot="-60000000" spcFirstLastPara="1" vertOverflow="ellipsis" vert="horz" wrap="square" anchor="ctr" anchorCtr="1"/>
+          <a:lstStyle/>
+          <a:p>
+            <a:pPr>
+              <a:defRPr sz="1197" b="0" i="0" u="none" strike="noStrike" kern="1200" baseline="0">
+                <a:solidFill>
+                  <a:schemeClr val="tx1">
+                    <a:lumMod val="65000"/>
+                    <a:lumOff val="35000"/>
+                  </a:schemeClr>
+                </a:solidFill>
+                <a:latin typeface="+mn-lt"/>
+                <a:ea typeface="+mn-ea"/>
+                <a:cs typeface="+mn-cs"/>
+              </a:defRPr>
+            </a:pPr>
+            <a:endParaRPr lang="de-DE"/>
+          </a:p>
+        </c:txPr>
+        <c:crossAx val="505083872"/>
+        <c:crosses val="autoZero"/>
+        <c:crossBetween val="midCat"/>
+      </c:valAx>
+      <c:valAx>
+        <c:axId val="505083872"/>
+        <c:scaling>
+          <c:orientation val="minMax"/>
+        </c:scaling>
+        <c:delete val="0"/>
+        <c:axPos val="l"/>
+        <c:majorGridlines>
+          <c:spPr>
+            <a:ln w="9525" cap="flat" cmpd="sng" algn="ctr">
+              <a:solidFill>
+                <a:schemeClr val="tx1">
+                  <a:lumMod val="15000"/>
+                  <a:lumOff val="85000"/>
+                </a:schemeClr>
+              </a:solidFill>
+              <a:round/>
+            </a:ln>
+            <a:effectLst/>
+          </c:spPr>
+        </c:majorGridlines>
+        <c:title>
+          <c:tx>
+            <c:rich>
+              <a:bodyPr rot="-5400000" spcFirstLastPara="1" vertOverflow="ellipsis" vert="horz" wrap="square" anchor="ctr" anchorCtr="1"/>
+              <a:lstStyle/>
+              <a:p>
+                <a:pPr>
+                  <a:defRPr sz="1330" b="0" i="0" u="none" strike="noStrike" kern="1200" baseline="0">
+                    <a:solidFill>
+                      <a:schemeClr val="tx1">
+                        <a:lumMod val="65000"/>
+                        <a:lumOff val="35000"/>
+                      </a:schemeClr>
+                    </a:solidFill>
+                    <a:latin typeface="+mn-lt"/>
+                    <a:ea typeface="+mn-ea"/>
+                    <a:cs typeface="+mn-cs"/>
+                  </a:defRPr>
+                </a:pPr>
+                <a:r>
+                  <a:rPr lang="de-DE" dirty="0" smtClean="0"/>
+                  <a:t>Time in µs</a:t>
+                </a:r>
+              </a:p>
+            </c:rich>
+          </c:tx>
+          <c:overlay val="0"/>
+          <c:spPr>
+            <a:noFill/>
+            <a:ln>
+              <a:noFill/>
+            </a:ln>
+            <a:effectLst/>
+          </c:spPr>
+          <c:txPr>
+            <a:bodyPr rot="-5400000" spcFirstLastPara="1" vertOverflow="ellipsis" vert="horz" wrap="square" anchor="ctr" anchorCtr="1"/>
+            <a:lstStyle/>
+            <a:p>
+              <a:pPr>
+                <a:defRPr sz="1330" b="0" i="0" u="none" strike="noStrike" kern="1200" baseline="0">
+                  <a:solidFill>
+                    <a:schemeClr val="tx1">
+                      <a:lumMod val="65000"/>
+                      <a:lumOff val="35000"/>
+                    </a:schemeClr>
+                  </a:solidFill>
+                  <a:latin typeface="+mn-lt"/>
+                  <a:ea typeface="+mn-ea"/>
+                  <a:cs typeface="+mn-cs"/>
+                </a:defRPr>
+              </a:pPr>
+              <a:endParaRPr lang="de-DE"/>
+            </a:p>
+          </c:txPr>
+        </c:title>
+        <c:numFmt formatCode="General" sourceLinked="1"/>
+        <c:majorTickMark val="none"/>
+        <c:minorTickMark val="none"/>
+        <c:tickLblPos val="nextTo"/>
+        <c:spPr>
+          <a:noFill/>
+          <a:ln>
+            <a:noFill/>
+          </a:ln>
+          <a:effectLst/>
+        </c:spPr>
+        <c:txPr>
+          <a:bodyPr rot="-60000000" spcFirstLastPara="1" vertOverflow="ellipsis" vert="horz" wrap="square" anchor="ctr" anchorCtr="1"/>
+          <a:lstStyle/>
+          <a:p>
+            <a:pPr>
+              <a:defRPr sz="1197" b="0" i="0" u="none" strike="noStrike" kern="1200" baseline="0">
+                <a:solidFill>
+                  <a:schemeClr val="tx1">
+                    <a:lumMod val="65000"/>
+                    <a:lumOff val="35000"/>
+                  </a:schemeClr>
+                </a:solidFill>
+                <a:latin typeface="+mn-lt"/>
+                <a:ea typeface="+mn-ea"/>
+                <a:cs typeface="+mn-cs"/>
+              </a:defRPr>
+            </a:pPr>
+            <a:endParaRPr lang="de-DE"/>
+          </a:p>
+        </c:txPr>
+        <c:crossAx val="505088136"/>
+        <c:crosses val="autoZero"/>
+        <c:crossBetween val="midCat"/>
+      </c:valAx>
+      <c:spPr>
+        <a:noFill/>
+        <a:ln>
+          <a:noFill/>
+        </a:ln>
+        <a:effectLst/>
+      </c:spPr>
+    </c:plotArea>
+    <c:plotVisOnly val="1"/>
+    <c:dispBlanksAs val="gap"/>
+    <c:showDLblsOverMax val="0"/>
+  </c:chart>
+  <c:spPr>
+    <a:noFill/>
+    <a:ln>
+      <a:noFill/>
+    </a:ln>
+    <a:effectLst/>
+  </c:spPr>
+  <c:txPr>
+    <a:bodyPr/>
+    <a:lstStyle/>
+    <a:p>
+      <a:pPr>
+        <a:defRPr/>
+      </a:pPr>
+      <a:endParaRPr lang="de-DE"/>
+    </a:p>
+  </c:txPr>
+  <c:externalData r:id="rId3">
+    <c:autoUpdate val="0"/>
+  </c:externalData>
+</c:chartSpace>
+</file>
+
+<file path=ppt/charts/chart2.xml><?xml version="1.0" encoding="utf-8"?>
+<c:chartSpace xmlns:c="http://schemas.openxmlformats.org/drawingml/2006/chart" xmlns:a="http://schemas.openxmlformats.org/drawingml/2006/main" xmlns:r="http://schemas.openxmlformats.org/officeDocument/2006/relationships" xmlns:c16r2="http://schemas.microsoft.com/office/drawing/2015/06/chart">
+  <c:date1904 val="0"/>
+  <c:lang val="de-DE"/>
+  <c:roundedCorners val="0"/>
+  <mc:AlternateContent xmlns:mc="http://schemas.openxmlformats.org/markup-compatibility/2006">
+    <mc:Choice xmlns:c14="http://schemas.microsoft.com/office/drawing/2007/8/2/chart" Requires="c14">
+      <c14:style val="102"/>
+    </mc:Choice>
+    <mc:Fallback>
+      <c:style val="2"/>
+    </mc:Fallback>
+  </mc:AlternateContent>
+  <c:chart>
+    <c:title>
+      <c:tx>
+        <c:rich>
+          <a:bodyPr rot="0" spcFirstLastPara="1" vertOverflow="ellipsis" vert="horz" wrap="square" anchor="ctr" anchorCtr="1"/>
+          <a:lstStyle/>
+          <a:p>
+            <a:pPr>
+              <a:defRPr sz="1862" b="0" i="0" u="none" strike="noStrike" kern="1200" spc="0" baseline="0">
+                <a:solidFill>
+                  <a:schemeClr val="tx1">
+                    <a:lumMod val="65000"/>
+                    <a:lumOff val="35000"/>
+                  </a:schemeClr>
+                </a:solidFill>
+                <a:latin typeface="+mn-lt"/>
+                <a:ea typeface="+mn-ea"/>
+                <a:cs typeface="+mn-cs"/>
+              </a:defRPr>
+            </a:pPr>
+            <a:r>
+              <a:rPr lang="de-DE" dirty="0" err="1" smtClean="0"/>
+              <a:t>kd-tree</a:t>
+            </a:r>
+            <a:endParaRPr lang="de-DE" dirty="0"/>
+          </a:p>
+        </c:rich>
+      </c:tx>
+      <c:overlay val="0"/>
+      <c:spPr>
+        <a:noFill/>
+        <a:ln>
+          <a:noFill/>
+        </a:ln>
+        <a:effectLst/>
+      </c:spPr>
+      <c:txPr>
+        <a:bodyPr rot="0" spcFirstLastPara="1" vertOverflow="ellipsis" vert="horz" wrap="square" anchor="ctr" anchorCtr="1"/>
+        <a:lstStyle/>
+        <a:p>
+          <a:pPr>
+            <a:defRPr sz="1862" b="0" i="0" u="none" strike="noStrike" kern="1200" spc="0" baseline="0">
+              <a:solidFill>
+                <a:schemeClr val="tx1">
+                  <a:lumMod val="65000"/>
+                  <a:lumOff val="35000"/>
+                </a:schemeClr>
+              </a:solidFill>
+              <a:latin typeface="+mn-lt"/>
+              <a:ea typeface="+mn-ea"/>
+              <a:cs typeface="+mn-cs"/>
+            </a:defRPr>
+          </a:pPr>
+          <a:endParaRPr lang="de-DE"/>
+        </a:p>
+      </c:txPr>
+    </c:title>
+    <c:autoTitleDeleted val="0"/>
+    <c:plotArea>
+      <c:layout/>
+      <c:scatterChart>
+        <c:scatterStyle val="lineMarker"/>
+        <c:varyColors val="0"/>
+        <c:ser>
+          <c:idx val="0"/>
+          <c:order val="0"/>
+          <c:tx>
+            <c:strRef>
+              <c:f>Tabelle1!$B$1</c:f>
+              <c:strCache>
+                <c:ptCount val="1"/>
+                <c:pt idx="0">
+                  <c:v>time in ms</c:v>
+                </c:pt>
+              </c:strCache>
+            </c:strRef>
+          </c:tx>
+          <c:spPr>
+            <a:ln w="28575" cap="rnd">
+              <a:solidFill>
+                <a:schemeClr val="accent1"/>
+              </a:solidFill>
+              <a:round/>
+            </a:ln>
+            <a:effectLst/>
+          </c:spPr>
+          <c:marker>
+            <c:symbol val="circle"/>
+            <c:size val="5"/>
+            <c:spPr>
+              <a:solidFill>
+                <a:schemeClr val="accent1"/>
+              </a:solidFill>
+              <a:ln w="9525">
+                <a:solidFill>
+                  <a:schemeClr val="accent1"/>
+                </a:solidFill>
+              </a:ln>
+              <a:effectLst/>
+            </c:spPr>
+          </c:marker>
+          <c:xVal>
+            <c:numRef>
+              <c:f>Tabelle1!$A$2:$A$5</c:f>
+              <c:numCache>
+                <c:formatCode>General</c:formatCode>
+                <c:ptCount val="4"/>
+                <c:pt idx="0">
+                  <c:v>2117</c:v>
+                </c:pt>
+                <c:pt idx="1">
+                  <c:v>14485</c:v>
+                </c:pt>
+                <c:pt idx="2">
+                  <c:v>305662</c:v>
+                </c:pt>
+                <c:pt idx="3">
+                  <c:v>1283858</c:v>
+                </c:pt>
+              </c:numCache>
+            </c:numRef>
+          </c:xVal>
+          <c:yVal>
+            <c:numRef>
+              <c:f>Tabelle1!$B$2:$B$5</c:f>
+              <c:numCache>
+                <c:formatCode>General</c:formatCode>
+                <c:ptCount val="4"/>
+                <c:pt idx="0">
+                  <c:v>902.2</c:v>
+                </c:pt>
+                <c:pt idx="1">
+                  <c:v>1025</c:v>
+                </c:pt>
+                <c:pt idx="2">
+                  <c:v>1961.5</c:v>
+                </c:pt>
+                <c:pt idx="3">
+                  <c:v>3489.4</c:v>
+                </c:pt>
+              </c:numCache>
+            </c:numRef>
+          </c:yVal>
+          <c:smooth val="0"/>
+          <c:extLst>
+            <c:ext xmlns:c16="http://schemas.microsoft.com/office/drawing/2014/chart" uri="{C3380CC4-5D6E-409C-BE32-E72D297353CC}">
+              <c16:uniqueId val="{00000000-7DE3-49AC-B63C-7E9C5B29289F}"/>
+            </c:ext>
+          </c:extLst>
+        </c:ser>
+        <c:dLbls>
+          <c:showLegendKey val="0"/>
+          <c:showVal val="0"/>
+          <c:showCatName val="0"/>
+          <c:showSerName val="0"/>
+          <c:showPercent val="0"/>
+          <c:showBubbleSize val="0"/>
+        </c:dLbls>
+        <c:axId val="505088136"/>
+        <c:axId val="505083872"/>
+      </c:scatterChart>
+      <c:valAx>
+        <c:axId val="505088136"/>
+        <c:scaling>
+          <c:orientation val="minMax"/>
+        </c:scaling>
+        <c:delete val="0"/>
+        <c:axPos val="b"/>
+        <c:title>
+          <c:tx>
+            <c:rich>
+              <a:bodyPr rot="0" spcFirstLastPara="1" vertOverflow="ellipsis" vert="horz" wrap="square" anchor="ctr" anchorCtr="1"/>
+              <a:lstStyle/>
+              <a:p>
+                <a:pPr>
+                  <a:defRPr sz="1330" b="0" i="0" u="none" strike="noStrike" kern="1200" baseline="0">
+                    <a:solidFill>
+                      <a:schemeClr val="tx1">
+                        <a:lumMod val="65000"/>
+                        <a:lumOff val="35000"/>
+                      </a:schemeClr>
+                    </a:solidFill>
+                    <a:latin typeface="+mn-lt"/>
+                    <a:ea typeface="+mn-ea"/>
+                    <a:cs typeface="+mn-cs"/>
+                  </a:defRPr>
+                </a:pPr>
+                <a:r>
+                  <a:rPr lang="de-DE" dirty="0" err="1" smtClean="0"/>
+                  <a:t>Number</a:t>
+                </a:r>
+                <a:r>
+                  <a:rPr lang="de-DE" baseline="0" dirty="0" smtClean="0"/>
+                  <a:t> </a:t>
+                </a:r>
+                <a:r>
+                  <a:rPr lang="de-DE" baseline="0" dirty="0" err="1" smtClean="0"/>
+                  <a:t>of</a:t>
+                </a:r>
+                <a:r>
+                  <a:rPr lang="de-DE" baseline="0" dirty="0" smtClean="0"/>
+                  <a:t> </a:t>
+                </a:r>
+                <a:r>
+                  <a:rPr lang="de-DE" baseline="0" dirty="0" err="1" smtClean="0"/>
+                  <a:t>triangles</a:t>
+                </a:r>
+                <a:endParaRPr lang="de-DE" dirty="0"/>
+              </a:p>
+            </c:rich>
+          </c:tx>
+          <c:overlay val="0"/>
+          <c:spPr>
+            <a:noFill/>
+            <a:ln>
+              <a:noFill/>
+            </a:ln>
+            <a:effectLst/>
+          </c:spPr>
+          <c:txPr>
+            <a:bodyPr rot="0" spcFirstLastPara="1" vertOverflow="ellipsis" vert="horz" wrap="square" anchor="ctr" anchorCtr="1"/>
+            <a:lstStyle/>
+            <a:p>
+              <a:pPr>
+                <a:defRPr sz="1330" b="0" i="0" u="none" strike="noStrike" kern="1200" baseline="0">
+                  <a:solidFill>
+                    <a:schemeClr val="tx1">
+                      <a:lumMod val="65000"/>
+                      <a:lumOff val="35000"/>
+                    </a:schemeClr>
+                  </a:solidFill>
+                  <a:latin typeface="+mn-lt"/>
+                  <a:ea typeface="+mn-ea"/>
+                  <a:cs typeface="+mn-cs"/>
+                </a:defRPr>
+              </a:pPr>
+              <a:endParaRPr lang="de-DE"/>
+            </a:p>
+          </c:txPr>
+        </c:title>
+        <c:numFmt formatCode="General" sourceLinked="1"/>
+        <c:majorTickMark val="none"/>
+        <c:minorTickMark val="none"/>
+        <c:tickLblPos val="nextTo"/>
+        <c:spPr>
+          <a:noFill/>
+          <a:ln w="9525" cap="flat" cmpd="sng" algn="ctr">
+            <a:solidFill>
+              <a:schemeClr val="tx1">
+                <a:lumMod val="15000"/>
+                <a:lumOff val="85000"/>
+              </a:schemeClr>
+            </a:solidFill>
+            <a:round/>
+          </a:ln>
+          <a:effectLst/>
+        </c:spPr>
+        <c:txPr>
+          <a:bodyPr rot="-60000000" spcFirstLastPara="1" vertOverflow="ellipsis" vert="horz" wrap="square" anchor="ctr" anchorCtr="1"/>
+          <a:lstStyle/>
+          <a:p>
+            <a:pPr>
+              <a:defRPr sz="1197" b="0" i="0" u="none" strike="noStrike" kern="1200" baseline="0">
+                <a:solidFill>
+                  <a:schemeClr val="tx1">
+                    <a:lumMod val="65000"/>
+                    <a:lumOff val="35000"/>
+                  </a:schemeClr>
+                </a:solidFill>
+                <a:latin typeface="+mn-lt"/>
+                <a:ea typeface="+mn-ea"/>
+                <a:cs typeface="+mn-cs"/>
+              </a:defRPr>
+            </a:pPr>
+            <a:endParaRPr lang="de-DE"/>
+          </a:p>
+        </c:txPr>
+        <c:crossAx val="505083872"/>
+        <c:crosses val="autoZero"/>
+        <c:crossBetween val="midCat"/>
+      </c:valAx>
+      <c:valAx>
+        <c:axId val="505083872"/>
+        <c:scaling>
+          <c:orientation val="minMax"/>
+        </c:scaling>
+        <c:delete val="0"/>
+        <c:axPos val="l"/>
+        <c:majorGridlines>
+          <c:spPr>
+            <a:ln w="9525" cap="flat" cmpd="sng" algn="ctr">
+              <a:solidFill>
+                <a:schemeClr val="tx1">
+                  <a:lumMod val="15000"/>
+                  <a:lumOff val="85000"/>
+                </a:schemeClr>
+              </a:solidFill>
+              <a:round/>
+            </a:ln>
+            <a:effectLst/>
+          </c:spPr>
+        </c:majorGridlines>
+        <c:title>
+          <c:tx>
+            <c:rich>
+              <a:bodyPr rot="-5400000" spcFirstLastPara="1" vertOverflow="ellipsis" vert="horz" wrap="square" anchor="ctr" anchorCtr="1"/>
+              <a:lstStyle/>
+              <a:p>
+                <a:pPr>
+                  <a:defRPr sz="1330" b="0" i="0" u="none" strike="noStrike" kern="1200" baseline="0">
+                    <a:solidFill>
+                      <a:schemeClr val="tx1">
+                        <a:lumMod val="65000"/>
+                        <a:lumOff val="35000"/>
+                      </a:schemeClr>
+                    </a:solidFill>
+                    <a:latin typeface="+mn-lt"/>
+                    <a:ea typeface="+mn-ea"/>
+                    <a:cs typeface="+mn-cs"/>
+                  </a:defRPr>
+                </a:pPr>
+                <a:r>
+                  <a:rPr lang="de-DE" dirty="0" smtClean="0"/>
+                  <a:t>Time in </a:t>
+                </a:r>
+                <a:r>
+                  <a:rPr lang="de-DE" dirty="0" err="1" smtClean="0"/>
+                  <a:t>ns</a:t>
+                </a:r>
+                <a:endParaRPr lang="de-DE" dirty="0" smtClean="0"/>
+              </a:p>
+            </c:rich>
+          </c:tx>
+          <c:overlay val="0"/>
+          <c:spPr>
+            <a:noFill/>
+            <a:ln>
+              <a:noFill/>
+            </a:ln>
+            <a:effectLst/>
+          </c:spPr>
+          <c:txPr>
+            <a:bodyPr rot="-5400000" spcFirstLastPara="1" vertOverflow="ellipsis" vert="horz" wrap="square" anchor="ctr" anchorCtr="1"/>
+            <a:lstStyle/>
+            <a:p>
+              <a:pPr>
+                <a:defRPr sz="1330" b="0" i="0" u="none" strike="noStrike" kern="1200" baseline="0">
+                  <a:solidFill>
+                    <a:schemeClr val="tx1">
+                      <a:lumMod val="65000"/>
+                      <a:lumOff val="35000"/>
+                    </a:schemeClr>
+                  </a:solidFill>
+                  <a:latin typeface="+mn-lt"/>
+                  <a:ea typeface="+mn-ea"/>
+                  <a:cs typeface="+mn-cs"/>
+                </a:defRPr>
+              </a:pPr>
+              <a:endParaRPr lang="de-DE"/>
+            </a:p>
+          </c:txPr>
+        </c:title>
+        <c:numFmt formatCode="General" sourceLinked="1"/>
+        <c:majorTickMark val="none"/>
+        <c:minorTickMark val="none"/>
+        <c:tickLblPos val="nextTo"/>
+        <c:spPr>
+          <a:noFill/>
+          <a:ln>
+            <a:noFill/>
+          </a:ln>
+          <a:effectLst/>
+        </c:spPr>
+        <c:txPr>
+          <a:bodyPr rot="-60000000" spcFirstLastPara="1" vertOverflow="ellipsis" vert="horz" wrap="square" anchor="ctr" anchorCtr="1"/>
+          <a:lstStyle/>
+          <a:p>
+            <a:pPr>
+              <a:defRPr sz="1197" b="0" i="0" u="none" strike="noStrike" kern="1200" baseline="0">
+                <a:solidFill>
+                  <a:schemeClr val="tx1">
+                    <a:lumMod val="65000"/>
+                    <a:lumOff val="35000"/>
+                  </a:schemeClr>
+                </a:solidFill>
+                <a:latin typeface="+mn-lt"/>
+                <a:ea typeface="+mn-ea"/>
+                <a:cs typeface="+mn-cs"/>
+              </a:defRPr>
+            </a:pPr>
+            <a:endParaRPr lang="de-DE"/>
+          </a:p>
+        </c:txPr>
+        <c:crossAx val="505088136"/>
+        <c:crosses val="autoZero"/>
+        <c:crossBetween val="midCat"/>
+      </c:valAx>
+      <c:spPr>
+        <a:noFill/>
+        <a:ln>
+          <a:noFill/>
+        </a:ln>
+        <a:effectLst/>
+      </c:spPr>
+    </c:plotArea>
+    <c:plotVisOnly val="1"/>
+    <c:dispBlanksAs val="gap"/>
+    <c:showDLblsOverMax val="0"/>
+  </c:chart>
+  <c:spPr>
+    <a:noFill/>
+    <a:ln>
+      <a:noFill/>
+    </a:ln>
+    <a:effectLst/>
+  </c:spPr>
+  <c:txPr>
+    <a:bodyPr/>
+    <a:lstStyle/>
+    <a:p>
+      <a:pPr>
+        <a:defRPr/>
+      </a:pPr>
+      <a:endParaRPr lang="de-DE"/>
+    </a:p>
+  </c:txPr>
+  <c:externalData r:id="rId3">
+    <c:autoUpdate val="0"/>
+  </c:externalData>
+</c:chartSpace>
+</file>
+
+<file path=ppt/charts/colors1.xml><?xml version="1.0" encoding="utf-8"?>
+<cs:colorStyle xmlns:cs="http://schemas.microsoft.com/office/drawing/2012/chartStyle" xmlns:a="http://schemas.openxmlformats.org/drawingml/2006/main" meth="cycle" id="10">
+  <a:schemeClr val="accent1"/>
+  <a:schemeClr val="accent2"/>
+  <a:schemeClr val="accent3"/>
+  <a:schemeClr val="accent4"/>
+  <a:schemeClr val="accent5"/>
+  <a:schemeClr val="accent6"/>
+  <cs:variation/>
+  <cs:variation>
+    <a:lumMod val="60000"/>
+  </cs:variation>
+  <cs:variation>
+    <a:lumMod val="80000"/>
+    <a:lumOff val="20000"/>
+  </cs:variation>
+  <cs:variation>
+    <a:lumMod val="80000"/>
+  </cs:variation>
+  <cs:variation>
+    <a:lumMod val="60000"/>
+    <a:lumOff val="40000"/>
+  </cs:variation>
+  <cs:variation>
+    <a:lumMod val="50000"/>
+  </cs:variation>
+  <cs:variation>
+    <a:lumMod val="70000"/>
+    <a:lumOff val="30000"/>
+  </cs:variation>
+  <cs:variation>
+    <a:lumMod val="70000"/>
+  </cs:variation>
+  <cs:variation>
+    <a:lumMod val="50000"/>
+    <a:lumOff val="50000"/>
+  </cs:variation>
+</cs:colorStyle>
+</file>
+
+<file path=ppt/charts/colors2.xml><?xml version="1.0" encoding="utf-8"?>
+<cs:colorStyle xmlns:cs="http://schemas.microsoft.com/office/drawing/2012/chartStyle" xmlns:a="http://schemas.openxmlformats.org/drawingml/2006/main" meth="cycle" id="10">
+  <a:schemeClr val="accent1"/>
+  <a:schemeClr val="accent2"/>
+  <a:schemeClr val="accent3"/>
+  <a:schemeClr val="accent4"/>
+  <a:schemeClr val="accent5"/>
+  <a:schemeClr val="accent6"/>
+  <cs:variation/>
+  <cs:variation>
+    <a:lumMod val="60000"/>
+  </cs:variation>
+  <cs:variation>
+    <a:lumMod val="80000"/>
+    <a:lumOff val="20000"/>
+  </cs:variation>
+  <cs:variation>
+    <a:lumMod val="80000"/>
+  </cs:variation>
+  <cs:variation>
+    <a:lumMod val="60000"/>
+    <a:lumOff val="40000"/>
+  </cs:variation>
+  <cs:variation>
+    <a:lumMod val="50000"/>
+  </cs:variation>
+  <cs:variation>
+    <a:lumMod val="70000"/>
+    <a:lumOff val="30000"/>
+  </cs:variation>
+  <cs:variation>
+    <a:lumMod val="70000"/>
+  </cs:variation>
+  <cs:variation>
+    <a:lumMod val="50000"/>
+    <a:lumOff val="50000"/>
+  </cs:variation>
+</cs:colorStyle>
+</file>
+
+<file path=ppt/charts/style1.xml><?xml version="1.0" encoding="utf-8"?>
+<cs:chartStyle xmlns:cs="http://schemas.microsoft.com/office/drawing/2012/chartStyle" xmlns:a="http://schemas.openxmlformats.org/drawingml/2006/main" id="227">
+  <cs:axisTitle>
+    <cs:lnRef idx="0"/>
+    <cs:fillRef idx="0"/>
+    <cs:effectRef idx="0"/>
+    <cs:fontRef idx="minor">
+      <a:schemeClr val="tx1">
+        <a:lumMod val="65000"/>
+        <a:lumOff val="35000"/>
+      </a:schemeClr>
+    </cs:fontRef>
+    <cs:defRPr sz="1330" kern="1200"/>
+  </cs:axisTitle>
+  <cs:categoryAxis>
+    <cs:lnRef idx="0"/>
+    <cs:fillRef idx="0"/>
+    <cs:effectRef idx="0"/>
+    <cs:fontRef idx="minor">
+      <a:schemeClr val="tx1">
+        <a:lumMod val="65000"/>
+        <a:lumOff val="35000"/>
+      </a:schemeClr>
+    </cs:fontRef>
+    <cs:spPr>
+      <a:ln w="9525" cap="flat" cmpd="sng" algn="ctr">
+        <a:solidFill>
+          <a:schemeClr val="tx1">
+            <a:lumMod val="15000"/>
+            <a:lumOff val="85000"/>
+          </a:schemeClr>
+        </a:solidFill>
+        <a:round/>
+      </a:ln>
+    </cs:spPr>
+    <cs:defRPr sz="1197" kern="1200"/>
+  </cs:categoryAxis>
+  <cs:chartArea mods="allowNoFillOverride allowNoLineOverride">
+    <cs:lnRef idx="0"/>
+    <cs:fillRef idx="0"/>
+    <cs:effectRef idx="0"/>
+    <cs:fontRef idx="minor">
+      <a:schemeClr val="tx1"/>
+    </cs:fontRef>
+    <cs:spPr>
+      <a:solidFill>
+        <a:schemeClr val="bg1"/>
+      </a:solidFill>
+      <a:ln w="9525" cap="flat" cmpd="sng" algn="ctr">
+        <a:solidFill>
+          <a:schemeClr val="tx1">
+            <a:lumMod val="15000"/>
+            <a:lumOff val="85000"/>
+          </a:schemeClr>
+        </a:solidFill>
+        <a:round/>
+      </a:ln>
+    </cs:spPr>
+    <cs:defRPr sz="1330" kern="1200"/>
+  </cs:chartArea>
+  <cs:dataLabel>
+    <cs:lnRef idx="0"/>
+    <cs:fillRef idx="0"/>
+    <cs:effectRef idx="0"/>
+    <cs:fontRef idx="minor">
+      <a:schemeClr val="tx1">
+        <a:lumMod val="75000"/>
+        <a:lumOff val="25000"/>
+      </a:schemeClr>
+    </cs:fontRef>
+    <cs:defRPr sz="1197" kern="1200"/>
+  </cs:dataLabel>
+  <cs:dataLabelCallout>
+    <cs:lnRef idx="0"/>
+    <cs:fillRef idx="0"/>
+    <cs:effectRef idx="0"/>
+    <cs:fontRef idx="minor">
+      <a:schemeClr val="dk1">
+        <a:lumMod val="65000"/>
+        <a:lumOff val="35000"/>
+      </a:schemeClr>
+    </cs:fontRef>
+    <cs:spPr>
+      <a:solidFill>
+        <a:schemeClr val="lt1"/>
+      </a:solidFill>
+      <a:ln>
+        <a:solidFill>
+          <a:schemeClr val="dk1">
+            <a:lumMod val="25000"/>
+            <a:lumOff val="75000"/>
+          </a:schemeClr>
+        </a:solidFill>
+      </a:ln>
+    </cs:spPr>
+    <cs:defRPr sz="1197" kern="1200"/>
+    <cs:bodyPr rot="0" spcFirstLastPara="1" vertOverflow="clip" horzOverflow="clip" vert="horz" wrap="square" lIns="36576" tIns="18288" rIns="36576" bIns="18288" anchor="ctr" anchorCtr="1">
+      <a:spAutoFit/>
+    </cs:bodyPr>
+  </cs:dataLabelCallout>
+  <cs:dataPoint>
+    <cs:lnRef idx="0"/>
+    <cs:fillRef idx="1">
+      <cs:styleClr val="auto"/>
+    </cs:fillRef>
+    <cs:effectRef idx="0"/>
+    <cs:fontRef idx="minor">
+      <a:schemeClr val="tx1"/>
+    </cs:fontRef>
+    <cs:spPr>
+      <a:solidFill>
+        <a:schemeClr val="phClr"/>
+      </a:solidFill>
+    </cs:spPr>
+  </cs:dataPoint>
+  <cs:dataPoint3D>
+    <cs:lnRef idx="0"/>
+    <cs:fillRef idx="1">
+      <cs:styleClr val="auto"/>
+    </cs:fillRef>
+    <cs:effectRef idx="0"/>
+    <cs:fontRef idx="minor">
+      <a:schemeClr val="tx1"/>
+    </cs:fontRef>
+    <cs:spPr>
+      <a:solidFill>
+        <a:schemeClr val="phClr"/>
+      </a:solidFill>
+    </cs:spPr>
+  </cs:dataPoint3D>
+  <cs:dataPointLine>
+    <cs:lnRef idx="0">
+      <cs:styleClr val="auto"/>
+    </cs:lnRef>
+    <cs:fillRef idx="1"/>
+    <cs:effectRef idx="0"/>
+    <cs:fontRef idx="minor">
+      <a:schemeClr val="tx1"/>
+    </cs:fontRef>
+    <cs:spPr>
+      <a:ln w="28575" cap="rnd">
+        <a:solidFill>
+          <a:schemeClr val="phClr"/>
+        </a:solidFill>
+        <a:round/>
+      </a:ln>
+    </cs:spPr>
+  </cs:dataPointLine>
+  <cs:dataPointMarker>
+    <cs:lnRef idx="0">
+      <cs:styleClr val="auto"/>
+    </cs:lnRef>
+    <cs:fillRef idx="1">
+      <cs:styleClr val="auto"/>
+    </cs:fillRef>
+    <cs:effectRef idx="0"/>
+    <cs:fontRef idx="minor">
+      <a:schemeClr val="tx1"/>
+    </cs:fontRef>
+    <cs:spPr>
+      <a:solidFill>
+        <a:schemeClr val="phClr"/>
+      </a:solidFill>
+      <a:ln w="9525">
+        <a:solidFill>
+          <a:schemeClr val="phClr"/>
+        </a:solidFill>
+      </a:ln>
+    </cs:spPr>
+  </cs:dataPointMarker>
+  <cs:dataPointMarkerLayout symbol="circle" size="5"/>
+  <cs:dataPointWireframe>
+    <cs:lnRef idx="0">
+      <cs:styleClr val="auto"/>
+    </cs:lnRef>
+    <cs:fillRef idx="1"/>
+    <cs:effectRef idx="0"/>
+    <cs:fontRef idx="minor">
+      <a:schemeClr val="tx1"/>
+    </cs:fontRef>
+    <cs:spPr>
+      <a:ln w="9525" cap="rnd">
+        <a:solidFill>
+          <a:schemeClr val="phClr"/>
+        </a:solidFill>
+        <a:round/>
+      </a:ln>
+    </cs:spPr>
+  </cs:dataPointWireframe>
+  <cs:dataTable>
+    <cs:lnRef idx="0"/>
+    <cs:fillRef idx="0"/>
+    <cs:effectRef idx="0"/>
+    <cs:fontRef idx="minor">
+      <a:schemeClr val="tx1">
+        <a:lumMod val="65000"/>
+        <a:lumOff val="35000"/>
+      </a:schemeClr>
+    </cs:fontRef>
+    <cs:spPr>
+      <a:noFill/>
+      <a:ln w="9525" cap="flat" cmpd="sng" algn="ctr">
+        <a:solidFill>
+          <a:schemeClr val="tx1">
+            <a:lumMod val="15000"/>
+            <a:lumOff val="85000"/>
+          </a:schemeClr>
+        </a:solidFill>
+        <a:round/>
+      </a:ln>
+    </cs:spPr>
+    <cs:defRPr sz="1197" kern="1200"/>
+  </cs:dataTable>
+  <cs:downBar>
+    <cs:lnRef idx="0"/>
+    <cs:fillRef idx="0"/>
+    <cs:effectRef idx="0"/>
+    <cs:fontRef idx="minor">
+      <a:schemeClr val="dk1"/>
+    </cs:fontRef>
+    <cs:spPr>
+      <a:solidFill>
+        <a:schemeClr val="dk1">
+          <a:lumMod val="65000"/>
+          <a:lumOff val="35000"/>
+        </a:schemeClr>
+      </a:solidFill>
+      <a:ln w="9525">
+        <a:solidFill>
+          <a:schemeClr val="tx1">
+            <a:lumMod val="65000"/>
+            <a:lumOff val="35000"/>
+          </a:schemeClr>
+        </a:solidFill>
+      </a:ln>
+    </cs:spPr>
+  </cs:downBar>
+  <cs:dropLine>
+    <cs:lnRef idx="0"/>
+    <cs:fillRef idx="0"/>
+    <cs:effectRef idx="0"/>
+    <cs:fontRef idx="minor">
+      <a:schemeClr val="tx1"/>
+    </cs:fontRef>
+    <cs:spPr>
+      <a:ln w="9525" cap="flat" cmpd="sng" algn="ctr">
+        <a:solidFill>
+          <a:schemeClr val="tx1">
+            <a:lumMod val="35000"/>
+            <a:lumOff val="65000"/>
+          </a:schemeClr>
+        </a:solidFill>
+        <a:round/>
+      </a:ln>
+    </cs:spPr>
+  </cs:dropLine>
+  <cs:errorBar>
+    <cs:lnRef idx="0"/>
+    <cs:fillRef idx="0"/>
+    <cs:effectRef idx="0"/>
+    <cs:fontRef idx="minor">
+      <a:schemeClr val="tx1"/>
+    </cs:fontRef>
+    <cs:spPr>
+      <a:ln w="9525" cap="flat" cmpd="sng" algn="ctr">
+        <a:solidFill>
+          <a:schemeClr val="tx1">
+            <a:lumMod val="65000"/>
+            <a:lumOff val="35000"/>
+          </a:schemeClr>
+        </a:solidFill>
+        <a:round/>
+      </a:ln>
+    </cs:spPr>
+  </cs:errorBar>
+  <cs:floor>
+    <cs:lnRef idx="0"/>
+    <cs:fillRef idx="0"/>
+    <cs:effectRef idx="0"/>
+    <cs:fontRef idx="minor">
+      <a:schemeClr val="tx1"/>
+    </cs:fontRef>
+    <cs:spPr>
+      <a:noFill/>
+      <a:ln>
+        <a:noFill/>
+      </a:ln>
+    </cs:spPr>
+  </cs:floor>
+  <cs:gridlineMajor>
+    <cs:lnRef idx="0"/>
+    <cs:fillRef idx="0"/>
+    <cs:effectRef idx="0"/>
+    <cs:fontRef idx="minor">
+      <a:schemeClr val="tx1"/>
+    </cs:fontRef>
+    <cs:spPr>
+      <a:ln w="9525" cap="flat" cmpd="sng" algn="ctr">
+        <a:solidFill>
+          <a:schemeClr val="tx1">
+            <a:lumMod val="15000"/>
+            <a:lumOff val="85000"/>
+          </a:schemeClr>
+        </a:solidFill>
+        <a:round/>
+      </a:ln>
+    </cs:spPr>
+  </cs:gridlineMajor>
+  <cs:gridlineMinor>
+    <cs:lnRef idx="0"/>
+    <cs:fillRef idx="0"/>
+    <cs:effectRef idx="0"/>
+    <cs:fontRef idx="minor">
+      <a:schemeClr val="tx1"/>
+    </cs:fontRef>
+    <cs:spPr>
+      <a:ln w="9525" cap="flat" cmpd="sng" algn="ctr">
+        <a:solidFill>
+          <a:schemeClr val="tx1">
+            <a:lumMod val="5000"/>
+            <a:lumOff val="95000"/>
+          </a:schemeClr>
+        </a:solidFill>
+        <a:round/>
+      </a:ln>
+    </cs:spPr>
+  </cs:gridlineMinor>
+  <cs:hiLoLine>
+    <cs:lnRef idx="0"/>
+    <cs:fillRef idx="0"/>
+    <cs:effectRef idx="0"/>
+    <cs:fontRef idx="minor">
+      <a:schemeClr val="tx1"/>
+    </cs:fontRef>
+    <cs:spPr>
+      <a:ln w="9525" cap="flat" cmpd="sng" algn="ctr">
+        <a:solidFill>
+          <a:schemeClr val="tx1">
+            <a:lumMod val="75000"/>
+            <a:lumOff val="25000"/>
+          </a:schemeClr>
+        </a:solidFill>
+        <a:round/>
+      </a:ln>
+    </cs:spPr>
+  </cs:hiLoLine>
+  <cs:leaderLine>
+    <cs:lnRef idx="0"/>
+    <cs:fillRef idx="0"/>
+    <cs:effectRef idx="0"/>
+    <cs:fontRef idx="minor">
+      <a:schemeClr val="tx1"/>
+    </cs:fontRef>
+    <cs:spPr>
+      <a:ln w="9525" cap="flat" cmpd="sng" algn="ctr">
+        <a:solidFill>
+          <a:schemeClr val="tx1">
+            <a:lumMod val="35000"/>
+            <a:lumOff val="65000"/>
+          </a:schemeClr>
+        </a:solidFill>
+        <a:round/>
+      </a:ln>
+    </cs:spPr>
+  </cs:leaderLine>
+  <cs:legend>
+    <cs:lnRef idx="0"/>
+    <cs:fillRef idx="0"/>
+    <cs:effectRef idx="0"/>
+    <cs:fontRef idx="minor">
+      <a:schemeClr val="tx1">
+        <a:lumMod val="65000"/>
+        <a:lumOff val="35000"/>
+      </a:schemeClr>
+    </cs:fontRef>
+    <cs:defRPr sz="1197" kern="1200"/>
+  </cs:legend>
+  <cs:plotArea mods="allowNoFillOverride allowNoLineOverride">
+    <cs:lnRef idx="0"/>
+    <cs:fillRef idx="0"/>
+    <cs:effectRef idx="0"/>
+    <cs:fontRef idx="minor">
+      <a:schemeClr val="tx1"/>
+    </cs:fontRef>
+  </cs:plotArea>
+  <cs:plotArea3D mods="allowNoFillOverride allowNoLineOverride">
+    <cs:lnRef idx="0"/>
+    <cs:fillRef idx="0"/>
+    <cs:effectRef idx="0"/>
+    <cs:fontRef idx="minor">
+      <a:schemeClr val="tx1"/>
+    </cs:fontRef>
+  </cs:plotArea3D>
+  <cs:seriesAxis>
+    <cs:lnRef idx="0"/>
+    <cs:fillRef idx="0"/>
+    <cs:effectRef idx="0"/>
+    <cs:fontRef idx="minor">
+      <a:schemeClr val="tx1">
+        <a:lumMod val="65000"/>
+        <a:lumOff val="35000"/>
+      </a:schemeClr>
+    </cs:fontRef>
+    <cs:defRPr sz="1197" kern="1200"/>
+  </cs:seriesAxis>
+  <cs:seriesLine>
+    <cs:lnRef idx="0"/>
+    <cs:fillRef idx="0"/>
+    <cs:effectRef idx="0"/>
+    <cs:fontRef idx="minor">
+      <a:schemeClr val="tx1"/>
+    </cs:fontRef>
+    <cs:spPr>
+      <a:ln w="9525" cap="flat" cmpd="sng" algn="ctr">
+        <a:solidFill>
+          <a:schemeClr val="tx1">
+            <a:lumMod val="35000"/>
+            <a:lumOff val="65000"/>
+          </a:schemeClr>
+        </a:solidFill>
+        <a:round/>
+      </a:ln>
+    </cs:spPr>
+  </cs:seriesLine>
+  <cs:title>
+    <cs:lnRef idx="0"/>
+    <cs:fillRef idx="0"/>
+    <cs:effectRef idx="0"/>
+    <cs:fontRef idx="minor">
+      <a:schemeClr val="tx1">
+        <a:lumMod val="65000"/>
+        <a:lumOff val="35000"/>
+      </a:schemeClr>
+    </cs:fontRef>
+    <cs:defRPr sz="1862" b="0" kern="1200" spc="0" baseline="0"/>
+  </cs:title>
+  <cs:trendline>
+    <cs:lnRef idx="0">
+      <cs:styleClr val="auto"/>
+    </cs:lnRef>
+    <cs:fillRef idx="0"/>
+    <cs:effectRef idx="0"/>
+    <cs:fontRef idx="minor">
+      <a:schemeClr val="tx1"/>
+    </cs:fontRef>
+    <cs:spPr>
+      <a:ln w="19050" cap="rnd">
+        <a:solidFill>
+          <a:schemeClr val="phClr"/>
+        </a:solidFill>
+        <a:prstDash val="sysDot"/>
+      </a:ln>
+    </cs:spPr>
+  </cs:trendline>
+  <cs:trendlineLabel>
+    <cs:lnRef idx="0"/>
+    <cs:fillRef idx="0"/>
+    <cs:effectRef idx="0"/>
+    <cs:fontRef idx="minor">
+      <a:schemeClr val="tx1">
+        <a:lumMod val="65000"/>
+        <a:lumOff val="35000"/>
+      </a:schemeClr>
+    </cs:fontRef>
+    <cs:defRPr sz="1197" kern="1200"/>
+  </cs:trendlineLabel>
+  <cs:upBar>
+    <cs:lnRef idx="0"/>
+    <cs:fillRef idx="0"/>
+    <cs:effectRef idx="0"/>
+    <cs:fontRef idx="minor">
+      <a:schemeClr val="dk1"/>
+    </cs:fontRef>
+    <cs:spPr>
+      <a:solidFill>
+        <a:schemeClr val="lt1"/>
+      </a:solidFill>
+      <a:ln w="9525">
+        <a:solidFill>
+          <a:schemeClr val="tx1">
+            <a:lumMod val="15000"/>
+            <a:lumOff val="85000"/>
+          </a:schemeClr>
+        </a:solidFill>
+      </a:ln>
+    </cs:spPr>
+  </cs:upBar>
+  <cs:valueAxis>
+    <cs:lnRef idx="0"/>
+    <cs:fillRef idx="0"/>
+    <cs:effectRef idx="0"/>
+    <cs:fontRef idx="minor">
+      <a:schemeClr val="tx1">
+        <a:lumMod val="65000"/>
+        <a:lumOff val="35000"/>
+      </a:schemeClr>
+    </cs:fontRef>
+    <cs:defRPr sz="1197" kern="1200"/>
+  </cs:valueAxis>
+  <cs:wall>
+    <cs:lnRef idx="0"/>
+    <cs:fillRef idx="0"/>
+    <cs:effectRef idx="0"/>
+    <cs:fontRef idx="minor">
+      <a:schemeClr val="tx1"/>
+    </cs:fontRef>
+    <cs:spPr>
+      <a:noFill/>
+      <a:ln>
+        <a:noFill/>
+      </a:ln>
+    </cs:spPr>
+  </cs:wall>
+</cs:chartStyle>
+</file>
+
+<file path=ppt/charts/style2.xml><?xml version="1.0" encoding="utf-8"?>
+<cs:chartStyle xmlns:cs="http://schemas.microsoft.com/office/drawing/2012/chartStyle" xmlns:a="http://schemas.openxmlformats.org/drawingml/2006/main" id="227">
+  <cs:axisTitle>
+    <cs:lnRef idx="0"/>
+    <cs:fillRef idx="0"/>
+    <cs:effectRef idx="0"/>
+    <cs:fontRef idx="minor">
+      <a:schemeClr val="tx1">
+        <a:lumMod val="65000"/>
+        <a:lumOff val="35000"/>
+      </a:schemeClr>
+    </cs:fontRef>
+    <cs:defRPr sz="1330" kern="1200"/>
+  </cs:axisTitle>
+  <cs:categoryAxis>
+    <cs:lnRef idx="0"/>
+    <cs:fillRef idx="0"/>
+    <cs:effectRef idx="0"/>
+    <cs:fontRef idx="minor">
+      <a:schemeClr val="tx1">
+        <a:lumMod val="65000"/>
+        <a:lumOff val="35000"/>
+      </a:schemeClr>
+    </cs:fontRef>
+    <cs:spPr>
+      <a:ln w="9525" cap="flat" cmpd="sng" algn="ctr">
+        <a:solidFill>
+          <a:schemeClr val="tx1">
+            <a:lumMod val="15000"/>
+            <a:lumOff val="85000"/>
+          </a:schemeClr>
+        </a:solidFill>
+        <a:round/>
+      </a:ln>
+    </cs:spPr>
+    <cs:defRPr sz="1197" kern="1200"/>
+  </cs:categoryAxis>
+  <cs:chartArea mods="allowNoFillOverride allowNoLineOverride">
+    <cs:lnRef idx="0"/>
+    <cs:fillRef idx="0"/>
+    <cs:effectRef idx="0"/>
+    <cs:fontRef idx="minor">
+      <a:schemeClr val="tx1"/>
+    </cs:fontRef>
+    <cs:spPr>
+      <a:solidFill>
+        <a:schemeClr val="bg1"/>
+      </a:solidFill>
+      <a:ln w="9525" cap="flat" cmpd="sng" algn="ctr">
+        <a:solidFill>
+          <a:schemeClr val="tx1">
+            <a:lumMod val="15000"/>
+            <a:lumOff val="85000"/>
+          </a:schemeClr>
+        </a:solidFill>
+        <a:round/>
+      </a:ln>
+    </cs:spPr>
+    <cs:defRPr sz="1330" kern="1200"/>
+  </cs:chartArea>
+  <cs:dataLabel>
+    <cs:lnRef idx="0"/>
+    <cs:fillRef idx="0"/>
+    <cs:effectRef idx="0"/>
+    <cs:fontRef idx="minor">
+      <a:schemeClr val="tx1">
+        <a:lumMod val="75000"/>
+        <a:lumOff val="25000"/>
+      </a:schemeClr>
+    </cs:fontRef>
+    <cs:defRPr sz="1197" kern="1200"/>
+  </cs:dataLabel>
+  <cs:dataLabelCallout>
+    <cs:lnRef idx="0"/>
+    <cs:fillRef idx="0"/>
+    <cs:effectRef idx="0"/>
+    <cs:fontRef idx="minor">
+      <a:schemeClr val="dk1">
+        <a:lumMod val="65000"/>
+        <a:lumOff val="35000"/>
+      </a:schemeClr>
+    </cs:fontRef>
+    <cs:spPr>
+      <a:solidFill>
+        <a:schemeClr val="lt1"/>
+      </a:solidFill>
+      <a:ln>
+        <a:solidFill>
+          <a:schemeClr val="dk1">
+            <a:lumMod val="25000"/>
+            <a:lumOff val="75000"/>
+          </a:schemeClr>
+        </a:solidFill>
+      </a:ln>
+    </cs:spPr>
+    <cs:defRPr sz="1197" kern="1200"/>
+    <cs:bodyPr rot="0" spcFirstLastPara="1" vertOverflow="clip" horzOverflow="clip" vert="horz" wrap="square" lIns="36576" tIns="18288" rIns="36576" bIns="18288" anchor="ctr" anchorCtr="1">
+      <a:spAutoFit/>
+    </cs:bodyPr>
+  </cs:dataLabelCallout>
+  <cs:dataPoint>
+    <cs:lnRef idx="0"/>
+    <cs:fillRef idx="1">
+      <cs:styleClr val="auto"/>
+    </cs:fillRef>
+    <cs:effectRef idx="0"/>
+    <cs:fontRef idx="minor">
+      <a:schemeClr val="tx1"/>
+    </cs:fontRef>
+    <cs:spPr>
+      <a:solidFill>
+        <a:schemeClr val="phClr"/>
+      </a:solidFill>
+    </cs:spPr>
+  </cs:dataPoint>
+  <cs:dataPoint3D>
+    <cs:lnRef idx="0"/>
+    <cs:fillRef idx="1">
+      <cs:styleClr val="auto"/>
+    </cs:fillRef>
+    <cs:effectRef idx="0"/>
+    <cs:fontRef idx="minor">
+      <a:schemeClr val="tx1"/>
+    </cs:fontRef>
+    <cs:spPr>
+      <a:solidFill>
+        <a:schemeClr val="phClr"/>
+      </a:solidFill>
+    </cs:spPr>
+  </cs:dataPoint3D>
+  <cs:dataPointLine>
+    <cs:lnRef idx="0">
+      <cs:styleClr val="auto"/>
+    </cs:lnRef>
+    <cs:fillRef idx="1"/>
+    <cs:effectRef idx="0"/>
+    <cs:fontRef idx="minor">
+      <a:schemeClr val="tx1"/>
+    </cs:fontRef>
+    <cs:spPr>
+      <a:ln w="28575" cap="rnd">
+        <a:solidFill>
+          <a:schemeClr val="phClr"/>
+        </a:solidFill>
+        <a:round/>
+      </a:ln>
+    </cs:spPr>
+  </cs:dataPointLine>
+  <cs:dataPointMarker>
+    <cs:lnRef idx="0">
+      <cs:styleClr val="auto"/>
+    </cs:lnRef>
+    <cs:fillRef idx="1">
+      <cs:styleClr val="auto"/>
+    </cs:fillRef>
+    <cs:effectRef idx="0"/>
+    <cs:fontRef idx="minor">
+      <a:schemeClr val="tx1"/>
+    </cs:fontRef>
+    <cs:spPr>
+      <a:solidFill>
+        <a:schemeClr val="phClr"/>
+      </a:solidFill>
+      <a:ln w="9525">
+        <a:solidFill>
+          <a:schemeClr val="phClr"/>
+        </a:solidFill>
+      </a:ln>
+    </cs:spPr>
+  </cs:dataPointMarker>
+  <cs:dataPointMarkerLayout symbol="circle" size="5"/>
+  <cs:dataPointWireframe>
+    <cs:lnRef idx="0">
+      <cs:styleClr val="auto"/>
+    </cs:lnRef>
+    <cs:fillRef idx="1"/>
+    <cs:effectRef idx="0"/>
+    <cs:fontRef idx="minor">
+      <a:schemeClr val="tx1"/>
+    </cs:fontRef>
+    <cs:spPr>
+      <a:ln w="9525" cap="rnd">
+        <a:solidFill>
+          <a:schemeClr val="phClr"/>
+        </a:solidFill>
+        <a:round/>
+      </a:ln>
+    </cs:spPr>
+  </cs:dataPointWireframe>
+  <cs:dataTable>
+    <cs:lnRef idx="0"/>
+    <cs:fillRef idx="0"/>
+    <cs:effectRef idx="0"/>
+    <cs:fontRef idx="minor">
+      <a:schemeClr val="tx1">
+        <a:lumMod val="65000"/>
+        <a:lumOff val="35000"/>
+      </a:schemeClr>
+    </cs:fontRef>
+    <cs:spPr>
+      <a:noFill/>
+      <a:ln w="9525" cap="flat" cmpd="sng" algn="ctr">
+        <a:solidFill>
+          <a:schemeClr val="tx1">
+            <a:lumMod val="15000"/>
+            <a:lumOff val="85000"/>
+          </a:schemeClr>
+        </a:solidFill>
+        <a:round/>
+      </a:ln>
+    </cs:spPr>
+    <cs:defRPr sz="1197" kern="1200"/>
+  </cs:dataTable>
+  <cs:downBar>
+    <cs:lnRef idx="0"/>
+    <cs:fillRef idx="0"/>
+    <cs:effectRef idx="0"/>
+    <cs:fontRef idx="minor">
+      <a:schemeClr val="dk1"/>
+    </cs:fontRef>
+    <cs:spPr>
+      <a:solidFill>
+        <a:schemeClr val="dk1">
+          <a:lumMod val="65000"/>
+          <a:lumOff val="35000"/>
+        </a:schemeClr>
+      </a:solidFill>
+      <a:ln w="9525">
+        <a:solidFill>
+          <a:schemeClr val="tx1">
+            <a:lumMod val="65000"/>
+            <a:lumOff val="35000"/>
+          </a:schemeClr>
+        </a:solidFill>
+      </a:ln>
+    </cs:spPr>
+  </cs:downBar>
+  <cs:dropLine>
+    <cs:lnRef idx="0"/>
+    <cs:fillRef idx="0"/>
+    <cs:effectRef idx="0"/>
+    <cs:fontRef idx="minor">
+      <a:schemeClr val="tx1"/>
+    </cs:fontRef>
+    <cs:spPr>
+      <a:ln w="9525" cap="flat" cmpd="sng" algn="ctr">
+        <a:solidFill>
+          <a:schemeClr val="tx1">
+            <a:lumMod val="35000"/>
+            <a:lumOff val="65000"/>
+          </a:schemeClr>
+        </a:solidFill>
+        <a:round/>
+      </a:ln>
+    </cs:spPr>
+  </cs:dropLine>
+  <cs:errorBar>
+    <cs:lnRef idx="0"/>
+    <cs:fillRef idx="0"/>
+    <cs:effectRef idx="0"/>
+    <cs:fontRef idx="minor">
+      <a:schemeClr val="tx1"/>
+    </cs:fontRef>
+    <cs:spPr>
+      <a:ln w="9525" cap="flat" cmpd="sng" algn="ctr">
+        <a:solidFill>
+          <a:schemeClr val="tx1">
+            <a:lumMod val="65000"/>
+            <a:lumOff val="35000"/>
+          </a:schemeClr>
+        </a:solidFill>
+        <a:round/>
+      </a:ln>
+    </cs:spPr>
+  </cs:errorBar>
+  <cs:floor>
+    <cs:lnRef idx="0"/>
+    <cs:fillRef idx="0"/>
+    <cs:effectRef idx="0"/>
+    <cs:fontRef idx="minor">
+      <a:schemeClr val="tx1"/>
+    </cs:fontRef>
+    <cs:spPr>
+      <a:noFill/>
+      <a:ln>
+        <a:noFill/>
+      </a:ln>
+    </cs:spPr>
+  </cs:floor>
+  <cs:gridlineMajor>
+    <cs:lnRef idx="0"/>
+    <cs:fillRef idx="0"/>
+    <cs:effectRef idx="0"/>
+    <cs:fontRef idx="minor">
+      <a:schemeClr val="tx1"/>
+    </cs:fontRef>
+    <cs:spPr>
+      <a:ln w="9525" cap="flat" cmpd="sng" algn="ctr">
+        <a:solidFill>
+          <a:schemeClr val="tx1">
+            <a:lumMod val="15000"/>
+            <a:lumOff val="85000"/>
+          </a:schemeClr>
+        </a:solidFill>
+        <a:round/>
+      </a:ln>
+    </cs:spPr>
+  </cs:gridlineMajor>
+  <cs:gridlineMinor>
+    <cs:lnRef idx="0"/>
+    <cs:fillRef idx="0"/>
+    <cs:effectRef idx="0"/>
+    <cs:fontRef idx="minor">
+      <a:schemeClr val="tx1"/>
+    </cs:fontRef>
+    <cs:spPr>
+      <a:ln w="9525" cap="flat" cmpd="sng" algn="ctr">
+        <a:solidFill>
+          <a:schemeClr val="tx1">
+            <a:lumMod val="5000"/>
+            <a:lumOff val="95000"/>
+          </a:schemeClr>
+        </a:solidFill>
+        <a:round/>
+      </a:ln>
+    </cs:spPr>
+  </cs:gridlineMinor>
+  <cs:hiLoLine>
+    <cs:lnRef idx="0"/>
+    <cs:fillRef idx="0"/>
+    <cs:effectRef idx="0"/>
+    <cs:fontRef idx="minor">
+      <a:schemeClr val="tx1"/>
+    </cs:fontRef>
+    <cs:spPr>
+      <a:ln w="9525" cap="flat" cmpd="sng" algn="ctr">
+        <a:solidFill>
+          <a:schemeClr val="tx1">
+            <a:lumMod val="75000"/>
+            <a:lumOff val="25000"/>
+          </a:schemeClr>
+        </a:solidFill>
+        <a:round/>
+      </a:ln>
+    </cs:spPr>
+  </cs:hiLoLine>
+  <cs:leaderLine>
+    <cs:lnRef idx="0"/>
+    <cs:fillRef idx="0"/>
+    <cs:effectRef idx="0"/>
+    <cs:fontRef idx="minor">
+      <a:schemeClr val="tx1"/>
+    </cs:fontRef>
+    <cs:spPr>
+      <a:ln w="9525" cap="flat" cmpd="sng" algn="ctr">
+        <a:solidFill>
+          <a:schemeClr val="tx1">
+            <a:lumMod val="35000"/>
+            <a:lumOff val="65000"/>
+          </a:schemeClr>
+        </a:solidFill>
+        <a:round/>
+      </a:ln>
+    </cs:spPr>
+  </cs:leaderLine>
+  <cs:legend>
+    <cs:lnRef idx="0"/>
+    <cs:fillRef idx="0"/>
+    <cs:effectRef idx="0"/>
+    <cs:fontRef idx="minor">
+      <a:schemeClr val="tx1">
+        <a:lumMod val="65000"/>
+        <a:lumOff val="35000"/>
+      </a:schemeClr>
+    </cs:fontRef>
+    <cs:defRPr sz="1197" kern="1200"/>
+  </cs:legend>
+  <cs:plotArea mods="allowNoFillOverride allowNoLineOverride">
+    <cs:lnRef idx="0"/>
+    <cs:fillRef idx="0"/>
+    <cs:effectRef idx="0"/>
+    <cs:fontRef idx="minor">
+      <a:schemeClr val="tx1"/>
+    </cs:fontRef>
+  </cs:plotArea>
+  <cs:plotArea3D mods="allowNoFillOverride allowNoLineOverride">
+    <cs:lnRef idx="0"/>
+    <cs:fillRef idx="0"/>
+    <cs:effectRef idx="0"/>
+    <cs:fontRef idx="minor">
+      <a:schemeClr val="tx1"/>
+    </cs:fontRef>
+  </cs:plotArea3D>
+  <cs:seriesAxis>
+    <cs:lnRef idx="0"/>
+    <cs:fillRef idx="0"/>
+    <cs:effectRef idx="0"/>
+    <cs:fontRef idx="minor">
+      <a:schemeClr val="tx1">
+        <a:lumMod val="65000"/>
+        <a:lumOff val="35000"/>
+      </a:schemeClr>
+    </cs:fontRef>
+    <cs:defRPr sz="1197" kern="1200"/>
+  </cs:seriesAxis>
+  <cs:seriesLine>
+    <cs:lnRef idx="0"/>
+    <cs:fillRef idx="0"/>
+    <cs:effectRef idx="0"/>
+    <cs:fontRef idx="minor">
+      <a:schemeClr val="tx1"/>
+    </cs:fontRef>
+    <cs:spPr>
+      <a:ln w="9525" cap="flat" cmpd="sng" algn="ctr">
+        <a:solidFill>
+          <a:schemeClr val="tx1">
+            <a:lumMod val="35000"/>
+            <a:lumOff val="65000"/>
+          </a:schemeClr>
+        </a:solidFill>
+        <a:round/>
+      </a:ln>
+    </cs:spPr>
+  </cs:seriesLine>
+  <cs:title>
+    <cs:lnRef idx="0"/>
+    <cs:fillRef idx="0"/>
+    <cs:effectRef idx="0"/>
+    <cs:fontRef idx="minor">
+      <a:schemeClr val="tx1">
+        <a:lumMod val="65000"/>
+        <a:lumOff val="35000"/>
+      </a:schemeClr>
+    </cs:fontRef>
+    <cs:defRPr sz="1862" b="0" kern="1200" spc="0" baseline="0"/>
+  </cs:title>
+  <cs:trendline>
+    <cs:lnRef idx="0">
+      <cs:styleClr val="auto"/>
+    </cs:lnRef>
+    <cs:fillRef idx="0"/>
+    <cs:effectRef idx="0"/>
+    <cs:fontRef idx="minor">
+      <a:schemeClr val="tx1"/>
+    </cs:fontRef>
+    <cs:spPr>
+      <a:ln w="19050" cap="rnd">
+        <a:solidFill>
+          <a:schemeClr val="phClr"/>
+        </a:solidFill>
+        <a:prstDash val="sysDot"/>
+      </a:ln>
+    </cs:spPr>
+  </cs:trendline>
+  <cs:trendlineLabel>
+    <cs:lnRef idx="0"/>
+    <cs:fillRef idx="0"/>
+    <cs:effectRef idx="0"/>
+    <cs:fontRef idx="minor">
+      <a:schemeClr val="tx1">
+        <a:lumMod val="65000"/>
+        <a:lumOff val="35000"/>
+      </a:schemeClr>
+    </cs:fontRef>
+    <cs:defRPr sz="1197" kern="1200"/>
+  </cs:trendlineLabel>
+  <cs:upBar>
+    <cs:lnRef idx="0"/>
+    <cs:fillRef idx="0"/>
+    <cs:effectRef idx="0"/>
+    <cs:fontRef idx="minor">
+      <a:schemeClr val="dk1"/>
+    </cs:fontRef>
+    <cs:spPr>
+      <a:solidFill>
+        <a:schemeClr val="lt1"/>
+      </a:solidFill>
+      <a:ln w="9525">
+        <a:solidFill>
+          <a:schemeClr val="tx1">
+            <a:lumMod val="15000"/>
+            <a:lumOff val="85000"/>
+          </a:schemeClr>
+        </a:solidFill>
+      </a:ln>
+    </cs:spPr>
+  </cs:upBar>
+  <cs:valueAxis>
+    <cs:lnRef idx="0"/>
+    <cs:fillRef idx="0"/>
+    <cs:effectRef idx="0"/>
+    <cs:fontRef idx="minor">
+      <a:schemeClr val="tx1">
+        <a:lumMod val="65000"/>
+        <a:lumOff val="35000"/>
+      </a:schemeClr>
+    </cs:fontRef>
+    <cs:defRPr sz="1197" kern="1200"/>
+  </cs:valueAxis>
+  <cs:wall>
+    <cs:lnRef idx="0"/>
+    <cs:fillRef idx="0"/>
+    <cs:effectRef idx="0"/>
+    <cs:fontRef idx="minor">
+      <a:schemeClr val="tx1"/>
+    </cs:fontRef>
+    <cs:spPr>
+      <a:noFill/>
+      <a:ln>
+        <a:noFill/>
+      </a:ln>
+    </cs:spPr>
+  </cs:wall>
+</cs:chartStyle>
 </file>
 
 <file path=ppt/handoutMasters/handoutMaster1.xml><?xml version="1.0" encoding="utf-8"?>
@@ -5035,8 +7036,8 @@
           </a:p>
         </p:txBody>
       </p:sp>
-      <mc:AlternateContent xmlns:mc="http://schemas.openxmlformats.org/markup-compatibility/2006">
-        <mc:Choice xmlns:a14="http://schemas.microsoft.com/office/drawing/2010/main" Requires="a14">
+      <mc:AlternateContent xmlns:mc="http://schemas.openxmlformats.org/markup-compatibility/2006" xmlns:a14="http://schemas.microsoft.com/office/drawing/2010/main">
+        <mc:Choice Requires="a14">
           <p:sp>
             <p:nvSpPr>
               <p:cNvPr id="3" name="Inhaltsplatzhalter 2"/>
@@ -5287,7 +7288,7 @@
             </p:txBody>
           </p:sp>
         </mc:Choice>
-        <mc:Fallback>
+        <mc:Fallback xmlns="">
           <p:sp>
             <p:nvSpPr>
               <p:cNvPr id="3" name="Inhaltsplatzhalter 2"/>
@@ -5515,10 +7516,6 @@
               </a:rPr>
               <a:t>C</a:t>
             </a:r>
-            <a:endParaRPr lang="de-DE" i="1" dirty="0">
-              <a:latin typeface="Cambria Math" panose="02040503050406030204" pitchFamily="18" charset="0"/>
-              <a:ea typeface="Cambria Math" panose="02040503050406030204" pitchFamily="18" charset="0"/>
-            </a:endParaRPr>
           </a:p>
         </p:txBody>
       </p:sp>
@@ -5591,8 +7588,8 @@
           </a:p>
         </p:txBody>
       </p:sp>
-      <mc:AlternateContent xmlns:mc="http://schemas.openxmlformats.org/markup-compatibility/2006">
-        <mc:Choice xmlns:a14="http://schemas.microsoft.com/office/drawing/2010/main" Requires="a14">
+      <mc:AlternateContent xmlns:mc="http://schemas.openxmlformats.org/markup-compatibility/2006" xmlns:a14="http://schemas.microsoft.com/office/drawing/2010/main">
+        <mc:Choice Requires="a14">
           <p:sp>
             <p:nvSpPr>
               <p:cNvPr id="3" name="Inhaltsplatzhalter 2"/>
@@ -5755,7 +7752,7 @@
             </p:txBody>
           </p:sp>
         </mc:Choice>
-        <mc:Fallback>
+        <mc:Fallback xmlns="">
           <p:sp>
             <p:nvSpPr>
               <p:cNvPr id="3" name="Inhaltsplatzhalter 2"/>
@@ -5983,10 +7980,6 @@
               </a:rPr>
               <a:t>C</a:t>
             </a:r>
-            <a:endParaRPr lang="de-DE" i="1" dirty="0">
-              <a:latin typeface="Cambria Math" panose="02040503050406030204" pitchFamily="18" charset="0"/>
-              <a:ea typeface="Cambria Math" panose="02040503050406030204" pitchFamily="18" charset="0"/>
-            </a:endParaRPr>
           </a:p>
         </p:txBody>
       </p:sp>
@@ -6059,8 +8052,8 @@
           </a:p>
         </p:txBody>
       </p:sp>
-      <mc:AlternateContent xmlns:mc="http://schemas.openxmlformats.org/markup-compatibility/2006">
-        <mc:Choice xmlns:a14="http://schemas.microsoft.com/office/drawing/2010/main" Requires="a14">
+      <mc:AlternateContent xmlns:mc="http://schemas.openxmlformats.org/markup-compatibility/2006" xmlns:a14="http://schemas.microsoft.com/office/drawing/2010/main">
+        <mc:Choice Requires="a14">
           <p:sp>
             <p:nvSpPr>
               <p:cNvPr id="3" name="Inhaltsplatzhalter 2"/>
@@ -6078,11 +8071,7 @@
               <a:p>
                 <a:r>
                   <a:rPr lang="de-DE" dirty="0"/>
-                  <a:t>Perform</a:t>
-                </a:r>
-                <a:r>
-                  <a:rPr lang="de-DE" dirty="0"/>
-                  <a:t> </a:t>
+                  <a:t>Perform </a:t>
                 </a:r>
                 <a:r>
                   <a:rPr lang="de-DE" dirty="0" err="1"/>
@@ -6227,7 +8216,7 @@
             </p:txBody>
           </p:sp>
         </mc:Choice>
-        <mc:Fallback>
+        <mc:Fallback xmlns="">
           <p:sp>
             <p:nvSpPr>
               <p:cNvPr id="3" name="Inhaltsplatzhalter 2"/>
@@ -6423,8 +8412,8 @@
           </a:p>
         </p:txBody>
       </p:sp>
-      <mc:AlternateContent xmlns:mc="http://schemas.openxmlformats.org/markup-compatibility/2006">
-        <mc:Choice xmlns:a14="http://schemas.microsoft.com/office/drawing/2010/main" Requires="a14">
+      <mc:AlternateContent xmlns:mc="http://schemas.openxmlformats.org/markup-compatibility/2006" xmlns:a14="http://schemas.microsoft.com/office/drawing/2010/main">
+        <mc:Choice Requires="a14">
           <p:sp>
             <p:nvSpPr>
               <p:cNvPr id="3" name="Inhaltsplatzhalter 2"/>
@@ -6442,11 +8431,7 @@
               <a:p>
                 <a:r>
                   <a:rPr lang="de-DE" dirty="0"/>
-                  <a:t>Perform</a:t>
-                </a:r>
-                <a:r>
-                  <a:rPr lang="de-DE" dirty="0"/>
-                  <a:t> </a:t>
+                  <a:t>Perform </a:t>
                 </a:r>
                 <a:r>
                   <a:rPr lang="de-DE" dirty="0" err="1"/>
@@ -6591,7 +8576,7 @@
             </p:txBody>
           </p:sp>
         </mc:Choice>
-        <mc:Fallback>
+        <mc:Fallback xmlns="">
           <p:sp>
             <p:nvSpPr>
               <p:cNvPr id="3" name="Inhaltsplatzhalter 2"/>
@@ -6787,8 +8772,8 @@
           </a:p>
         </p:txBody>
       </p:sp>
-      <mc:AlternateContent xmlns:mc="http://schemas.openxmlformats.org/markup-compatibility/2006">
-        <mc:Choice xmlns:a14="http://schemas.microsoft.com/office/drawing/2010/main" Requires="a14">
+      <mc:AlternateContent xmlns:mc="http://schemas.openxmlformats.org/markup-compatibility/2006" xmlns:a14="http://schemas.microsoft.com/office/drawing/2010/main">
+        <mc:Choice Requires="a14">
           <p:sp>
             <p:nvSpPr>
               <p:cNvPr id="3" name="Inhaltsplatzhalter 2"/>
@@ -6945,7 +8930,7 @@
             </p:txBody>
           </p:sp>
         </mc:Choice>
-        <mc:Fallback>
+        <mc:Fallback xmlns="">
           <p:sp>
             <p:nvSpPr>
               <p:cNvPr id="3" name="Inhaltsplatzhalter 2"/>
@@ -7141,8 +9126,8 @@
           </a:p>
         </p:txBody>
       </p:sp>
-      <mc:AlternateContent xmlns:mc="http://schemas.openxmlformats.org/markup-compatibility/2006">
-        <mc:Choice xmlns:a14="http://schemas.microsoft.com/office/drawing/2010/main" Requires="a14">
+      <mc:AlternateContent xmlns:mc="http://schemas.openxmlformats.org/markup-compatibility/2006" xmlns:a14="http://schemas.microsoft.com/office/drawing/2010/main">
+        <mc:Choice Requires="a14">
           <p:sp>
             <p:nvSpPr>
               <p:cNvPr id="3" name="Inhaltsplatzhalter 2"/>
@@ -7160,11 +9145,7 @@
               <a:p>
                 <a:r>
                   <a:rPr lang="de-DE" dirty="0"/>
-                  <a:t>Perform</a:t>
-                </a:r>
-                <a:r>
-                  <a:rPr lang="de-DE" dirty="0"/>
-                  <a:t> </a:t>
+                  <a:t>Perform </a:t>
                 </a:r>
                 <a:r>
                   <a:rPr lang="de-DE" dirty="0" err="1"/>
@@ -7256,11 +9237,7 @@
                 </a14:m>
                 <a:r>
                   <a:rPr lang="de-DE" dirty="0"/>
-                  <a:t> </a:t>
-                </a:r>
-                <a:r>
-                  <a:rPr lang="de-DE" dirty="0"/>
-                  <a:t>and </a:t>
+                  <a:t> and </a:t>
                 </a:r>
                 <a14:m>
                   <m:oMath xmlns:m="http://schemas.openxmlformats.org/officeDocument/2006/math">
@@ -7278,13 +9255,7 @@
                           <a:rPr lang="de-DE" i="1">
                             <a:latin typeface="Cambria Math" panose="02040503050406030204" pitchFamily="18" charset="0"/>
                           </a:rPr>
-                          <m:t>𝐶</m:t>
-                        </m:r>
-                        <m:r>
-                          <a:rPr lang="de-DE" i="1">
-                            <a:latin typeface="Cambria Math" panose="02040503050406030204" pitchFamily="18" charset="0"/>
-                          </a:rPr>
-                          <m:t>𝐵</m:t>
+                          <m:t>𝐶𝐵</m:t>
                         </m:r>
                       </m:e>
                     </m:bar>
@@ -7319,7 +9290,7 @@
             </p:txBody>
           </p:sp>
         </mc:Choice>
-        <mc:Fallback>
+        <mc:Fallback xmlns="">
           <p:sp>
             <p:nvSpPr>
               <p:cNvPr id="3" name="Inhaltsplatzhalter 2"/>
@@ -7515,8 +9486,8 @@
           </a:p>
         </p:txBody>
       </p:sp>
-      <mc:AlternateContent xmlns:mc="http://schemas.openxmlformats.org/markup-compatibility/2006">
-        <mc:Choice xmlns:a14="http://schemas.microsoft.com/office/drawing/2010/main" Requires="a14">
+      <mc:AlternateContent xmlns:mc="http://schemas.openxmlformats.org/markup-compatibility/2006" xmlns:a14="http://schemas.microsoft.com/office/drawing/2010/main">
+        <mc:Choice Requires="a14">
           <p:sp>
             <p:nvSpPr>
               <p:cNvPr id="3" name="Inhaltsplatzhalter 2"/>
@@ -7534,11 +9505,7 @@
               <a:p>
                 <a:r>
                   <a:rPr lang="de-DE" dirty="0"/>
-                  <a:t>Perform</a:t>
-                </a:r>
-                <a:r>
-                  <a:rPr lang="de-DE" dirty="0"/>
-                  <a:t> </a:t>
+                  <a:t>Perform </a:t>
                 </a:r>
                 <a:r>
                   <a:rPr lang="de-DE" dirty="0" err="1"/>
@@ -7630,11 +9597,7 @@
                 </a14:m>
                 <a:r>
                   <a:rPr lang="de-DE" dirty="0"/>
-                  <a:t> </a:t>
-                </a:r>
-                <a:r>
-                  <a:rPr lang="de-DE" dirty="0"/>
-                  <a:t>and </a:t>
+                  <a:t> and </a:t>
                 </a:r>
                 <a14:m>
                   <m:oMath xmlns:m="http://schemas.openxmlformats.org/officeDocument/2006/math">
@@ -7652,13 +9615,7 @@
                           <a:rPr lang="de-DE" i="1">
                             <a:latin typeface="Cambria Math" panose="02040503050406030204" pitchFamily="18" charset="0"/>
                           </a:rPr>
-                          <m:t>𝐶</m:t>
-                        </m:r>
-                        <m:r>
-                          <a:rPr lang="de-DE" i="1">
-                            <a:latin typeface="Cambria Math" panose="02040503050406030204" pitchFamily="18" charset="0"/>
-                          </a:rPr>
-                          <m:t>𝐵</m:t>
+                          <m:t>𝐶𝐵</m:t>
                         </m:r>
                       </m:e>
                     </m:bar>
@@ -7693,7 +9650,7 @@
             </p:txBody>
           </p:sp>
         </mc:Choice>
-        <mc:Fallback>
+        <mc:Fallback xmlns="">
           <p:sp>
             <p:nvSpPr>
               <p:cNvPr id="3" name="Inhaltsplatzhalter 2"/>
@@ -8254,8 +10211,8 @@
           </a:p>
         </p:txBody>
       </p:sp>
-      <mc:AlternateContent xmlns:mc="http://schemas.openxmlformats.org/markup-compatibility/2006">
-        <mc:Choice xmlns:a14="http://schemas.microsoft.com/office/drawing/2010/main" Requires="a14">
+      <mc:AlternateContent xmlns:mc="http://schemas.openxmlformats.org/markup-compatibility/2006" xmlns:a14="http://schemas.microsoft.com/office/drawing/2010/main">
+        <mc:Choice Requires="a14">
           <p:sp>
             <p:nvSpPr>
               <p:cNvPr id="3" name="Inhaltsplatzhalter 2"/>
@@ -8412,7 +10369,7 @@
             </p:txBody>
           </p:sp>
         </mc:Choice>
-        <mc:Fallback>
+        <mc:Fallback xmlns="">
           <p:sp>
             <p:nvSpPr>
               <p:cNvPr id="3" name="Inhaltsplatzhalter 2"/>
@@ -9445,8 +11402,8 @@
           </a:p>
         </p:txBody>
       </p:sp>
-      <mc:AlternateContent xmlns:mc="http://schemas.openxmlformats.org/markup-compatibility/2006">
-        <mc:Choice xmlns:a14="http://schemas.microsoft.com/office/drawing/2010/main" Requires="a14">
+      <mc:AlternateContent xmlns:mc="http://schemas.openxmlformats.org/markup-compatibility/2006" xmlns:a14="http://schemas.microsoft.com/office/drawing/2010/main">
+        <mc:Choice Requires="a14">
           <p:sp>
             <p:nvSpPr>
               <p:cNvPr id="3" name="Inhaltsplatzhalter 2"/>
@@ -9603,7 +11560,7 @@
             </p:txBody>
           </p:sp>
         </mc:Choice>
-        <mc:Fallback>
+        <mc:Fallback xmlns="">
           <p:sp>
             <p:nvSpPr>
               <p:cNvPr id="3" name="Inhaltsplatzhalter 2"/>
@@ -9799,8 +11756,8 @@
           </a:p>
         </p:txBody>
       </p:sp>
-      <mc:AlternateContent xmlns:mc="http://schemas.openxmlformats.org/markup-compatibility/2006">
-        <mc:Choice xmlns:a14="http://schemas.microsoft.com/office/drawing/2010/main" Requires="a14">
+      <mc:AlternateContent xmlns:mc="http://schemas.openxmlformats.org/markup-compatibility/2006" xmlns:a14="http://schemas.microsoft.com/office/drawing/2010/main">
+        <mc:Choice Requires="a14">
           <p:sp>
             <p:nvSpPr>
               <p:cNvPr id="3" name="Inhaltsplatzhalter 2"/>
@@ -9957,7 +11914,7 @@
             </p:txBody>
           </p:sp>
         </mc:Choice>
-        <mc:Fallback>
+        <mc:Fallback xmlns="">
           <p:sp>
             <p:nvSpPr>
               <p:cNvPr id="3" name="Inhaltsplatzhalter 2"/>
@@ -10267,8 +12224,8 @@
           </a:p>
         </p:txBody>
       </p:sp>
-      <mc:AlternateContent xmlns:mc="http://schemas.openxmlformats.org/markup-compatibility/2006">
-        <mc:Choice xmlns:a14="http://schemas.microsoft.com/office/drawing/2010/main" Requires="a14">
+      <mc:AlternateContent xmlns:mc="http://schemas.openxmlformats.org/markup-compatibility/2006" xmlns:a14="http://schemas.microsoft.com/office/drawing/2010/main">
+        <mc:Choice Requires="a14">
           <p:sp>
             <p:nvSpPr>
               <p:cNvPr id="6" name="Inhaltsplatzhalter 5"/>
@@ -10665,7 +12622,7 @@
             </p:txBody>
           </p:sp>
         </mc:Choice>
-        <mc:Fallback>
+        <mc:Fallback xmlns="">
           <p:sp>
             <p:nvSpPr>
               <p:cNvPr id="6" name="Inhaltsplatzhalter 5"/>
@@ -11694,8 +13651,8 @@
           </a:p>
         </p:txBody>
       </p:sp>
-      <mc:AlternateContent xmlns:mc="http://schemas.openxmlformats.org/markup-compatibility/2006">
-        <mc:Choice xmlns:a14="http://schemas.microsoft.com/office/drawing/2010/main" Requires="a14">
+      <mc:AlternateContent xmlns:mc="http://schemas.openxmlformats.org/markup-compatibility/2006" xmlns:a14="http://schemas.microsoft.com/office/drawing/2010/main">
+        <mc:Choice Requires="a14">
           <p:sp>
             <p:nvSpPr>
               <p:cNvPr id="6" name="Inhaltsplatzhalter 5"/>
@@ -12487,7 +14444,7 @@
             </p:txBody>
           </p:sp>
         </mc:Choice>
-        <mc:Fallback>
+        <mc:Fallback xmlns="">
           <p:sp>
             <p:nvSpPr>
               <p:cNvPr id="6" name="Inhaltsplatzhalter 5"/>
@@ -12614,15 +14571,7 @@
           <a:p>
             <a:r>
               <a:rPr lang="de-DE" dirty="0" err="1" smtClean="0"/>
-              <a:t>Sweep-line</a:t>
-            </a:r>
-            <a:r>
-              <a:rPr lang="de-DE" dirty="0" err="1" smtClean="0"/>
-              <a:t>-b</a:t>
-            </a:r>
-            <a:r>
-              <a:rPr lang="de-DE" dirty="0" err="1" smtClean="0"/>
-              <a:t>ased</a:t>
+              <a:t>Sweep-line-based</a:t>
             </a:r>
             <a:r>
               <a:rPr lang="de-DE" dirty="0" smtClean="0"/>
@@ -12906,15 +14855,7 @@
           <a:p>
             <a:r>
               <a:rPr lang="de-DE" dirty="0" err="1" smtClean="0"/>
-              <a:t>Sweep-line</a:t>
-            </a:r>
-            <a:r>
-              <a:rPr lang="de-DE" dirty="0" err="1" smtClean="0"/>
-              <a:t>-b</a:t>
-            </a:r>
-            <a:r>
-              <a:rPr lang="de-DE" dirty="0" err="1" smtClean="0"/>
-              <a:t>ased</a:t>
+              <a:t>Sweep-line-based</a:t>
             </a:r>
             <a:r>
               <a:rPr lang="de-DE" dirty="0" smtClean="0"/>
@@ -13198,15 +15139,7 @@
           <a:p>
             <a:r>
               <a:rPr lang="de-DE" dirty="0" err="1" smtClean="0"/>
-              <a:t>Sweep-line</a:t>
-            </a:r>
-            <a:r>
-              <a:rPr lang="de-DE" dirty="0" err="1" smtClean="0"/>
-              <a:t>-b</a:t>
-            </a:r>
-            <a:r>
-              <a:rPr lang="de-DE" dirty="0" err="1" smtClean="0"/>
-              <a:t>ased</a:t>
+              <a:t>Sweep-line-based</a:t>
             </a:r>
             <a:r>
               <a:rPr lang="de-DE" dirty="0" smtClean="0"/>
@@ -13771,15 +15704,7 @@
           <a:p>
             <a:r>
               <a:rPr lang="de-DE" dirty="0" err="1" smtClean="0"/>
-              <a:t>Sweep-line</a:t>
-            </a:r>
-            <a:r>
-              <a:rPr lang="de-DE" dirty="0" err="1" smtClean="0"/>
-              <a:t>-b</a:t>
-            </a:r>
-            <a:r>
-              <a:rPr lang="de-DE" dirty="0" err="1" smtClean="0"/>
-              <a:t>ased</a:t>
+              <a:t>Sweep-line-based</a:t>
             </a:r>
             <a:r>
               <a:rPr lang="de-DE" dirty="0" smtClean="0"/>
@@ -14063,15 +15988,7 @@
           <a:p>
             <a:r>
               <a:rPr lang="de-DE" dirty="0" err="1" smtClean="0"/>
-              <a:t>Sweep-line</a:t>
-            </a:r>
-            <a:r>
-              <a:rPr lang="de-DE" dirty="0" err="1" smtClean="0"/>
-              <a:t>-b</a:t>
-            </a:r>
-            <a:r>
-              <a:rPr lang="de-DE" dirty="0" err="1" smtClean="0"/>
-              <a:t>ased</a:t>
+              <a:t>Sweep-line-based</a:t>
             </a:r>
             <a:r>
               <a:rPr lang="de-DE" dirty="0" smtClean="0"/>
@@ -14355,15 +16272,7 @@
           <a:p>
             <a:r>
               <a:rPr lang="de-DE" dirty="0" err="1" smtClean="0"/>
-              <a:t>Sweep-line</a:t>
-            </a:r>
-            <a:r>
-              <a:rPr lang="de-DE" dirty="0" err="1" smtClean="0"/>
-              <a:t>-b</a:t>
-            </a:r>
-            <a:r>
-              <a:rPr lang="de-DE" dirty="0" err="1" smtClean="0"/>
-              <a:t>ased</a:t>
+              <a:t>Sweep-line-based</a:t>
             </a:r>
             <a:r>
               <a:rPr lang="de-DE" dirty="0" smtClean="0"/>
@@ -14647,15 +16556,7 @@
           <a:p>
             <a:r>
               <a:rPr lang="de-DE" dirty="0" err="1" smtClean="0"/>
-              <a:t>Sweep-line</a:t>
-            </a:r>
-            <a:r>
-              <a:rPr lang="de-DE" dirty="0" err="1" smtClean="0"/>
-              <a:t>-b</a:t>
-            </a:r>
-            <a:r>
-              <a:rPr lang="de-DE" dirty="0" err="1" smtClean="0"/>
-              <a:t>ased</a:t>
+              <a:t>Sweep-line-based</a:t>
             </a:r>
             <a:r>
               <a:rPr lang="de-DE" dirty="0" smtClean="0"/>
@@ -14939,15 +16840,7 @@
           <a:p>
             <a:r>
               <a:rPr lang="de-DE" dirty="0" err="1" smtClean="0"/>
-              <a:t>Sweep-line</a:t>
-            </a:r>
-            <a:r>
-              <a:rPr lang="de-DE" dirty="0" err="1" smtClean="0"/>
-              <a:t>-b</a:t>
-            </a:r>
-            <a:r>
-              <a:rPr lang="de-DE" dirty="0" err="1" smtClean="0"/>
-              <a:t>ased</a:t>
+              <a:t>Sweep-line-based</a:t>
             </a:r>
             <a:r>
               <a:rPr lang="de-DE" dirty="0" smtClean="0"/>
@@ -15231,15 +17124,7 @@
           <a:p>
             <a:r>
               <a:rPr lang="de-DE" dirty="0" err="1" smtClean="0"/>
-              <a:t>Sweep-line</a:t>
-            </a:r>
-            <a:r>
-              <a:rPr lang="de-DE" dirty="0" err="1" smtClean="0"/>
-              <a:t>-b</a:t>
-            </a:r>
-            <a:r>
-              <a:rPr lang="de-DE" dirty="0" err="1" smtClean="0"/>
-              <a:t>ased</a:t>
+              <a:t>Sweep-line-based</a:t>
             </a:r>
             <a:r>
               <a:rPr lang="de-DE" dirty="0" smtClean="0"/>
@@ -15529,8 +17414,8 @@
           </a:p>
         </p:txBody>
       </p:sp>
-      <mc:AlternateContent xmlns:mc="http://schemas.openxmlformats.org/markup-compatibility/2006">
-        <mc:Choice xmlns:a14="http://schemas.microsoft.com/office/drawing/2010/main" Requires="a14">
+      <mc:AlternateContent xmlns:mc="http://schemas.openxmlformats.org/markup-compatibility/2006" xmlns:a14="http://schemas.microsoft.com/office/drawing/2010/main">
+        <mc:Choice Requires="a14">
           <p:sp>
             <p:nvSpPr>
               <p:cNvPr id="6" name="Inhaltsplatzhalter 5"/>
@@ -15893,7 +17778,7 @@
             </p:txBody>
           </p:sp>
         </mc:Choice>
-        <mc:Fallback>
+        <mc:Fallback xmlns="">
           <p:sp>
             <p:nvSpPr>
               <p:cNvPr id="6" name="Inhaltsplatzhalter 5"/>
@@ -16230,13 +18115,13 @@
           <p:nvPr>
             <p:extLst>
               <p:ext uri="{D42A27DB-BD31-4B8C-83A1-F6EECF244321}">
-                <p14:modId xmlns:p14="http://schemas.microsoft.com/office/powerpoint/2010/main" val="1834758810"/>
+                <p14:modId xmlns:p14="http://schemas.microsoft.com/office/powerpoint/2010/main" val="2734252624"/>
               </p:ext>
             </p:extLst>
           </p:nvPr>
         </p:nvGraphicFramePr>
         <p:xfrm>
-          <a:off x="390526" y="1396998"/>
+          <a:off x="497235" y="3536040"/>
           <a:ext cx="8146356" cy="2374903"/>
         </p:xfrm>
         <a:graphic>
@@ -16315,34 +18200,38 @@
                     </a:p>
                     <a:p>
                       <a:r>
-                        <a:rPr lang="de-DE" dirty="0" smtClean="0"/>
+                        <a:rPr lang="de-DE" b="0" dirty="0" smtClean="0"/>
                         <a:t>(</a:t>
                       </a:r>
                       <a:r>
-                        <a:rPr lang="de-DE" dirty="0" err="1" smtClean="0"/>
-                        <a:t>ms</a:t>
+                        <a:rPr lang="de-DE" b="0" i="1" dirty="0" smtClean="0"/>
+                        <a:t>µs</a:t>
                       </a:r>
                       <a:r>
-                        <a:rPr lang="de-DE" dirty="0" smtClean="0"/>
-                        <a:t> per </a:t>
+                        <a:rPr lang="de-DE" b="0" dirty="0" smtClean="0"/>
+                        <a:t> </a:t>
                       </a:r>
                       <a:r>
-                        <a:rPr lang="de-DE" dirty="0" err="1" smtClean="0"/>
+                        <a:rPr lang="de-DE" b="0" dirty="0" smtClean="0"/>
+                        <a:t>per </a:t>
+                      </a:r>
+                      <a:r>
+                        <a:rPr lang="de-DE" b="0" dirty="0" err="1" smtClean="0"/>
                         <a:t>random</a:t>
                       </a:r>
                       <a:r>
-                        <a:rPr lang="de-DE" dirty="0" smtClean="0"/>
+                        <a:rPr lang="de-DE" b="0" dirty="0" smtClean="0"/>
                         <a:t> </a:t>
                       </a:r>
                       <a:r>
-                        <a:rPr lang="de-DE" dirty="0" err="1" smtClean="0"/>
+                        <a:rPr lang="de-DE" b="0" dirty="0" err="1" smtClean="0"/>
                         <a:t>query</a:t>
                       </a:r>
                       <a:r>
-                        <a:rPr lang="de-DE" dirty="0" smtClean="0"/>
+                        <a:rPr lang="de-DE" b="0" dirty="0" smtClean="0"/>
                         <a:t>)</a:t>
                       </a:r>
-                      <a:endParaRPr lang="de-DE" dirty="0"/>
+                      <a:endParaRPr lang="de-DE" b="0" dirty="0"/>
                     </a:p>
                   </a:txBody>
                   <a:tcPr/>
@@ -16363,34 +18252,38 @@
                     </a:p>
                     <a:p>
                       <a:r>
-                        <a:rPr lang="de-DE" dirty="0" smtClean="0"/>
+                        <a:rPr lang="de-DE" b="0" dirty="0" smtClean="0"/>
                         <a:t>(</a:t>
                       </a:r>
                       <a:r>
-                        <a:rPr lang="de-DE" dirty="0" err="1" smtClean="0"/>
-                        <a:t>us</a:t>
+                        <a:rPr lang="de-DE" b="0" i="1" dirty="0" err="1" smtClean="0"/>
+                        <a:t>ns</a:t>
                       </a:r>
                       <a:r>
-                        <a:rPr lang="de-DE" dirty="0" smtClean="0"/>
-                        <a:t> per </a:t>
+                        <a:rPr lang="de-DE" b="0" dirty="0" smtClean="0"/>
+                        <a:t> </a:t>
                       </a:r>
                       <a:r>
-                        <a:rPr lang="de-DE" dirty="0" err="1" smtClean="0"/>
+                        <a:rPr lang="de-DE" b="0" dirty="0" smtClean="0"/>
+                        <a:t>per </a:t>
+                      </a:r>
+                      <a:r>
+                        <a:rPr lang="de-DE" b="0" dirty="0" err="1" smtClean="0"/>
                         <a:t>random</a:t>
                       </a:r>
                       <a:r>
-                        <a:rPr lang="de-DE" dirty="0" smtClean="0"/>
+                        <a:rPr lang="de-DE" b="0" dirty="0" smtClean="0"/>
                         <a:t> </a:t>
                       </a:r>
                       <a:r>
-                        <a:rPr lang="de-DE" dirty="0" err="1" smtClean="0"/>
+                        <a:rPr lang="de-DE" b="0" dirty="0" err="1" smtClean="0"/>
                         <a:t>query</a:t>
                       </a:r>
                       <a:r>
-                        <a:rPr lang="de-DE" dirty="0" smtClean="0"/>
+                        <a:rPr lang="de-DE" b="0" dirty="0" smtClean="0"/>
                         <a:t>)</a:t>
                       </a:r>
-                      <a:endParaRPr lang="de-DE" dirty="0"/>
+                      <a:endParaRPr lang="de-DE" b="0" dirty="0"/>
                     </a:p>
                   </a:txBody>
                   <a:tcPr/>
@@ -16409,7 +18302,7 @@
                     <a:p>
                       <a:r>
                         <a:rPr lang="de-DE" dirty="0" smtClean="0"/>
-                        <a:t>2117</a:t>
+                        <a:t>2,117</a:t>
                       </a:r>
                       <a:endParaRPr lang="de-DE" dirty="0"/>
                     </a:p>
@@ -16421,6 +18314,10 @@
                     <a:bodyPr/>
                     <a:lstStyle/>
                     <a:p>
+                      <a:r>
+                        <a:rPr lang="de-DE" dirty="0" smtClean="0"/>
+                        <a:t>29.9</a:t>
+                      </a:r>
                       <a:endParaRPr lang="de-DE" dirty="0"/>
                     </a:p>
                   </a:txBody>
@@ -16431,6 +18328,10 @@
                     <a:bodyPr/>
                     <a:lstStyle/>
                     <a:p>
+                      <a:r>
+                        <a:rPr lang="de-DE" dirty="0" smtClean="0"/>
+                        <a:t>902.2</a:t>
+                      </a:r>
                       <a:endParaRPr lang="de-DE" dirty="0"/>
                     </a:p>
                   </a:txBody>
@@ -16450,7 +18351,7 @@
                     <a:p>
                       <a:r>
                         <a:rPr lang="de-DE" dirty="0" smtClean="0"/>
-                        <a:t>14485</a:t>
+                        <a:t>14,485</a:t>
                       </a:r>
                       <a:endParaRPr lang="de-DE" dirty="0"/>
                     </a:p>
@@ -16462,6 +18363,10 @@
                     <a:bodyPr/>
                     <a:lstStyle/>
                     <a:p>
+                      <a:r>
+                        <a:rPr lang="de-DE" dirty="0" smtClean="0"/>
+                        <a:t>242.4</a:t>
+                      </a:r>
                       <a:endParaRPr lang="de-DE" dirty="0"/>
                     </a:p>
                   </a:txBody>
@@ -16472,6 +18377,10 @@
                     <a:bodyPr/>
                     <a:lstStyle/>
                     <a:p>
+                      <a:r>
+                        <a:rPr lang="de-DE" dirty="0" smtClean="0"/>
+                        <a:t>1025.0</a:t>
+                      </a:r>
                       <a:endParaRPr lang="de-DE" dirty="0"/>
                     </a:p>
                   </a:txBody>
@@ -16508,8 +18417,9 @@
                       </a:pPr>
                       <a:r>
                         <a:rPr lang="de-DE" dirty="0" smtClean="0"/>
-                        <a:t>305662</a:t>
+                        <a:t>305,662</a:t>
                       </a:r>
+                      <a:endParaRPr lang="de-DE" dirty="0" smtClean="0"/>
                     </a:p>
                   </a:txBody>
                   <a:tcPr/>
@@ -16519,6 +18429,10 @@
                     <a:bodyPr/>
                     <a:lstStyle/>
                     <a:p>
+                      <a:r>
+                        <a:rPr lang="de-DE" dirty="0" smtClean="0"/>
+                        <a:t>18244.5</a:t>
+                      </a:r>
                       <a:endParaRPr lang="de-DE" dirty="0"/>
                     </a:p>
                   </a:txBody>
@@ -16529,6 +18443,10 @@
                     <a:bodyPr/>
                     <a:lstStyle/>
                     <a:p>
+                      <a:r>
+                        <a:rPr lang="de-DE" dirty="0" smtClean="0"/>
+                        <a:t>1961.5</a:t>
+                      </a:r>
                       <a:endParaRPr lang="de-DE" dirty="0"/>
                     </a:p>
                   </a:txBody>
@@ -16548,7 +18466,7 @@
                     <a:p>
                       <a:r>
                         <a:rPr lang="de-DE" dirty="0" smtClean="0"/>
-                        <a:t>1283858</a:t>
+                        <a:t>1,283,858</a:t>
                       </a:r>
                       <a:endParaRPr lang="de-DE" dirty="0"/>
                     </a:p>
@@ -16560,6 +18478,10 @@
                     <a:bodyPr/>
                     <a:lstStyle/>
                     <a:p>
+                      <a:r>
+                        <a:rPr lang="de-DE" dirty="0" smtClean="0"/>
+                        <a:t>48345.6</a:t>
+                      </a:r>
                       <a:endParaRPr lang="de-DE" dirty="0"/>
                     </a:p>
                   </a:txBody>
@@ -16570,6 +18492,10 @@
                     <a:bodyPr/>
                     <a:lstStyle/>
                     <a:p>
+                      <a:r>
+                        <a:rPr lang="de-DE" dirty="0" smtClean="0"/>
+                        <a:t>3489.4</a:t>
+                      </a:r>
                       <a:endParaRPr lang="de-DE" dirty="0"/>
                     </a:p>
                   </a:txBody>
@@ -16585,6 +18511,283 @@
           </a:graphicData>
         </a:graphic>
       </p:graphicFrame>
+      <p:sp>
+        <p:nvSpPr>
+          <p:cNvPr id="8" name="Inhaltsplatzhalter 5"/>
+          <p:cNvSpPr txBox="1">
+            <a:spLocks/>
+          </p:cNvSpPr>
+          <p:nvPr/>
+        </p:nvSpPr>
+        <p:spPr bwMode="auto">
+          <a:xfrm>
+            <a:off x="544513" y="1350963"/>
+            <a:ext cx="8356600" cy="2185077"/>
+          </a:xfrm>
+          <a:prstGeom prst="rect">
+            <a:avLst/>
+          </a:prstGeom>
+          <a:noFill/>
+          <a:ln w="9525">
+            <a:noFill/>
+            <a:miter lim="800000"/>
+            <a:headEnd/>
+            <a:tailEnd/>
+          </a:ln>
+        </p:spPr>
+        <p:txBody>
+          <a:bodyPr vert="horz" wrap="square" lIns="0" tIns="0" rIns="0" bIns="0" numCol="1" anchor="t" anchorCtr="0" compatLnSpc="1">
+            <a:prstTxWarp prst="textNoShape">
+              <a:avLst/>
+            </a:prstTxWarp>
+            <a:normAutofit lnSpcReduction="10000"/>
+          </a:bodyPr>
+          <a:lstStyle>
+            <a:lvl1pPr marL="357188" indent="-357188" algn="l" rtl="0" eaLnBrk="1" fontAlgn="base" hangingPunct="1">
+              <a:spcBef>
+                <a:spcPts val="700"/>
+              </a:spcBef>
+              <a:spcAft>
+                <a:spcPct val="0"/>
+              </a:spcAft>
+              <a:buBlip>
+                <a:blip r:embed="rId2"/>
+              </a:buBlip>
+              <a:defRPr sz="2800">
+                <a:solidFill>
+                  <a:schemeClr val="tx1"/>
+                </a:solidFill>
+                <a:latin typeface="+mn-lt"/>
+                <a:ea typeface="+mn-ea"/>
+                <a:cs typeface="+mn-cs"/>
+              </a:defRPr>
+            </a:lvl1pPr>
+            <a:lvl2pPr marL="790575" indent="-396000" algn="l" rtl="0" eaLnBrk="1" fontAlgn="base" hangingPunct="1">
+              <a:spcBef>
+                <a:spcPts val="700"/>
+              </a:spcBef>
+              <a:spcAft>
+                <a:spcPct val="0"/>
+              </a:spcAft>
+              <a:buBlip>
+                <a:blip r:embed="rId3"/>
+              </a:buBlip>
+              <a:defRPr sz="2400">
+                <a:solidFill>
+                  <a:schemeClr val="tx1"/>
+                </a:solidFill>
+                <a:latin typeface="+mn-lt"/>
+              </a:defRPr>
+            </a:lvl2pPr>
+            <a:lvl3pPr marL="1209675" indent="-324000" algn="l" rtl="0" eaLnBrk="1" fontAlgn="base" hangingPunct="1">
+              <a:spcBef>
+                <a:spcPts val="700"/>
+              </a:spcBef>
+              <a:spcAft>
+                <a:spcPct val="0"/>
+              </a:spcAft>
+              <a:buBlip>
+                <a:blip r:embed="rId4"/>
+              </a:buBlip>
+              <a:defRPr sz="2000">
+                <a:solidFill>
+                  <a:schemeClr val="tx1"/>
+                </a:solidFill>
+                <a:latin typeface="+mn-lt"/>
+              </a:defRPr>
+            </a:lvl3pPr>
+            <a:lvl4pPr marL="1657350" indent="-324000" algn="l" rtl="0" eaLnBrk="1" fontAlgn="base" hangingPunct="1">
+              <a:spcBef>
+                <a:spcPts val="700"/>
+              </a:spcBef>
+              <a:spcAft>
+                <a:spcPct val="0"/>
+              </a:spcAft>
+              <a:buBlip>
+                <a:blip r:embed="rId4"/>
+              </a:buBlip>
+              <a:defRPr sz="2000">
+                <a:solidFill>
+                  <a:schemeClr val="tx1"/>
+                </a:solidFill>
+                <a:latin typeface="+mn-lt"/>
+              </a:defRPr>
+            </a:lvl4pPr>
+            <a:lvl5pPr marL="2095500" indent="-324000" algn="l" rtl="0" eaLnBrk="1" fontAlgn="base" hangingPunct="1">
+              <a:spcBef>
+                <a:spcPts val="700"/>
+              </a:spcBef>
+              <a:spcAft>
+                <a:spcPct val="0"/>
+              </a:spcAft>
+              <a:buBlip>
+                <a:blip r:embed="rId4"/>
+              </a:buBlip>
+              <a:defRPr sz="1800">
+                <a:solidFill>
+                  <a:schemeClr val="tx1"/>
+                </a:solidFill>
+                <a:latin typeface="+mn-lt"/>
+              </a:defRPr>
+            </a:lvl5pPr>
+            <a:lvl6pPr marL="2514600" indent="-228600" algn="l" rtl="0" eaLnBrk="1" fontAlgn="base" hangingPunct="1">
+              <a:spcBef>
+                <a:spcPct val="20000"/>
+              </a:spcBef>
+              <a:spcAft>
+                <a:spcPct val="0"/>
+              </a:spcAft>
+              <a:buSzPct val="60000"/>
+              <a:buBlip>
+                <a:blip r:embed="rId5"/>
+              </a:buBlip>
+              <a:defRPr sz="1400">
+                <a:solidFill>
+                  <a:schemeClr val="tx1"/>
+                </a:solidFill>
+                <a:latin typeface="+mn-lt"/>
+              </a:defRPr>
+            </a:lvl6pPr>
+            <a:lvl7pPr marL="2971800" indent="-228600" algn="l" rtl="0" eaLnBrk="1" fontAlgn="base" hangingPunct="1">
+              <a:spcBef>
+                <a:spcPct val="20000"/>
+              </a:spcBef>
+              <a:spcAft>
+                <a:spcPct val="0"/>
+              </a:spcAft>
+              <a:buSzPct val="60000"/>
+              <a:buBlip>
+                <a:blip r:embed="rId5"/>
+              </a:buBlip>
+              <a:defRPr sz="1400">
+                <a:solidFill>
+                  <a:schemeClr val="tx1"/>
+                </a:solidFill>
+                <a:latin typeface="+mn-lt"/>
+              </a:defRPr>
+            </a:lvl7pPr>
+            <a:lvl8pPr marL="3429000" indent="-228600" algn="l" rtl="0" eaLnBrk="1" fontAlgn="base" hangingPunct="1">
+              <a:spcBef>
+                <a:spcPct val="20000"/>
+              </a:spcBef>
+              <a:spcAft>
+                <a:spcPct val="0"/>
+              </a:spcAft>
+              <a:buSzPct val="60000"/>
+              <a:buBlip>
+                <a:blip r:embed="rId5"/>
+              </a:buBlip>
+              <a:defRPr sz="1400">
+                <a:solidFill>
+                  <a:schemeClr val="tx1"/>
+                </a:solidFill>
+                <a:latin typeface="+mn-lt"/>
+              </a:defRPr>
+            </a:lvl8pPr>
+            <a:lvl9pPr marL="3886200" indent="-228600" algn="l" rtl="0" eaLnBrk="1" fontAlgn="base" hangingPunct="1">
+              <a:spcBef>
+                <a:spcPct val="20000"/>
+              </a:spcBef>
+              <a:spcAft>
+                <a:spcPct val="0"/>
+              </a:spcAft>
+              <a:buSzPct val="60000"/>
+              <a:buBlip>
+                <a:blip r:embed="rId5"/>
+              </a:buBlip>
+              <a:defRPr sz="1400">
+                <a:solidFill>
+                  <a:schemeClr val="tx1"/>
+                </a:solidFill>
+                <a:latin typeface="+mn-lt"/>
+              </a:defRPr>
+            </a:lvl9pPr>
+          </a:lstStyle>
+          <a:p>
+            <a:r>
+              <a:rPr lang="de-DE" kern="0" dirty="0" smtClean="0"/>
+              <a:t>Benchmark </a:t>
+            </a:r>
+            <a:r>
+              <a:rPr lang="de-DE" kern="0" dirty="0" err="1" smtClean="0"/>
+              <a:t>system</a:t>
+            </a:r>
+            <a:r>
+              <a:rPr lang="de-DE" kern="0" dirty="0" smtClean="0"/>
+              <a:t>:</a:t>
+            </a:r>
+          </a:p>
+          <a:p>
+            <a:pPr lvl="1"/>
+            <a:r>
+              <a:rPr lang="de-DE" dirty="0" smtClean="0"/>
+              <a:t>Intel </a:t>
+            </a:r>
+            <a:r>
+              <a:rPr lang="de-DE" dirty="0"/>
+              <a:t>Xeon E3-1231v3 4x </a:t>
+            </a:r>
+            <a:r>
+              <a:rPr lang="de-DE" dirty="0" smtClean="0"/>
+              <a:t>3.40GHz</a:t>
+            </a:r>
+          </a:p>
+          <a:p>
+            <a:pPr lvl="1"/>
+            <a:r>
+              <a:rPr lang="de-DE" dirty="0" smtClean="0"/>
+              <a:t>Windows</a:t>
+            </a:r>
+          </a:p>
+          <a:p>
+            <a:pPr lvl="1"/>
+            <a:r>
+              <a:rPr lang="en-US" dirty="0"/>
+              <a:t>Java </a:t>
+            </a:r>
+            <a:r>
+              <a:rPr lang="en-US" dirty="0" err="1" smtClean="0"/>
+              <a:t>HotSpot</a:t>
+            </a:r>
+            <a:r>
+              <a:rPr lang="en-US" dirty="0" smtClean="0"/>
+              <a:t> 64-Bit </a:t>
+            </a:r>
+            <a:r>
+              <a:rPr lang="en-US" dirty="0"/>
+              <a:t>Server VM (build </a:t>
+            </a:r>
+            <a:r>
+              <a:rPr lang="en-US" dirty="0" smtClean="0"/>
+              <a:t>25.66-b18)</a:t>
+            </a:r>
+          </a:p>
+          <a:p>
+            <a:pPr lvl="1"/>
+            <a:r>
+              <a:rPr lang="de-DE" dirty="0" smtClean="0"/>
+              <a:t>Max. JVM </a:t>
+            </a:r>
+            <a:r>
+              <a:rPr lang="de-DE" dirty="0" err="1" smtClean="0"/>
+              <a:t>heap</a:t>
+            </a:r>
+            <a:r>
+              <a:rPr lang="de-DE" dirty="0" smtClean="0"/>
+              <a:t> </a:t>
+            </a:r>
+            <a:r>
+              <a:rPr lang="de-DE" dirty="0" err="1" smtClean="0"/>
+              <a:t>size</a:t>
+            </a:r>
+            <a:r>
+              <a:rPr lang="de-DE" dirty="0" smtClean="0"/>
+              <a:t>: 4 GB</a:t>
+            </a:r>
+            <a:endParaRPr lang="de-DE" dirty="0"/>
+          </a:p>
+        </p:txBody>
+      </p:sp>
     </p:spTree>
     <p:extLst>
       <p:ext uri="{BB962C8B-B14F-4D97-AF65-F5344CB8AC3E}">
@@ -16617,7 +18820,7 @@
       </p:grpSpPr>
       <p:sp>
         <p:nvSpPr>
-          <p:cNvPr id="5" name="Titel 4"/>
+          <p:cNvPr id="2" name="Titel 1"/>
           <p:cNvSpPr>
             <a:spLocks noGrp="1"/>
           </p:cNvSpPr>
@@ -16632,96 +18835,37 @@
           <a:p>
             <a:r>
               <a:rPr lang="de-DE" dirty="0" smtClean="0"/>
-              <a:t>References</a:t>
+              <a:t>Performance</a:t>
             </a:r>
             <a:endParaRPr lang="de-DE" dirty="0"/>
           </a:p>
         </p:txBody>
       </p:sp>
-      <p:sp>
-        <p:nvSpPr>
-          <p:cNvPr id="6" name="Inhaltsplatzhalter 5"/>
-          <p:cNvSpPr>
-            <a:spLocks noGrp="1"/>
-          </p:cNvSpPr>
+      <p:graphicFrame>
+        <p:nvGraphicFramePr>
+          <p:cNvPr id="7" name="Inhaltsplatzhalter 6"/>
+          <p:cNvGraphicFramePr>
+            <a:graphicFrameLocks noGrp="1"/>
+          </p:cNvGraphicFramePr>
           <p:nvPr>
             <p:ph idx="1"/>
+            <p:extLst>
+              <p:ext uri="{D42A27DB-BD31-4B8C-83A1-F6EECF244321}">
+                <p14:modId xmlns:p14="http://schemas.microsoft.com/office/powerpoint/2010/main" val="2526661541"/>
+              </p:ext>
+            </p:extLst>
           </p:nvPr>
-        </p:nvSpPr>
-        <p:spPr/>
-        <p:txBody>
-          <a:bodyPr>
-            <a:normAutofit/>
-          </a:bodyPr>
-          <a:lstStyle/>
-          <a:p>
-            <a:r>
-              <a:rPr lang="de-DE" dirty="0"/>
-              <a:t>[1] </a:t>
-            </a:r>
-            <a:r>
-              <a:rPr lang="en-US" dirty="0">
-                <a:hlinkClick r:id="rId2"/>
-              </a:rPr>
-              <a:t>On building fast </a:t>
-            </a:r>
-            <a:r>
-              <a:rPr lang="en-US" dirty="0" err="1">
-                <a:hlinkClick r:id="rId2"/>
-              </a:rPr>
-              <a:t>kd</a:t>
-            </a:r>
-            <a:r>
-              <a:rPr lang="en-US" dirty="0">
-                <a:hlinkClick r:id="rId2"/>
-              </a:rPr>
-              <a:t>-Trees for Ray Tracing, and on doing that in O(N log N) (2006</a:t>
-            </a:r>
-            <a:r>
-              <a:rPr lang="en-US" dirty="0" smtClean="0">
-                <a:hlinkClick r:id="rId2"/>
-              </a:rPr>
-              <a:t>),</a:t>
-            </a:r>
-            <a:r>
-              <a:rPr lang="de-DE" dirty="0">
-                <a:hlinkClick r:id="rId2"/>
-              </a:rPr>
-              <a:t> </a:t>
-            </a:r>
-            <a:r>
-              <a:rPr lang="de-DE" dirty="0" smtClean="0">
-                <a:hlinkClick r:id="rId2"/>
-              </a:rPr>
-              <a:t>Ingo Wald, </a:t>
-            </a:r>
-            <a:r>
-              <a:rPr lang="de-DE" dirty="0">
-                <a:hlinkClick r:id="rId2"/>
-              </a:rPr>
-              <a:t>Vlastimil </a:t>
-            </a:r>
-            <a:r>
-              <a:rPr lang="de-DE" dirty="0" err="1">
-                <a:hlinkClick r:id="rId2"/>
-              </a:rPr>
-              <a:t>Havran</a:t>
-            </a:r>
-            <a:endParaRPr lang="de-DE" dirty="0" smtClean="0"/>
-          </a:p>
-          <a:p>
-            <a:pPr lvl="1"/>
-            <a:endParaRPr lang="de-DE" dirty="0"/>
-          </a:p>
-          <a:p>
-            <a:pPr marL="418388" indent="-457200">
-              <a:buFont typeface="+mj-lt"/>
-              <a:buAutoNum type="arabicPeriod"/>
-            </a:pPr>
-            <a:endParaRPr lang="de-DE" dirty="0" smtClean="0"/>
-          </a:p>
-        </p:txBody>
-      </p:sp>
+        </p:nvGraphicFramePr>
+        <p:xfrm>
+          <a:off x="392113" y="1198563"/>
+          <a:ext cx="8356600" cy="4711700"/>
+        </p:xfrm>
+        <a:graphic>
+          <a:graphicData uri="http://schemas.openxmlformats.org/drawingml/2006/chart">
+            <c:chart xmlns:c="http://schemas.openxmlformats.org/drawingml/2006/chart" xmlns:r="http://schemas.openxmlformats.org/officeDocument/2006/relationships" r:id="rId2"/>
+          </a:graphicData>
+        </a:graphic>
+      </p:graphicFrame>
       <p:sp>
         <p:nvSpPr>
           <p:cNvPr id="4" name="Fußzeilenplatzhalter 3"/>
@@ -16741,28 +18885,8 @@
               <a:defRPr/>
             </a:pPr>
             <a:r>
-              <a:rPr lang="de-DE" dirty="0"/>
-              <a:t>Mao L., Wang C., Sebastian G. – </a:t>
-            </a:r>
-            <a:r>
-              <a:rPr lang="de-DE" dirty="0" err="1"/>
-              <a:t>Ghosts</a:t>
-            </a:r>
-            <a:r>
-              <a:rPr lang="de-DE" dirty="0"/>
-              <a:t> </a:t>
-            </a:r>
-            <a:r>
-              <a:rPr lang="de-DE" dirty="0" err="1"/>
-              <a:t>activate</a:t>
-            </a:r>
-            <a:r>
-              <a:rPr lang="de-DE" dirty="0"/>
-              <a:t> on </a:t>
-            </a:r>
-            <a:r>
-              <a:rPr lang="de-DE" dirty="0" err="1"/>
-              <a:t>sight</a:t>
+              <a:rPr lang="de-DE" smtClean="0"/>
+              <a:t>Mao L., Wang C., Sebastian G. – Ghosts activate on sight</a:t>
             </a:r>
             <a:endParaRPr lang="en-US" dirty="0"/>
           </a:p>
@@ -16771,7 +18895,7 @@
     </p:spTree>
     <p:extLst>
       <p:ext uri="{BB962C8B-B14F-4D97-AF65-F5344CB8AC3E}">
-        <p14:creationId xmlns:p14="http://schemas.microsoft.com/office/powerpoint/2010/main" val="520941319"/>
+        <p14:creationId xmlns:p14="http://schemas.microsoft.com/office/powerpoint/2010/main" val="3814942389"/>
       </p:ext>
     </p:extLst>
   </p:cSld>
@@ -16870,6 +18994,293 @@
     <p:extLst>
       <p:ext uri="{BB962C8B-B14F-4D97-AF65-F5344CB8AC3E}">
         <p14:creationId xmlns:p14="http://schemas.microsoft.com/office/powerpoint/2010/main" val="1185963703"/>
+      </p:ext>
+    </p:extLst>
+  </p:cSld>
+  <p:clrMapOvr>
+    <a:masterClrMapping/>
+  </p:clrMapOvr>
+</p:sld>
+</file>
+
+<file path=ppt/slides/slide40.xml><?xml version="1.0" encoding="utf-8"?>
+<p:sld xmlns:a="http://schemas.openxmlformats.org/drawingml/2006/main" xmlns:r="http://schemas.openxmlformats.org/officeDocument/2006/relationships" xmlns:p="http://schemas.openxmlformats.org/presentationml/2006/main">
+  <p:cSld>
+    <p:spTree>
+      <p:nvGrpSpPr>
+        <p:cNvPr id="1" name=""/>
+        <p:cNvGrpSpPr/>
+        <p:nvPr/>
+      </p:nvGrpSpPr>
+      <p:grpSpPr>
+        <a:xfrm>
+          <a:off x="0" y="0"/>
+          <a:ext cx="0" cy="0"/>
+          <a:chOff x="0" y="0"/>
+          <a:chExt cx="0" cy="0"/>
+        </a:xfrm>
+      </p:grpSpPr>
+      <p:sp>
+        <p:nvSpPr>
+          <p:cNvPr id="2" name="Titel 1"/>
+          <p:cNvSpPr>
+            <a:spLocks noGrp="1"/>
+          </p:cNvSpPr>
+          <p:nvPr>
+            <p:ph type="title"/>
+          </p:nvPr>
+        </p:nvSpPr>
+        <p:spPr/>
+        <p:txBody>
+          <a:bodyPr/>
+          <a:lstStyle/>
+          <a:p>
+            <a:r>
+              <a:rPr lang="de-DE" dirty="0" smtClean="0"/>
+              <a:t>Performance</a:t>
+            </a:r>
+            <a:endParaRPr lang="de-DE" dirty="0"/>
+          </a:p>
+        </p:txBody>
+      </p:sp>
+      <p:graphicFrame>
+        <p:nvGraphicFramePr>
+          <p:cNvPr id="7" name="Inhaltsplatzhalter 6"/>
+          <p:cNvGraphicFramePr>
+            <a:graphicFrameLocks noGrp="1"/>
+          </p:cNvGraphicFramePr>
+          <p:nvPr>
+            <p:ph idx="1"/>
+            <p:extLst>
+              <p:ext uri="{D42A27DB-BD31-4B8C-83A1-F6EECF244321}">
+                <p14:modId xmlns:p14="http://schemas.microsoft.com/office/powerpoint/2010/main" val="2626990556"/>
+              </p:ext>
+            </p:extLst>
+          </p:nvPr>
+        </p:nvGraphicFramePr>
+        <p:xfrm>
+          <a:off x="392113" y="1198563"/>
+          <a:ext cx="8356600" cy="4711700"/>
+        </p:xfrm>
+        <a:graphic>
+          <a:graphicData uri="http://schemas.openxmlformats.org/drawingml/2006/chart">
+            <c:chart xmlns:c="http://schemas.openxmlformats.org/drawingml/2006/chart" xmlns:r="http://schemas.openxmlformats.org/officeDocument/2006/relationships" r:id="rId2"/>
+          </a:graphicData>
+        </a:graphic>
+      </p:graphicFrame>
+      <p:sp>
+        <p:nvSpPr>
+          <p:cNvPr id="4" name="Fußzeilenplatzhalter 3"/>
+          <p:cNvSpPr>
+            <a:spLocks noGrp="1"/>
+          </p:cNvSpPr>
+          <p:nvPr>
+            <p:ph type="ftr" sz="quarter" idx="10"/>
+          </p:nvPr>
+        </p:nvSpPr>
+        <p:spPr/>
+        <p:txBody>
+          <a:bodyPr/>
+          <a:lstStyle/>
+          <a:p>
+            <a:pPr>
+              <a:defRPr/>
+            </a:pPr>
+            <a:r>
+              <a:rPr lang="de-DE" smtClean="0"/>
+              <a:t>Mao L., Wang C., Sebastian G. – Ghosts activate on sight</a:t>
+            </a:r>
+            <a:endParaRPr lang="en-US" dirty="0"/>
+          </a:p>
+        </p:txBody>
+      </p:sp>
+    </p:spTree>
+    <p:extLst>
+      <p:ext uri="{BB962C8B-B14F-4D97-AF65-F5344CB8AC3E}">
+        <p14:creationId xmlns:p14="http://schemas.microsoft.com/office/powerpoint/2010/main" val="743909066"/>
+      </p:ext>
+    </p:extLst>
+  </p:cSld>
+  <p:clrMapOvr>
+    <a:masterClrMapping/>
+  </p:clrMapOvr>
+</p:sld>
+</file>
+
+<file path=ppt/slides/slide41.xml><?xml version="1.0" encoding="utf-8"?>
+<p:sld xmlns:a="http://schemas.openxmlformats.org/drawingml/2006/main" xmlns:r="http://schemas.openxmlformats.org/officeDocument/2006/relationships" xmlns:p="http://schemas.openxmlformats.org/presentationml/2006/main">
+  <p:cSld>
+    <p:spTree>
+      <p:nvGrpSpPr>
+        <p:cNvPr id="1" name=""/>
+        <p:cNvGrpSpPr/>
+        <p:nvPr/>
+      </p:nvGrpSpPr>
+      <p:grpSpPr>
+        <a:xfrm>
+          <a:off x="0" y="0"/>
+          <a:ext cx="0" cy="0"/>
+          <a:chOff x="0" y="0"/>
+          <a:chExt cx="0" cy="0"/>
+        </a:xfrm>
+      </p:grpSpPr>
+      <p:sp>
+        <p:nvSpPr>
+          <p:cNvPr id="5" name="Titel 4"/>
+          <p:cNvSpPr>
+            <a:spLocks noGrp="1"/>
+          </p:cNvSpPr>
+          <p:nvPr>
+            <p:ph type="title"/>
+          </p:nvPr>
+        </p:nvSpPr>
+        <p:spPr/>
+        <p:txBody>
+          <a:bodyPr/>
+          <a:lstStyle/>
+          <a:p>
+            <a:r>
+              <a:rPr lang="de-DE" dirty="0" smtClean="0"/>
+              <a:t>References</a:t>
+            </a:r>
+            <a:endParaRPr lang="de-DE" dirty="0"/>
+          </a:p>
+        </p:txBody>
+      </p:sp>
+      <p:sp>
+        <p:nvSpPr>
+          <p:cNvPr id="6" name="Inhaltsplatzhalter 5"/>
+          <p:cNvSpPr>
+            <a:spLocks noGrp="1"/>
+          </p:cNvSpPr>
+          <p:nvPr>
+            <p:ph idx="1"/>
+          </p:nvPr>
+        </p:nvSpPr>
+        <p:spPr/>
+        <p:txBody>
+          <a:bodyPr>
+            <a:normAutofit/>
+          </a:bodyPr>
+          <a:lstStyle/>
+          <a:p>
+            <a:r>
+              <a:rPr lang="de-DE" dirty="0"/>
+              <a:t>[1] </a:t>
+            </a:r>
+            <a:r>
+              <a:rPr lang="en-US" dirty="0">
+                <a:hlinkClick r:id="rId2"/>
+              </a:rPr>
+              <a:t>On building fast </a:t>
+            </a:r>
+            <a:r>
+              <a:rPr lang="en-US" dirty="0" err="1">
+                <a:hlinkClick r:id="rId2"/>
+              </a:rPr>
+              <a:t>kd</a:t>
+            </a:r>
+            <a:r>
+              <a:rPr lang="en-US" dirty="0">
+                <a:hlinkClick r:id="rId2"/>
+              </a:rPr>
+              <a:t>-Trees for Ray Tracing, and on doing that in O(N log N) (2006</a:t>
+            </a:r>
+            <a:r>
+              <a:rPr lang="en-US" dirty="0" smtClean="0">
+                <a:hlinkClick r:id="rId2"/>
+              </a:rPr>
+              <a:t>),</a:t>
+            </a:r>
+            <a:r>
+              <a:rPr lang="de-DE" dirty="0">
+                <a:hlinkClick r:id="rId2"/>
+              </a:rPr>
+              <a:t> </a:t>
+            </a:r>
+            <a:r>
+              <a:rPr lang="de-DE" dirty="0" smtClean="0">
+                <a:hlinkClick r:id="rId2"/>
+              </a:rPr>
+              <a:t>Ingo Wald, </a:t>
+            </a:r>
+            <a:r>
+              <a:rPr lang="de-DE" dirty="0">
+                <a:hlinkClick r:id="rId2"/>
+              </a:rPr>
+              <a:t>Vlastimil </a:t>
+            </a:r>
+            <a:r>
+              <a:rPr lang="de-DE" dirty="0" err="1">
+                <a:hlinkClick r:id="rId2"/>
+              </a:rPr>
+              <a:t>Havran</a:t>
+            </a:r>
+            <a:endParaRPr lang="de-DE" dirty="0" smtClean="0"/>
+          </a:p>
+          <a:p>
+            <a:pPr lvl="1"/>
+            <a:endParaRPr lang="de-DE" dirty="0"/>
+          </a:p>
+          <a:p>
+            <a:pPr marL="418388" indent="-457200">
+              <a:buFont typeface="+mj-lt"/>
+              <a:buAutoNum type="arabicPeriod"/>
+            </a:pPr>
+            <a:endParaRPr lang="de-DE" dirty="0" smtClean="0"/>
+          </a:p>
+        </p:txBody>
+      </p:sp>
+      <p:sp>
+        <p:nvSpPr>
+          <p:cNvPr id="4" name="Fußzeilenplatzhalter 3"/>
+          <p:cNvSpPr>
+            <a:spLocks noGrp="1"/>
+          </p:cNvSpPr>
+          <p:nvPr>
+            <p:ph type="ftr" sz="quarter" idx="10"/>
+          </p:nvPr>
+        </p:nvSpPr>
+        <p:spPr/>
+        <p:txBody>
+          <a:bodyPr/>
+          <a:lstStyle/>
+          <a:p>
+            <a:pPr>
+              <a:defRPr/>
+            </a:pPr>
+            <a:r>
+              <a:rPr lang="de-DE" dirty="0"/>
+              <a:t>Mao L., Wang C., Sebastian G. – </a:t>
+            </a:r>
+            <a:r>
+              <a:rPr lang="de-DE" dirty="0" err="1"/>
+              <a:t>Ghosts</a:t>
+            </a:r>
+            <a:r>
+              <a:rPr lang="de-DE" dirty="0"/>
+              <a:t> </a:t>
+            </a:r>
+            <a:r>
+              <a:rPr lang="de-DE" dirty="0" err="1"/>
+              <a:t>activate</a:t>
+            </a:r>
+            <a:r>
+              <a:rPr lang="de-DE" dirty="0"/>
+              <a:t> on </a:t>
+            </a:r>
+            <a:r>
+              <a:rPr lang="de-DE" dirty="0" err="1"/>
+              <a:t>sight</a:t>
+            </a:r>
+            <a:endParaRPr lang="en-US" dirty="0"/>
+          </a:p>
+        </p:txBody>
+      </p:sp>
+    </p:spTree>
+    <p:extLst>
+      <p:ext uri="{BB962C8B-B14F-4D97-AF65-F5344CB8AC3E}">
+        <p14:creationId xmlns:p14="http://schemas.microsoft.com/office/powerpoint/2010/main" val="520941319"/>
       </p:ext>
     </p:extLst>
   </p:cSld>
@@ -17207,8 +19618,8 @@
           </a:p>
         </p:txBody>
       </p:sp>
-      <mc:AlternateContent xmlns:mc="http://schemas.openxmlformats.org/markup-compatibility/2006">
-        <mc:Choice xmlns:a14="http://schemas.microsoft.com/office/drawing/2010/main" Requires="a14">
+      <mc:AlternateContent xmlns:mc="http://schemas.openxmlformats.org/markup-compatibility/2006" xmlns:a14="http://schemas.microsoft.com/office/drawing/2010/main">
+        <mc:Choice Requires="a14">
           <p:sp>
             <p:nvSpPr>
               <p:cNvPr id="6" name="Inhaltsplatzhalter 5"/>
@@ -18184,7 +20595,7 @@
             </p:txBody>
           </p:sp>
         </mc:Choice>
-        <mc:Fallback>
+        <mc:Fallback xmlns="">
           <p:sp>
             <p:nvSpPr>
               <p:cNvPr id="6" name="Inhaltsplatzhalter 5"/>
@@ -18487,8 +20898,8 @@
           </a:p>
         </p:txBody>
       </p:sp>
-      <mc:AlternateContent xmlns:mc="http://schemas.openxmlformats.org/markup-compatibility/2006">
-        <mc:Choice xmlns:a14="http://schemas.microsoft.com/office/drawing/2010/main" Requires="a14">
+      <mc:AlternateContent xmlns:mc="http://schemas.openxmlformats.org/markup-compatibility/2006" xmlns:a14="http://schemas.microsoft.com/office/drawing/2010/main">
+        <mc:Choice Requires="a14">
           <p:sp>
             <p:nvSpPr>
               <p:cNvPr id="3" name="Inhaltsplatzhalter 2"/>
@@ -18739,7 +21150,7 @@
             </p:txBody>
           </p:sp>
         </mc:Choice>
-        <mc:Fallback>
+        <mc:Fallback xmlns="">
           <p:sp>
             <p:nvSpPr>
               <p:cNvPr id="3" name="Inhaltsplatzhalter 2"/>
